--- a/files/Презентация.pptx
+++ b/files/Презентация.pptx
@@ -8,8 +8,17 @@
     <p:sldId id="256" r:id="rId2"/>
     <p:sldId id="257" r:id="rId3"/>
     <p:sldId id="258" r:id="rId4"/>
-    <p:sldId id="259" r:id="rId5"/>
-    <p:sldId id="260" r:id="rId6"/>
+    <p:sldId id="267" r:id="rId5"/>
+    <p:sldId id="268" r:id="rId6"/>
+    <p:sldId id="269" r:id="rId7"/>
+    <p:sldId id="261" r:id="rId8"/>
+    <p:sldId id="262" r:id="rId9"/>
+    <p:sldId id="263" r:id="rId10"/>
+    <p:sldId id="264" r:id="rId11"/>
+    <p:sldId id="265" r:id="rId12"/>
+    <p:sldId id="266" r:id="rId13"/>
+    <p:sldId id="259" r:id="rId14"/>
+    <p:sldId id="260" r:id="rId15"/>
   </p:sldIdLst>
   <p:sldSz cx="12192000" cy="6858000"/>
   <p:notesSz cx="6858000" cy="9144000"/>
@@ -119,6 +128,7 @@
 <file path=ppt/revisionInfo.xml><?xml version="1.0" encoding="utf-8"?>
 <p1510:revInfo xmlns:a="http://schemas.openxmlformats.org/drawingml/2006/main" xmlns:r="http://schemas.openxmlformats.org/officeDocument/2006/relationships" xmlns:p1510="http://schemas.microsoft.com/office/powerpoint/2015/10/main">
   <p1510:revLst>
+    <p1510:client id="{A1E12811-912B-4189-BC7E-3EF3B9C3DB87}" v="1816" dt="2022-04-24T13:24:58.752"/>
     <p1510:client id="{DDE25513-ACEA-4F7A-A632-5443353F72EA}" v="122" dt="2022-04-16T17:47:22.871"/>
   </p1510:revLst>
 </p1510:revInfo>
@@ -272,7 +282,7 @@
           <a:p>
             <a:fld id="{AA70F276-1833-4A75-9C1D-A56E2295A68D}" type="datetimeFigureOut">
               <a:rPr lang="en-US" smtClean="0"/>
-              <a:t>4/16/2022</a:t>
+              <a:t>4/24/2022</a:t>
             </a:fld>
             <a:endParaRPr lang="en-US"/>
           </a:p>
@@ -470,7 +480,7 @@
           <a:p>
             <a:fld id="{AA70F276-1833-4A75-9C1D-A56E2295A68D}" type="datetimeFigureOut">
               <a:rPr lang="en-US" smtClean="0"/>
-              <a:t>4/16/2022</a:t>
+              <a:t>4/24/2022</a:t>
             </a:fld>
             <a:endParaRPr lang="en-US"/>
           </a:p>
@@ -678,7 +688,7 @@
           <a:p>
             <a:fld id="{AA70F276-1833-4A75-9C1D-A56E2295A68D}" type="datetimeFigureOut">
               <a:rPr lang="en-US" smtClean="0"/>
-              <a:t>4/16/2022</a:t>
+              <a:t>4/24/2022</a:t>
             </a:fld>
             <a:endParaRPr lang="en-US"/>
           </a:p>
@@ -903,7 +913,7 @@
           <a:p>
             <a:fld id="{AA70F276-1833-4A75-9C1D-A56E2295A68D}" type="datetimeFigureOut">
               <a:rPr lang="en-US" smtClean="0"/>
-              <a:t>4/16/2022</a:t>
+              <a:t>4/24/2022</a:t>
             </a:fld>
             <a:endParaRPr lang="en-US"/>
           </a:p>
@@ -1179,7 +1189,7 @@
           <a:p>
             <a:fld id="{AA70F276-1833-4A75-9C1D-A56E2295A68D}" type="datetimeFigureOut">
               <a:rPr lang="en-US" smtClean="0"/>
-              <a:t>4/16/2022</a:t>
+              <a:t>4/24/2022</a:t>
             </a:fld>
             <a:endParaRPr lang="en-US"/>
           </a:p>
@@ -1449,7 +1459,7 @@
           <a:p>
             <a:fld id="{AA70F276-1833-4A75-9C1D-A56E2295A68D}" type="datetimeFigureOut">
               <a:rPr lang="en-US" smtClean="0"/>
-              <a:t>4/16/2022</a:t>
+              <a:t>4/24/2022</a:t>
             </a:fld>
             <a:endParaRPr lang="en-US"/>
           </a:p>
@@ -1861,7 +1871,7 @@
           <a:p>
             <a:fld id="{AA70F276-1833-4A75-9C1D-A56E2295A68D}" type="datetimeFigureOut">
               <a:rPr lang="en-US" smtClean="0"/>
-              <a:t>4/16/2022</a:t>
+              <a:t>4/24/2022</a:t>
             </a:fld>
             <a:endParaRPr lang="en-US"/>
           </a:p>
@@ -2002,7 +2012,7 @@
           <a:p>
             <a:fld id="{AA70F276-1833-4A75-9C1D-A56E2295A68D}" type="datetimeFigureOut">
               <a:rPr lang="en-US" smtClean="0"/>
-              <a:t>4/16/2022</a:t>
+              <a:t>4/24/2022</a:t>
             </a:fld>
             <a:endParaRPr lang="en-US"/>
           </a:p>
@@ -2115,7 +2125,7 @@
           <a:p>
             <a:fld id="{AA70F276-1833-4A75-9C1D-A56E2295A68D}" type="datetimeFigureOut">
               <a:rPr lang="en-US" smtClean="0"/>
-              <a:t>4/16/2022</a:t>
+              <a:t>4/24/2022</a:t>
             </a:fld>
             <a:endParaRPr lang="en-US"/>
           </a:p>
@@ -2426,7 +2436,7 @@
           <a:p>
             <a:fld id="{AA70F276-1833-4A75-9C1D-A56E2295A68D}" type="datetimeFigureOut">
               <a:rPr lang="en-US" smtClean="0"/>
-              <a:t>4/16/2022</a:t>
+              <a:t>4/24/2022</a:t>
             </a:fld>
             <a:endParaRPr lang="en-US"/>
           </a:p>
@@ -2717,7 +2727,7 @@
           <a:p>
             <a:fld id="{AA70F276-1833-4A75-9C1D-A56E2295A68D}" type="datetimeFigureOut">
               <a:rPr lang="en-US" smtClean="0"/>
-              <a:t>4/16/2022</a:t>
+              <a:t>4/24/2022</a:t>
             </a:fld>
             <a:endParaRPr lang="en-US"/>
           </a:p>
@@ -3025,7 +3035,7 @@
             <a:fld id="{AA70F276-1833-4A75-9C1D-A56E2295A68D}" type="datetimeFigureOut">
               <a:rPr lang="en-US" smtClean="0"/>
               <a:pPr/>
-              <a:t>4/16/2022</a:t>
+              <a:t>4/24/2022</a:t>
             </a:fld>
             <a:endParaRPr lang="en-US" dirty="0"/>
           </a:p>
@@ -4061,6 +4071,3567 @@
 </p:sld>
 </file>
 
+<file path=ppt/slides/slide10.xml><?xml version="1.0" encoding="utf-8"?>
+<p:sld xmlns:a="http://schemas.openxmlformats.org/drawingml/2006/main" xmlns:r="http://schemas.openxmlformats.org/officeDocument/2006/relationships" xmlns:p="http://schemas.openxmlformats.org/presentationml/2006/main">
+  <p:cSld>
+    <p:bg>
+      <p:bgPr>
+        <a:solidFill>
+          <a:schemeClr val="bg1"/>
+        </a:solidFill>
+        <a:effectLst/>
+      </p:bgPr>
+    </p:bg>
+    <p:spTree>
+      <p:nvGrpSpPr>
+        <p:cNvPr id="1" name=""/>
+        <p:cNvGrpSpPr/>
+        <p:nvPr/>
+      </p:nvGrpSpPr>
+      <p:grpSpPr>
+        <a:xfrm>
+          <a:off x="0" y="0"/>
+          <a:ext cx="0" cy="0"/>
+          <a:chOff x="0" y="0"/>
+          <a:chExt cx="0" cy="0"/>
+        </a:xfrm>
+      </p:grpSpPr>
+      <p:sp>
+        <p:nvSpPr>
+          <p:cNvPr id="10" name="Frame 9">
+            <a:extLst>
+              <a:ext uri="{FF2B5EF4-FFF2-40B4-BE49-F238E27FC236}">
+                <a16:creationId xmlns:a16="http://schemas.microsoft.com/office/drawing/2014/main" id="{DD7EAFE6-2BB9-41FB-9CF4-588CFC708774}"/>
+              </a:ext>
+              <a:ext uri="{C183D7F6-B498-43B3-948B-1728B52AA6E4}">
+                <adec:decorative xmlns:adec="http://schemas.microsoft.com/office/drawing/2017/decorative" val="1"/>
+              </a:ext>
+            </a:extLst>
+          </p:cNvPr>
+          <p:cNvSpPr>
+            <a:spLocks noGrp="1" noRot="1" noChangeAspect="1" noMove="1" noResize="1" noEditPoints="1" noAdjustHandles="1" noChangeArrowheads="1" noChangeShapeType="1" noTextEdit="1"/>
+          </p:cNvSpPr>
+          <p:nvPr>
+            <p:extLst>
+              <p:ext uri="{386F3935-93C4-4BCD-93E2-E3B085C9AB24}">
+                <p16:designElem xmlns:p16="http://schemas.microsoft.com/office/powerpoint/2015/main" val="1"/>
+              </p:ext>
+            </p:extLst>
+          </p:nvPr>
+        </p:nvSpPr>
+        <p:spPr>
+          <a:xfrm>
+            <a:off x="0" y="0"/>
+            <a:ext cx="12188952" cy="6858000"/>
+          </a:xfrm>
+          <a:prstGeom prst="frame">
+            <a:avLst>
+              <a:gd name="adj1" fmla="val 7164"/>
+            </a:avLst>
+          </a:prstGeom>
+          <a:gradFill flip="none" rotWithShape="1">
+            <a:gsLst>
+              <a:gs pos="0">
+                <a:schemeClr val="accent2">
+                  <a:alpha val="40000"/>
+                </a:schemeClr>
+              </a:gs>
+              <a:gs pos="100000">
+                <a:schemeClr val="accent1">
+                  <a:alpha val="40000"/>
+                </a:schemeClr>
+              </a:gs>
+            </a:gsLst>
+            <a:lin ang="2700000" scaled="1"/>
+            <a:tileRect/>
+          </a:gradFill>
+          <a:ln>
+            <a:noFill/>
+          </a:ln>
+        </p:spPr>
+        <p:style>
+          <a:lnRef idx="2">
+            <a:schemeClr val="accent1">
+              <a:shade val="50000"/>
+            </a:schemeClr>
+          </a:lnRef>
+          <a:fillRef idx="1">
+            <a:schemeClr val="accent1"/>
+          </a:fillRef>
+          <a:effectRef idx="0">
+            <a:schemeClr val="accent1"/>
+          </a:effectRef>
+          <a:fontRef idx="minor">
+            <a:schemeClr val="lt1"/>
+          </a:fontRef>
+        </p:style>
+        <p:txBody>
+          <a:bodyPr rtlCol="0" anchor="ctr"/>
+          <a:lstStyle/>
+          <a:p>
+            <a:pPr algn="ctr"/>
+            <a:endParaRPr lang="en-US"/>
+          </a:p>
+        </p:txBody>
+      </p:sp>
+      <p:sp useBgFill="1">
+        <p:nvSpPr>
+          <p:cNvPr id="12" name="Rectangle 11">
+            <a:extLst>
+              <a:ext uri="{FF2B5EF4-FFF2-40B4-BE49-F238E27FC236}">
+                <a16:creationId xmlns:a16="http://schemas.microsoft.com/office/drawing/2014/main" id="{610334BF-0422-4A9A-BE46-AEB8C348BAC4}"/>
+              </a:ext>
+              <a:ext uri="{C183D7F6-B498-43B3-948B-1728B52AA6E4}">
+                <adec:decorative xmlns:adec="http://schemas.microsoft.com/office/drawing/2017/decorative" val="1"/>
+              </a:ext>
+            </a:extLst>
+          </p:cNvPr>
+          <p:cNvSpPr>
+            <a:spLocks noGrp="1" noRot="1" noChangeAspect="1" noMove="1" noResize="1" noEditPoints="1" noAdjustHandles="1" noChangeArrowheads="1" noChangeShapeType="1" noTextEdit="1"/>
+          </p:cNvSpPr>
+          <p:nvPr>
+            <p:extLst>
+              <p:ext uri="{386F3935-93C4-4BCD-93E2-E3B085C9AB24}">
+                <p16:designElem xmlns:p16="http://schemas.microsoft.com/office/powerpoint/2015/main" val="1"/>
+              </p:ext>
+            </p:extLst>
+          </p:nvPr>
+        </p:nvSpPr>
+        <p:spPr>
+          <a:xfrm>
+            <a:off x="0" y="0"/>
+            <a:ext cx="12188952" cy="6858000"/>
+          </a:xfrm>
+          <a:prstGeom prst="rect">
+            <a:avLst/>
+          </a:prstGeom>
+          <a:ln>
+            <a:noFill/>
+          </a:ln>
+        </p:spPr>
+        <p:style>
+          <a:lnRef idx="2">
+            <a:schemeClr val="accent1">
+              <a:shade val="50000"/>
+            </a:schemeClr>
+          </a:lnRef>
+          <a:fillRef idx="1">
+            <a:schemeClr val="accent1"/>
+          </a:fillRef>
+          <a:effectRef idx="0">
+            <a:schemeClr val="accent1"/>
+          </a:effectRef>
+          <a:fontRef idx="minor">
+            <a:schemeClr val="lt1"/>
+          </a:fontRef>
+        </p:style>
+        <p:txBody>
+          <a:bodyPr rtlCol="0" anchor="ctr"/>
+          <a:lstStyle/>
+          <a:p>
+            <a:pPr algn="ctr"/>
+            <a:endParaRPr lang="en-US"/>
+          </a:p>
+        </p:txBody>
+      </p:sp>
+      <p:sp>
+        <p:nvSpPr>
+          <p:cNvPr id="14" name="Rectangle 13">
+            <a:extLst>
+              <a:ext uri="{FF2B5EF4-FFF2-40B4-BE49-F238E27FC236}">
+                <a16:creationId xmlns:a16="http://schemas.microsoft.com/office/drawing/2014/main" id="{C98F2823-0279-49D8-928D-754B222533EF}"/>
+              </a:ext>
+              <a:ext uri="{C183D7F6-B498-43B3-948B-1728B52AA6E4}">
+                <adec:decorative xmlns:adec="http://schemas.microsoft.com/office/drawing/2017/decorative" val="1"/>
+              </a:ext>
+            </a:extLst>
+          </p:cNvPr>
+          <p:cNvSpPr>
+            <a:spLocks noGrp="1" noRot="1" noChangeAspect="1" noMove="1" noResize="1" noEditPoints="1" noAdjustHandles="1" noChangeArrowheads="1" noChangeShapeType="1" noTextEdit="1"/>
+          </p:cNvSpPr>
+          <p:nvPr>
+            <p:extLst>
+              <p:ext uri="{386F3935-93C4-4BCD-93E2-E3B085C9AB24}">
+                <p16:designElem xmlns:p16="http://schemas.microsoft.com/office/powerpoint/2015/main" val="1"/>
+              </p:ext>
+            </p:extLst>
+          </p:nvPr>
+        </p:nvSpPr>
+        <p:spPr>
+          <a:xfrm>
+            <a:off x="0" y="-664"/>
+            <a:ext cx="12188952" cy="6858000"/>
+          </a:xfrm>
+          <a:prstGeom prst="rect">
+            <a:avLst/>
+          </a:prstGeom>
+          <a:gradFill flip="none" rotWithShape="1">
+            <a:gsLst>
+              <a:gs pos="0">
+                <a:schemeClr val="accent2">
+                  <a:alpha val="60000"/>
+                </a:schemeClr>
+              </a:gs>
+              <a:gs pos="100000">
+                <a:schemeClr val="accent1">
+                  <a:alpha val="60000"/>
+                </a:schemeClr>
+              </a:gs>
+            </a:gsLst>
+            <a:lin ang="2700000" scaled="1"/>
+            <a:tileRect/>
+          </a:gradFill>
+          <a:ln>
+            <a:noFill/>
+          </a:ln>
+        </p:spPr>
+        <p:style>
+          <a:lnRef idx="2">
+            <a:schemeClr val="accent1">
+              <a:shade val="50000"/>
+            </a:schemeClr>
+          </a:lnRef>
+          <a:fillRef idx="1">
+            <a:schemeClr val="accent1"/>
+          </a:fillRef>
+          <a:effectRef idx="0">
+            <a:schemeClr val="accent1"/>
+          </a:effectRef>
+          <a:fontRef idx="minor">
+            <a:schemeClr val="lt1"/>
+          </a:fontRef>
+        </p:style>
+        <p:txBody>
+          <a:bodyPr rtlCol="0" anchor="ctr"/>
+          <a:lstStyle/>
+          <a:p>
+            <a:pPr algn="ctr"/>
+            <a:endParaRPr lang="en-US"/>
+          </a:p>
+        </p:txBody>
+      </p:sp>
+      <p:sp>
+        <p:nvSpPr>
+          <p:cNvPr id="16" name="Rectangle 15">
+            <a:extLst>
+              <a:ext uri="{FF2B5EF4-FFF2-40B4-BE49-F238E27FC236}">
+                <a16:creationId xmlns:a16="http://schemas.microsoft.com/office/drawing/2014/main" id="{02E45E95-311C-41C7-A882-6E43F0806865}"/>
+              </a:ext>
+              <a:ext uri="{C183D7F6-B498-43B3-948B-1728B52AA6E4}">
+                <adec:decorative xmlns:adec="http://schemas.microsoft.com/office/drawing/2017/decorative" val="1"/>
+              </a:ext>
+            </a:extLst>
+          </p:cNvPr>
+          <p:cNvSpPr>
+            <a:spLocks noGrp="1" noRot="1" noChangeAspect="1" noMove="1" noResize="1" noEditPoints="1" noAdjustHandles="1" noChangeArrowheads="1" noChangeShapeType="1" noTextEdit="1"/>
+          </p:cNvSpPr>
+          <p:nvPr>
+            <p:extLst>
+              <p:ext uri="{386F3935-93C4-4BCD-93E2-E3B085C9AB24}">
+                <p16:designElem xmlns:p16="http://schemas.microsoft.com/office/powerpoint/2015/main" val="1"/>
+              </p:ext>
+            </p:extLst>
+          </p:nvPr>
+        </p:nvSpPr>
+        <p:spPr>
+          <a:xfrm>
+            <a:off x="0" y="663"/>
+            <a:ext cx="12188952" cy="6858000"/>
+          </a:xfrm>
+          <a:prstGeom prst="rect">
+            <a:avLst/>
+          </a:prstGeom>
+          <a:solidFill>
+            <a:schemeClr val="bg2">
+              <a:alpha val="20000"/>
+            </a:schemeClr>
+          </a:solidFill>
+          <a:ln>
+            <a:noFill/>
+          </a:ln>
+        </p:spPr>
+        <p:style>
+          <a:lnRef idx="2">
+            <a:schemeClr val="accent1">
+              <a:shade val="50000"/>
+            </a:schemeClr>
+          </a:lnRef>
+          <a:fillRef idx="1">
+            <a:schemeClr val="accent1"/>
+          </a:fillRef>
+          <a:effectRef idx="0">
+            <a:schemeClr val="accent1"/>
+          </a:effectRef>
+          <a:fontRef idx="minor">
+            <a:schemeClr val="lt1"/>
+          </a:fontRef>
+        </p:style>
+        <p:txBody>
+          <a:bodyPr rtlCol="0" anchor="ctr"/>
+          <a:lstStyle/>
+          <a:p>
+            <a:pPr algn="ctr"/>
+            <a:endParaRPr lang="en-US" dirty="0"/>
+          </a:p>
+        </p:txBody>
+      </p:sp>
+      <p:sp>
+        <p:nvSpPr>
+          <p:cNvPr id="18" name="Oval 17">
+            <a:extLst>
+              <a:ext uri="{FF2B5EF4-FFF2-40B4-BE49-F238E27FC236}">
+                <a16:creationId xmlns:a16="http://schemas.microsoft.com/office/drawing/2014/main" id="{B7299D5D-ECC5-41EB-B830-C3A35FB35516}"/>
+              </a:ext>
+              <a:ext uri="{C183D7F6-B498-43B3-948B-1728B52AA6E4}">
+                <adec:decorative xmlns:adec="http://schemas.microsoft.com/office/drawing/2017/decorative" val="1"/>
+              </a:ext>
+            </a:extLst>
+          </p:cNvPr>
+          <p:cNvSpPr>
+            <a:spLocks noGrp="1" noRot="1" noChangeAspect="1" noMove="1" noResize="1" noEditPoints="1" noAdjustHandles="1" noChangeArrowheads="1" noChangeShapeType="1" noTextEdit="1"/>
+          </p:cNvSpPr>
+          <p:nvPr>
+            <p:extLst>
+              <p:ext uri="{386F3935-93C4-4BCD-93E2-E3B085C9AB24}">
+                <p16:designElem xmlns:p16="http://schemas.microsoft.com/office/powerpoint/2015/main" val="1"/>
+              </p:ext>
+            </p:extLst>
+          </p:nvPr>
+        </p:nvSpPr>
+        <p:spPr>
+          <a:xfrm rot="16200000">
+            <a:off x="2537516" y="0"/>
+            <a:ext cx="6857999" cy="6857998"/>
+          </a:xfrm>
+          <a:prstGeom prst="ellipse">
+            <a:avLst/>
+          </a:prstGeom>
+          <a:gradFill>
+            <a:gsLst>
+              <a:gs pos="0">
+                <a:schemeClr val="accent1">
+                  <a:lumMod val="20000"/>
+                  <a:lumOff val="80000"/>
+                  <a:alpha val="40000"/>
+                </a:schemeClr>
+              </a:gs>
+              <a:gs pos="100000">
+                <a:schemeClr val="accent1">
+                  <a:alpha val="40000"/>
+                </a:schemeClr>
+              </a:gs>
+            </a:gsLst>
+            <a:lin ang="2700000" scaled="1"/>
+          </a:gradFill>
+          <a:ln>
+            <a:noFill/>
+          </a:ln>
+          <a:effectLst>
+            <a:softEdge rad="520700"/>
+          </a:effectLst>
+        </p:spPr>
+        <p:style>
+          <a:lnRef idx="2">
+            <a:schemeClr val="accent1">
+              <a:shade val="50000"/>
+            </a:schemeClr>
+          </a:lnRef>
+          <a:fillRef idx="1">
+            <a:schemeClr val="accent1"/>
+          </a:fillRef>
+          <a:effectRef idx="0">
+            <a:schemeClr val="accent1"/>
+          </a:effectRef>
+          <a:fontRef idx="minor">
+            <a:schemeClr val="lt1"/>
+          </a:fontRef>
+        </p:style>
+        <p:txBody>
+          <a:bodyPr rtlCol="0" anchor="ctr"/>
+          <a:lstStyle/>
+          <a:p>
+            <a:pPr algn="ctr"/>
+            <a:endParaRPr lang="en-US" dirty="0"/>
+          </a:p>
+        </p:txBody>
+      </p:sp>
+      <p:sp>
+        <p:nvSpPr>
+          <p:cNvPr id="20" name="Oval 19">
+            <a:extLst>
+              <a:ext uri="{FF2B5EF4-FFF2-40B4-BE49-F238E27FC236}">
+                <a16:creationId xmlns:a16="http://schemas.microsoft.com/office/drawing/2014/main" id="{88C91735-5EFE-44D1-8CC6-FDF0D11B6F5D}"/>
+              </a:ext>
+              <a:ext uri="{C183D7F6-B498-43B3-948B-1728B52AA6E4}">
+                <adec:decorative xmlns:adec="http://schemas.microsoft.com/office/drawing/2017/decorative" val="1"/>
+              </a:ext>
+            </a:extLst>
+          </p:cNvPr>
+          <p:cNvSpPr>
+            <a:spLocks noGrp="1" noRot="1" noChangeAspect="1" noMove="1" noResize="1" noEditPoints="1" noAdjustHandles="1" noChangeArrowheads="1" noChangeShapeType="1" noTextEdit="1"/>
+          </p:cNvSpPr>
+          <p:nvPr>
+            <p:extLst>
+              <p:ext uri="{386F3935-93C4-4BCD-93E2-E3B085C9AB24}">
+                <p16:designElem xmlns:p16="http://schemas.microsoft.com/office/powerpoint/2015/main" val="1"/>
+              </p:ext>
+            </p:extLst>
+          </p:nvPr>
+        </p:nvSpPr>
+        <p:spPr>
+          <a:xfrm rot="16200000">
+            <a:off x="73990" y="1194074"/>
+            <a:ext cx="5589934" cy="5737916"/>
+          </a:xfrm>
+          <a:prstGeom prst="ellipse">
+            <a:avLst/>
+          </a:prstGeom>
+          <a:gradFill>
+            <a:gsLst>
+              <a:gs pos="0">
+                <a:schemeClr val="accent1">
+                  <a:alpha val="40000"/>
+                </a:schemeClr>
+              </a:gs>
+              <a:gs pos="100000">
+                <a:schemeClr val="accent5">
+                  <a:alpha val="20000"/>
+                </a:schemeClr>
+              </a:gs>
+            </a:gsLst>
+            <a:lin ang="2700000" scaled="1"/>
+          </a:gradFill>
+          <a:ln>
+            <a:noFill/>
+          </a:ln>
+          <a:effectLst>
+            <a:softEdge rad="952500"/>
+          </a:effectLst>
+        </p:spPr>
+        <p:style>
+          <a:lnRef idx="2">
+            <a:schemeClr val="accent1">
+              <a:shade val="50000"/>
+            </a:schemeClr>
+          </a:lnRef>
+          <a:fillRef idx="1">
+            <a:schemeClr val="accent1"/>
+          </a:fillRef>
+          <a:effectRef idx="0">
+            <a:schemeClr val="accent1"/>
+          </a:effectRef>
+          <a:fontRef idx="minor">
+            <a:schemeClr val="lt1"/>
+          </a:fontRef>
+        </p:style>
+        <p:txBody>
+          <a:bodyPr rtlCol="0" anchor="ctr"/>
+          <a:lstStyle/>
+          <a:p>
+            <a:pPr algn="ctr"/>
+            <a:endParaRPr lang="en-US" dirty="0"/>
+          </a:p>
+        </p:txBody>
+      </p:sp>
+      <p:sp>
+        <p:nvSpPr>
+          <p:cNvPr id="2" name="Заголовок 1">
+            <a:extLst>
+              <a:ext uri="{FF2B5EF4-FFF2-40B4-BE49-F238E27FC236}">
+                <a16:creationId xmlns:a16="http://schemas.microsoft.com/office/drawing/2014/main" id="{775A876D-40A6-752D-1577-70A1A186D35A}"/>
+              </a:ext>
+            </a:extLst>
+          </p:cNvPr>
+          <p:cNvSpPr>
+            <a:spLocks noGrp="1"/>
+          </p:cNvSpPr>
+          <p:nvPr>
+            <p:ph type="title"/>
+          </p:nvPr>
+        </p:nvSpPr>
+        <p:spPr>
+          <a:xfrm>
+            <a:off x="838201" y="1122363"/>
+            <a:ext cx="4242472" cy="2387600"/>
+          </a:xfrm>
+        </p:spPr>
+        <p:txBody>
+          <a:bodyPr vert="horz" lIns="91440" tIns="45720" rIns="91440" bIns="45720" rtlCol="0" anchor="b">
+            <a:normAutofit/>
+          </a:bodyPr>
+          <a:lstStyle/>
+          <a:p>
+            <a:r>
+              <a:rPr lang="en-US" sz="5400">
+                <a:solidFill>
+                  <a:srgbClr val="FFFFFF"/>
+                </a:solidFill>
+              </a:rPr>
+              <a:t>Добавление сотрудников</a:t>
+            </a:r>
+          </a:p>
+        </p:txBody>
+      </p:sp>
+      <p:sp>
+        <p:nvSpPr>
+          <p:cNvPr id="3" name="Объект 2">
+            <a:extLst>
+              <a:ext uri="{FF2B5EF4-FFF2-40B4-BE49-F238E27FC236}">
+                <a16:creationId xmlns:a16="http://schemas.microsoft.com/office/drawing/2014/main" id="{C5711FAB-502E-A5BB-2AED-E48F672AE266}"/>
+              </a:ext>
+            </a:extLst>
+          </p:cNvPr>
+          <p:cNvSpPr>
+            <a:spLocks noGrp="1"/>
+          </p:cNvSpPr>
+          <p:nvPr>
+            <p:ph idx="1"/>
+          </p:nvPr>
+        </p:nvSpPr>
+        <p:spPr>
+          <a:xfrm>
+            <a:off x="838201" y="3602037"/>
+            <a:ext cx="4242472" cy="2763837"/>
+          </a:xfrm>
+        </p:spPr>
+        <p:txBody>
+          <a:bodyPr vert="horz" lIns="91440" tIns="45720" rIns="91440" bIns="45720" rtlCol="0" anchor="t">
+            <a:normAutofit/>
+          </a:bodyPr>
+          <a:lstStyle/>
+          <a:p>
+            <a:pPr marL="0" indent="0">
+              <a:buNone/>
+            </a:pPr>
+            <a:r>
+              <a:rPr lang="en-US" sz="2200" kern="1200" dirty="0" err="1">
+                <a:solidFill>
+                  <a:srgbClr val="FFFFFF"/>
+                </a:solidFill>
+                <a:latin typeface="+mn-lt"/>
+                <a:ea typeface="+mn-ea"/>
+                <a:cs typeface="+mn-cs"/>
+              </a:rPr>
+              <a:t>На</a:t>
+            </a:r>
+            <a:r>
+              <a:rPr lang="en-US" sz="2200" kern="1200" dirty="0">
+                <a:solidFill>
+                  <a:srgbClr val="FFFFFF"/>
+                </a:solidFill>
+                <a:latin typeface="+mn-lt"/>
+                <a:ea typeface="+mn-ea"/>
+                <a:cs typeface="+mn-cs"/>
+              </a:rPr>
+              <a:t> </a:t>
+            </a:r>
+            <a:r>
+              <a:rPr lang="en-US" sz="2200" kern="1200" dirty="0" err="1">
+                <a:solidFill>
+                  <a:srgbClr val="FFFFFF"/>
+                </a:solidFill>
+                <a:latin typeface="+mn-lt"/>
+                <a:ea typeface="+mn-ea"/>
+                <a:cs typeface="+mn-cs"/>
+              </a:rPr>
+              <a:t>этой</a:t>
+            </a:r>
+            <a:r>
+              <a:rPr lang="en-US" sz="2200" kern="1200" dirty="0">
+                <a:solidFill>
+                  <a:srgbClr val="FFFFFF"/>
+                </a:solidFill>
+                <a:latin typeface="+mn-lt"/>
+                <a:ea typeface="+mn-ea"/>
+                <a:cs typeface="+mn-cs"/>
+              </a:rPr>
+              <a:t> </a:t>
+            </a:r>
+            <a:r>
+              <a:rPr lang="en-US" sz="2200" kern="1200" dirty="0" err="1">
+                <a:solidFill>
+                  <a:srgbClr val="FFFFFF"/>
+                </a:solidFill>
+                <a:latin typeface="+mn-lt"/>
+                <a:ea typeface="+mn-ea"/>
+                <a:cs typeface="+mn-cs"/>
+              </a:rPr>
+              <a:t>вкладке</a:t>
+            </a:r>
+            <a:r>
+              <a:rPr lang="en-US" sz="2200" kern="1200" dirty="0">
+                <a:solidFill>
+                  <a:srgbClr val="FFFFFF"/>
+                </a:solidFill>
+                <a:latin typeface="+mn-lt"/>
+                <a:ea typeface="+mn-ea"/>
+                <a:cs typeface="+mn-cs"/>
+              </a:rPr>
+              <a:t>, </a:t>
+            </a:r>
+            <a:r>
+              <a:rPr lang="en-US" sz="2200" dirty="0" err="1">
+                <a:solidFill>
+                  <a:srgbClr val="FFFFFF"/>
+                </a:solidFill>
+              </a:rPr>
+              <a:t>также</a:t>
+            </a:r>
+            <a:r>
+              <a:rPr lang="en-US" sz="2200" kern="1200" dirty="0">
+                <a:solidFill>
+                  <a:srgbClr val="FFFFFF"/>
+                </a:solidFill>
+                <a:latin typeface="+mn-lt"/>
+                <a:ea typeface="+mn-ea"/>
+                <a:cs typeface="+mn-cs"/>
+              </a:rPr>
+              <a:t> </a:t>
+            </a:r>
+            <a:r>
+              <a:rPr lang="en-US" sz="2200" kern="1200" dirty="0" err="1">
+                <a:solidFill>
+                  <a:srgbClr val="FFFFFF"/>
+                </a:solidFill>
+                <a:latin typeface="+mn-lt"/>
+                <a:ea typeface="+mn-ea"/>
+                <a:cs typeface="+mn-cs"/>
+              </a:rPr>
+              <a:t>при</a:t>
+            </a:r>
+            <a:r>
+              <a:rPr lang="en-US" sz="2200" kern="1200" dirty="0">
+                <a:solidFill>
+                  <a:srgbClr val="FFFFFF"/>
+                </a:solidFill>
+                <a:latin typeface="+mn-lt"/>
+                <a:ea typeface="+mn-ea"/>
+                <a:cs typeface="+mn-cs"/>
+              </a:rPr>
+              <a:t> </a:t>
+            </a:r>
+            <a:r>
+              <a:rPr lang="en-US" sz="2200" kern="1200" dirty="0" err="1">
+                <a:solidFill>
+                  <a:srgbClr val="FFFFFF"/>
+                </a:solidFill>
+                <a:latin typeface="+mn-lt"/>
+                <a:ea typeface="+mn-ea"/>
+                <a:cs typeface="+mn-cs"/>
+              </a:rPr>
+              <a:t>наличии</a:t>
+            </a:r>
+            <a:r>
+              <a:rPr lang="en-US" sz="2200" kern="1200" dirty="0">
+                <a:solidFill>
+                  <a:srgbClr val="FFFFFF"/>
+                </a:solidFill>
+                <a:latin typeface="+mn-lt"/>
+                <a:ea typeface="+mn-ea"/>
+                <a:cs typeface="+mn-cs"/>
+              </a:rPr>
+              <a:t> </a:t>
+            </a:r>
+            <a:r>
+              <a:rPr lang="en-US" sz="2200" kern="1200" dirty="0" err="1">
+                <a:solidFill>
+                  <a:srgbClr val="FFFFFF"/>
+                </a:solidFill>
+                <a:latin typeface="+mn-lt"/>
+                <a:ea typeface="+mn-ea"/>
+                <a:cs typeface="+mn-cs"/>
+              </a:rPr>
+              <a:t>необходимых</a:t>
+            </a:r>
+            <a:r>
+              <a:rPr lang="en-US" sz="2200" kern="1200" dirty="0">
+                <a:solidFill>
+                  <a:srgbClr val="FFFFFF"/>
+                </a:solidFill>
+                <a:latin typeface="+mn-lt"/>
+                <a:ea typeface="+mn-ea"/>
+                <a:cs typeface="+mn-cs"/>
+              </a:rPr>
+              <a:t> </a:t>
+            </a:r>
+            <a:r>
+              <a:rPr lang="en-US" sz="2200" kern="1200" dirty="0" err="1">
+                <a:solidFill>
+                  <a:srgbClr val="FFFFFF"/>
+                </a:solidFill>
+                <a:latin typeface="+mn-lt"/>
+                <a:ea typeface="+mn-ea"/>
+                <a:cs typeface="+mn-cs"/>
+              </a:rPr>
+              <a:t>прав</a:t>
+            </a:r>
+            <a:r>
+              <a:rPr lang="en-US" sz="2200" kern="1200" dirty="0">
+                <a:solidFill>
+                  <a:srgbClr val="FFFFFF"/>
+                </a:solidFill>
+                <a:latin typeface="+mn-lt"/>
+                <a:ea typeface="+mn-ea"/>
+                <a:cs typeface="+mn-cs"/>
+              </a:rPr>
+              <a:t>, </a:t>
+            </a:r>
+            <a:r>
+              <a:rPr lang="en-US" sz="2200" kern="1200" dirty="0" err="1">
+                <a:solidFill>
+                  <a:srgbClr val="FFFFFF"/>
+                </a:solidFill>
+                <a:latin typeface="+mn-lt"/>
+                <a:ea typeface="+mn-ea"/>
+                <a:cs typeface="+mn-cs"/>
+              </a:rPr>
+              <a:t>можно</a:t>
+            </a:r>
+            <a:r>
+              <a:rPr lang="en-US" sz="2200" kern="1200" dirty="0">
+                <a:solidFill>
+                  <a:srgbClr val="FFFFFF"/>
+                </a:solidFill>
+                <a:latin typeface="+mn-lt"/>
+                <a:ea typeface="+mn-ea"/>
+                <a:cs typeface="+mn-cs"/>
+              </a:rPr>
+              <a:t> </a:t>
+            </a:r>
+            <a:r>
+              <a:rPr lang="en-US" sz="2200" kern="1200" dirty="0" err="1">
+                <a:solidFill>
+                  <a:srgbClr val="FFFFFF"/>
+                </a:solidFill>
+                <a:latin typeface="+mn-lt"/>
+                <a:ea typeface="+mn-ea"/>
+                <a:cs typeface="+mn-cs"/>
+              </a:rPr>
+              <a:t>добавлять</a:t>
+            </a:r>
+            <a:r>
+              <a:rPr lang="en-US" sz="2200" kern="1200" dirty="0">
+                <a:solidFill>
+                  <a:srgbClr val="FFFFFF"/>
+                </a:solidFill>
+                <a:latin typeface="+mn-lt"/>
+                <a:ea typeface="+mn-ea"/>
+                <a:cs typeface="+mn-cs"/>
+              </a:rPr>
+              <a:t> </a:t>
+            </a:r>
+            <a:r>
+              <a:rPr lang="en-US" sz="2200" kern="1200" dirty="0" err="1">
+                <a:solidFill>
+                  <a:srgbClr val="FFFFFF"/>
+                </a:solidFill>
+                <a:latin typeface="+mn-lt"/>
+                <a:ea typeface="+mn-ea"/>
+                <a:cs typeface="+mn-cs"/>
+              </a:rPr>
+              <a:t>новых</a:t>
+            </a:r>
+            <a:r>
+              <a:rPr lang="en-US" sz="2200" kern="1200" dirty="0">
+                <a:solidFill>
+                  <a:srgbClr val="FFFFFF"/>
+                </a:solidFill>
+                <a:latin typeface="+mn-lt"/>
+                <a:ea typeface="+mn-ea"/>
+                <a:cs typeface="+mn-cs"/>
+              </a:rPr>
+              <a:t> </a:t>
+            </a:r>
+            <a:r>
+              <a:rPr lang="en-US" sz="2200" kern="1200" dirty="0" err="1">
+                <a:solidFill>
+                  <a:srgbClr val="FFFFFF"/>
+                </a:solidFill>
+                <a:latin typeface="+mn-lt"/>
+                <a:ea typeface="+mn-ea"/>
+                <a:cs typeface="+mn-cs"/>
+              </a:rPr>
+              <a:t>сотрудников</a:t>
+            </a:r>
+            <a:r>
+              <a:rPr lang="en-US" sz="2200" kern="1200" dirty="0">
+                <a:solidFill>
+                  <a:srgbClr val="FFFFFF"/>
+                </a:solidFill>
+                <a:latin typeface="+mn-lt"/>
+                <a:ea typeface="+mn-ea"/>
+                <a:cs typeface="+mn-cs"/>
+              </a:rPr>
+              <a:t> </a:t>
+            </a:r>
+            <a:r>
+              <a:rPr lang="en-US" sz="2200" kern="1200" dirty="0" err="1">
+                <a:solidFill>
+                  <a:srgbClr val="FFFFFF"/>
+                </a:solidFill>
+                <a:latin typeface="+mn-lt"/>
+                <a:ea typeface="+mn-ea"/>
+                <a:cs typeface="+mn-cs"/>
+              </a:rPr>
+              <a:t>школы</a:t>
+            </a:r>
+            <a:r>
+              <a:rPr lang="en-US" sz="2200" kern="1200" dirty="0">
+                <a:solidFill>
+                  <a:srgbClr val="FFFFFF"/>
+                </a:solidFill>
+                <a:latin typeface="+mn-lt"/>
+                <a:ea typeface="+mn-ea"/>
+                <a:cs typeface="+mn-cs"/>
+              </a:rPr>
+              <a:t>.</a:t>
+            </a:r>
+          </a:p>
+        </p:txBody>
+      </p:sp>
+      <p:sp>
+        <p:nvSpPr>
+          <p:cNvPr id="22" name="Oval 21">
+            <a:extLst>
+              <a:ext uri="{FF2B5EF4-FFF2-40B4-BE49-F238E27FC236}">
+                <a16:creationId xmlns:a16="http://schemas.microsoft.com/office/drawing/2014/main" id="{D33F926C-2613-475D-AEE4-CD7D87D3BA2D}"/>
+              </a:ext>
+              <a:ext uri="{C183D7F6-B498-43B3-948B-1728B52AA6E4}">
+                <adec:decorative xmlns:adec="http://schemas.microsoft.com/office/drawing/2017/decorative" val="1"/>
+              </a:ext>
+            </a:extLst>
+          </p:cNvPr>
+          <p:cNvSpPr>
+            <a:spLocks noGrp="1" noRot="1" noChangeAspect="1" noMove="1" noResize="1" noEditPoints="1" noAdjustHandles="1" noChangeArrowheads="1" noChangeShapeType="1" noTextEdit="1"/>
+          </p:cNvSpPr>
+          <p:nvPr>
+            <p:extLst>
+              <p:ext uri="{386F3935-93C4-4BCD-93E2-E3B085C9AB24}">
+                <p16:designElem xmlns:p16="http://schemas.microsoft.com/office/powerpoint/2015/main" val="1"/>
+              </p:ext>
+            </p:extLst>
+          </p:nvPr>
+        </p:nvSpPr>
+        <p:spPr>
+          <a:xfrm rot="16200000">
+            <a:off x="6439622" y="194269"/>
+            <a:ext cx="5760743" cy="5737917"/>
+          </a:xfrm>
+          <a:prstGeom prst="ellipse">
+            <a:avLst/>
+          </a:prstGeom>
+          <a:gradFill>
+            <a:gsLst>
+              <a:gs pos="0">
+                <a:schemeClr val="accent1">
+                  <a:alpha val="20000"/>
+                </a:schemeClr>
+              </a:gs>
+              <a:gs pos="100000">
+                <a:schemeClr val="accent5">
+                  <a:alpha val="40000"/>
+                </a:schemeClr>
+              </a:gs>
+            </a:gsLst>
+            <a:lin ang="2700000" scaled="1"/>
+          </a:gradFill>
+          <a:ln>
+            <a:noFill/>
+          </a:ln>
+          <a:effectLst>
+            <a:softEdge rad="1003300"/>
+          </a:effectLst>
+        </p:spPr>
+        <p:style>
+          <a:lnRef idx="2">
+            <a:schemeClr val="accent1">
+              <a:shade val="50000"/>
+            </a:schemeClr>
+          </a:lnRef>
+          <a:fillRef idx="1">
+            <a:schemeClr val="accent1"/>
+          </a:fillRef>
+          <a:effectRef idx="0">
+            <a:schemeClr val="accent1"/>
+          </a:effectRef>
+          <a:fontRef idx="minor">
+            <a:schemeClr val="lt1"/>
+          </a:fontRef>
+        </p:style>
+        <p:txBody>
+          <a:bodyPr rtlCol="0" anchor="ctr"/>
+          <a:lstStyle/>
+          <a:p>
+            <a:pPr algn="ctr"/>
+            <a:endParaRPr lang="en-US" dirty="0"/>
+          </a:p>
+        </p:txBody>
+      </p:sp>
+      <p:pic>
+        <p:nvPicPr>
+          <p:cNvPr id="5" name="Рисунок 5" descr="Изображение выглядит как стол&#10;&#10;Автоматически созданное описание">
+            <a:extLst>
+              <a:ext uri="{FF2B5EF4-FFF2-40B4-BE49-F238E27FC236}">
+                <a16:creationId xmlns:a16="http://schemas.microsoft.com/office/drawing/2014/main" id="{110C0F74-BB96-7071-22C1-279D83E23C17}"/>
+              </a:ext>
+            </a:extLst>
+          </p:cNvPr>
+          <p:cNvPicPr>
+            <a:picLocks noChangeAspect="1"/>
+          </p:cNvPicPr>
+          <p:nvPr/>
+        </p:nvPicPr>
+        <p:blipFill>
+          <a:blip r:embed="rId2">
+            <a:alphaModFix amt="80000"/>
+          </a:blip>
+          <a:stretch>
+            <a:fillRect/>
+          </a:stretch>
+        </p:blipFill>
+        <p:spPr>
+          <a:xfrm>
+            <a:off x="5450066" y="687004"/>
+            <a:ext cx="6261521" cy="5494484"/>
+          </a:xfrm>
+          <a:prstGeom prst="rect">
+            <a:avLst/>
+          </a:prstGeom>
+        </p:spPr>
+      </p:pic>
+    </p:spTree>
+    <p:extLst>
+      <p:ext uri="{BB962C8B-B14F-4D97-AF65-F5344CB8AC3E}">
+        <p14:creationId xmlns:p14="http://schemas.microsoft.com/office/powerpoint/2010/main" val="1754375301"/>
+      </p:ext>
+    </p:extLst>
+  </p:cSld>
+  <p:clrMapOvr>
+    <a:masterClrMapping/>
+  </p:clrMapOvr>
+</p:sld>
+</file>
+
+<file path=ppt/slides/slide11.xml><?xml version="1.0" encoding="utf-8"?>
+<p:sld xmlns:a="http://schemas.openxmlformats.org/drawingml/2006/main" xmlns:r="http://schemas.openxmlformats.org/officeDocument/2006/relationships" xmlns:p="http://schemas.openxmlformats.org/presentationml/2006/main">
+  <p:cSld>
+    <p:bg>
+      <p:bgPr>
+        <a:solidFill>
+          <a:schemeClr val="bg1"/>
+        </a:solidFill>
+        <a:effectLst/>
+      </p:bgPr>
+    </p:bg>
+    <p:spTree>
+      <p:nvGrpSpPr>
+        <p:cNvPr id="1" name=""/>
+        <p:cNvGrpSpPr/>
+        <p:nvPr/>
+      </p:nvGrpSpPr>
+      <p:grpSpPr>
+        <a:xfrm>
+          <a:off x="0" y="0"/>
+          <a:ext cx="0" cy="0"/>
+          <a:chOff x="0" y="0"/>
+          <a:chExt cx="0" cy="0"/>
+        </a:xfrm>
+      </p:grpSpPr>
+      <p:sp useBgFill="1">
+        <p:nvSpPr>
+          <p:cNvPr id="9" name="Rectangle 8">
+            <a:extLst>
+              <a:ext uri="{FF2B5EF4-FFF2-40B4-BE49-F238E27FC236}">
+                <a16:creationId xmlns:a16="http://schemas.microsoft.com/office/drawing/2014/main" id="{19B36E71-93BD-4984-AC9C-CC9FB9CC06D6}"/>
+              </a:ext>
+              <a:ext uri="{C183D7F6-B498-43B3-948B-1728B52AA6E4}">
+                <adec:decorative xmlns:adec="http://schemas.microsoft.com/office/drawing/2017/decorative" val="1"/>
+              </a:ext>
+            </a:extLst>
+          </p:cNvPr>
+          <p:cNvSpPr>
+            <a:spLocks noGrp="1" noRot="1" noChangeAspect="1" noMove="1" noResize="1" noEditPoints="1" noAdjustHandles="1" noChangeArrowheads="1" noChangeShapeType="1" noTextEdit="1"/>
+          </p:cNvSpPr>
+          <p:nvPr>
+            <p:extLst>
+              <p:ext uri="{386F3935-93C4-4BCD-93E2-E3B085C9AB24}">
+                <p16:designElem xmlns:p16="http://schemas.microsoft.com/office/powerpoint/2015/main" val="1"/>
+              </p:ext>
+            </p:extLst>
+          </p:nvPr>
+        </p:nvSpPr>
+        <p:spPr>
+          <a:xfrm>
+            <a:off x="0" y="0"/>
+            <a:ext cx="12188952" cy="6858000"/>
+          </a:xfrm>
+          <a:prstGeom prst="rect">
+            <a:avLst/>
+          </a:prstGeom>
+          <a:ln>
+            <a:noFill/>
+          </a:ln>
+        </p:spPr>
+        <p:style>
+          <a:lnRef idx="2">
+            <a:schemeClr val="accent1">
+              <a:shade val="50000"/>
+            </a:schemeClr>
+          </a:lnRef>
+          <a:fillRef idx="1">
+            <a:schemeClr val="accent1"/>
+          </a:fillRef>
+          <a:effectRef idx="0">
+            <a:schemeClr val="accent1"/>
+          </a:effectRef>
+          <a:fontRef idx="minor">
+            <a:schemeClr val="lt1"/>
+          </a:fontRef>
+        </p:style>
+        <p:txBody>
+          <a:bodyPr rtlCol="0" anchor="ctr"/>
+          <a:lstStyle/>
+          <a:p>
+            <a:pPr algn="ctr"/>
+            <a:endParaRPr lang="en-US"/>
+          </a:p>
+        </p:txBody>
+      </p:sp>
+      <p:sp>
+        <p:nvSpPr>
+          <p:cNvPr id="11" name="Rectangle 10">
+            <a:extLst>
+              <a:ext uri="{FF2B5EF4-FFF2-40B4-BE49-F238E27FC236}">
+                <a16:creationId xmlns:a16="http://schemas.microsoft.com/office/drawing/2014/main" id="{3A767031-C99F-4567-B7D9-353331C77909}"/>
+              </a:ext>
+              <a:ext uri="{C183D7F6-B498-43B3-948B-1728B52AA6E4}">
+                <adec:decorative xmlns:adec="http://schemas.microsoft.com/office/drawing/2017/decorative" val="1"/>
+              </a:ext>
+            </a:extLst>
+          </p:cNvPr>
+          <p:cNvSpPr>
+            <a:spLocks noGrp="1" noRot="1" noChangeAspect="1" noMove="1" noResize="1" noEditPoints="1" noAdjustHandles="1" noChangeArrowheads="1" noChangeShapeType="1" noTextEdit="1"/>
+          </p:cNvSpPr>
+          <p:nvPr>
+            <p:extLst>
+              <p:ext uri="{386F3935-93C4-4BCD-93E2-E3B085C9AB24}">
+                <p16:designElem xmlns:p16="http://schemas.microsoft.com/office/powerpoint/2015/main" val="1"/>
+              </p:ext>
+            </p:extLst>
+          </p:nvPr>
+        </p:nvSpPr>
+        <p:spPr>
+          <a:xfrm>
+            <a:off x="0" y="-664"/>
+            <a:ext cx="12188952" cy="6858000"/>
+          </a:xfrm>
+          <a:prstGeom prst="rect">
+            <a:avLst/>
+          </a:prstGeom>
+          <a:gradFill flip="none" rotWithShape="1">
+            <a:gsLst>
+              <a:gs pos="0">
+                <a:schemeClr val="accent2">
+                  <a:alpha val="60000"/>
+                </a:schemeClr>
+              </a:gs>
+              <a:gs pos="100000">
+                <a:schemeClr val="accent1">
+                  <a:alpha val="60000"/>
+                </a:schemeClr>
+              </a:gs>
+            </a:gsLst>
+            <a:lin ang="2700000" scaled="1"/>
+            <a:tileRect/>
+          </a:gradFill>
+          <a:ln>
+            <a:noFill/>
+          </a:ln>
+        </p:spPr>
+        <p:style>
+          <a:lnRef idx="2">
+            <a:schemeClr val="accent1">
+              <a:shade val="50000"/>
+            </a:schemeClr>
+          </a:lnRef>
+          <a:fillRef idx="1">
+            <a:schemeClr val="accent1"/>
+          </a:fillRef>
+          <a:effectRef idx="0">
+            <a:schemeClr val="accent1"/>
+          </a:effectRef>
+          <a:fontRef idx="minor">
+            <a:schemeClr val="lt1"/>
+          </a:fontRef>
+        </p:style>
+        <p:txBody>
+          <a:bodyPr rtlCol="0" anchor="ctr"/>
+          <a:lstStyle/>
+          <a:p>
+            <a:pPr algn="ctr"/>
+            <a:endParaRPr lang="en-US"/>
+          </a:p>
+        </p:txBody>
+      </p:sp>
+      <p:sp>
+        <p:nvSpPr>
+          <p:cNvPr id="13" name="Rectangle 12">
+            <a:extLst>
+              <a:ext uri="{FF2B5EF4-FFF2-40B4-BE49-F238E27FC236}">
+                <a16:creationId xmlns:a16="http://schemas.microsoft.com/office/drawing/2014/main" id="{63FEDEE9-12A6-4011-A532-8071D6086BF8}"/>
+              </a:ext>
+              <a:ext uri="{C183D7F6-B498-43B3-948B-1728B52AA6E4}">
+                <adec:decorative xmlns:adec="http://schemas.microsoft.com/office/drawing/2017/decorative" val="1"/>
+              </a:ext>
+            </a:extLst>
+          </p:cNvPr>
+          <p:cNvSpPr>
+            <a:spLocks noGrp="1" noRot="1" noChangeAspect="1" noMove="1" noResize="1" noEditPoints="1" noAdjustHandles="1" noChangeArrowheads="1" noChangeShapeType="1" noTextEdit="1"/>
+          </p:cNvSpPr>
+          <p:nvPr>
+            <p:extLst>
+              <p:ext uri="{386F3935-93C4-4BCD-93E2-E3B085C9AB24}">
+                <p16:designElem xmlns:p16="http://schemas.microsoft.com/office/powerpoint/2015/main" val="1"/>
+              </p:ext>
+            </p:extLst>
+          </p:nvPr>
+        </p:nvSpPr>
+        <p:spPr>
+          <a:xfrm>
+            <a:off x="0" y="663"/>
+            <a:ext cx="12188952" cy="6858000"/>
+          </a:xfrm>
+          <a:prstGeom prst="rect">
+            <a:avLst/>
+          </a:prstGeom>
+          <a:solidFill>
+            <a:schemeClr val="bg2">
+              <a:alpha val="20000"/>
+            </a:schemeClr>
+          </a:solidFill>
+          <a:ln>
+            <a:noFill/>
+          </a:ln>
+        </p:spPr>
+        <p:style>
+          <a:lnRef idx="2">
+            <a:schemeClr val="accent1">
+              <a:shade val="50000"/>
+            </a:schemeClr>
+          </a:lnRef>
+          <a:fillRef idx="1">
+            <a:schemeClr val="accent1"/>
+          </a:fillRef>
+          <a:effectRef idx="0">
+            <a:schemeClr val="accent1"/>
+          </a:effectRef>
+          <a:fontRef idx="minor">
+            <a:schemeClr val="lt1"/>
+          </a:fontRef>
+        </p:style>
+        <p:txBody>
+          <a:bodyPr rtlCol="0" anchor="ctr"/>
+          <a:lstStyle/>
+          <a:p>
+            <a:pPr algn="ctr"/>
+            <a:endParaRPr lang="en-US" dirty="0"/>
+          </a:p>
+        </p:txBody>
+      </p:sp>
+      <p:sp>
+        <p:nvSpPr>
+          <p:cNvPr id="15" name="Oval 14">
+            <a:extLst>
+              <a:ext uri="{FF2B5EF4-FFF2-40B4-BE49-F238E27FC236}">
+                <a16:creationId xmlns:a16="http://schemas.microsoft.com/office/drawing/2014/main" id="{57C37CE9-19CE-49DF-A887-2214EBB1F097}"/>
+              </a:ext>
+              <a:ext uri="{C183D7F6-B498-43B3-948B-1728B52AA6E4}">
+                <adec:decorative xmlns:adec="http://schemas.microsoft.com/office/drawing/2017/decorative" val="1"/>
+              </a:ext>
+            </a:extLst>
+          </p:cNvPr>
+          <p:cNvSpPr>
+            <a:spLocks noGrp="1" noRot="1" noChangeAspect="1" noMove="1" noResize="1" noEditPoints="1" noAdjustHandles="1" noChangeArrowheads="1" noChangeShapeType="1" noTextEdit="1"/>
+          </p:cNvSpPr>
+          <p:nvPr>
+            <p:extLst>
+              <p:ext uri="{386F3935-93C4-4BCD-93E2-E3B085C9AB24}">
+                <p16:designElem xmlns:p16="http://schemas.microsoft.com/office/powerpoint/2015/main" val="1"/>
+              </p:ext>
+            </p:extLst>
+          </p:nvPr>
+        </p:nvSpPr>
+        <p:spPr>
+          <a:xfrm rot="16200000">
+            <a:off x="2743200" y="0"/>
+            <a:ext cx="6857999" cy="6857998"/>
+          </a:xfrm>
+          <a:prstGeom prst="ellipse">
+            <a:avLst/>
+          </a:prstGeom>
+          <a:gradFill>
+            <a:gsLst>
+              <a:gs pos="0">
+                <a:schemeClr val="accent1">
+                  <a:lumMod val="20000"/>
+                  <a:lumOff val="80000"/>
+                  <a:alpha val="40000"/>
+                </a:schemeClr>
+              </a:gs>
+              <a:gs pos="100000">
+                <a:schemeClr val="accent1">
+                  <a:alpha val="40000"/>
+                </a:schemeClr>
+              </a:gs>
+            </a:gsLst>
+            <a:lin ang="2700000" scaled="1"/>
+          </a:gradFill>
+          <a:ln>
+            <a:noFill/>
+          </a:ln>
+          <a:effectLst>
+            <a:softEdge rad="520700"/>
+          </a:effectLst>
+        </p:spPr>
+        <p:style>
+          <a:lnRef idx="2">
+            <a:schemeClr val="accent1">
+              <a:shade val="50000"/>
+            </a:schemeClr>
+          </a:lnRef>
+          <a:fillRef idx="1">
+            <a:schemeClr val="accent1"/>
+          </a:fillRef>
+          <a:effectRef idx="0">
+            <a:schemeClr val="accent1"/>
+          </a:effectRef>
+          <a:fontRef idx="minor">
+            <a:schemeClr val="lt1"/>
+          </a:fontRef>
+        </p:style>
+        <p:txBody>
+          <a:bodyPr rtlCol="0" anchor="ctr"/>
+          <a:lstStyle/>
+          <a:p>
+            <a:pPr algn="ctr"/>
+            <a:endParaRPr lang="en-US" dirty="0"/>
+          </a:p>
+        </p:txBody>
+      </p:sp>
+      <p:sp>
+        <p:nvSpPr>
+          <p:cNvPr id="17" name="Oval 16">
+            <a:extLst>
+              <a:ext uri="{FF2B5EF4-FFF2-40B4-BE49-F238E27FC236}">
+                <a16:creationId xmlns:a16="http://schemas.microsoft.com/office/drawing/2014/main" id="{7EF84E8E-7E93-4DEE-BCFB-2AE29098B5C3}"/>
+              </a:ext>
+              <a:ext uri="{C183D7F6-B498-43B3-948B-1728B52AA6E4}">
+                <adec:decorative xmlns:adec="http://schemas.microsoft.com/office/drawing/2017/decorative" val="1"/>
+              </a:ext>
+            </a:extLst>
+          </p:cNvPr>
+          <p:cNvSpPr>
+            <a:spLocks noGrp="1" noRot="1" noChangeAspect="1" noMove="1" noResize="1" noEditPoints="1" noAdjustHandles="1" noChangeArrowheads="1" noChangeShapeType="1" noTextEdit="1"/>
+          </p:cNvSpPr>
+          <p:nvPr>
+            <p:extLst>
+              <p:ext uri="{386F3935-93C4-4BCD-93E2-E3B085C9AB24}">
+                <p16:designElem xmlns:p16="http://schemas.microsoft.com/office/powerpoint/2015/main" val="1"/>
+              </p:ext>
+            </p:extLst>
+          </p:nvPr>
+        </p:nvSpPr>
+        <p:spPr>
+          <a:xfrm rot="16200000">
+            <a:off x="73990" y="1194074"/>
+            <a:ext cx="5589934" cy="5737916"/>
+          </a:xfrm>
+          <a:prstGeom prst="ellipse">
+            <a:avLst/>
+          </a:prstGeom>
+          <a:gradFill>
+            <a:gsLst>
+              <a:gs pos="0">
+                <a:schemeClr val="accent1">
+                  <a:alpha val="40000"/>
+                </a:schemeClr>
+              </a:gs>
+              <a:gs pos="100000">
+                <a:schemeClr val="accent5">
+                  <a:alpha val="20000"/>
+                </a:schemeClr>
+              </a:gs>
+            </a:gsLst>
+            <a:lin ang="2700000" scaled="1"/>
+          </a:gradFill>
+          <a:ln>
+            <a:noFill/>
+          </a:ln>
+          <a:effectLst>
+            <a:softEdge rad="952500"/>
+          </a:effectLst>
+        </p:spPr>
+        <p:style>
+          <a:lnRef idx="2">
+            <a:schemeClr val="accent1">
+              <a:shade val="50000"/>
+            </a:schemeClr>
+          </a:lnRef>
+          <a:fillRef idx="1">
+            <a:schemeClr val="accent1"/>
+          </a:fillRef>
+          <a:effectRef idx="0">
+            <a:schemeClr val="accent1"/>
+          </a:effectRef>
+          <a:fontRef idx="minor">
+            <a:schemeClr val="lt1"/>
+          </a:fontRef>
+        </p:style>
+        <p:txBody>
+          <a:bodyPr rtlCol="0" anchor="ctr"/>
+          <a:lstStyle/>
+          <a:p>
+            <a:pPr algn="ctr"/>
+            <a:endParaRPr lang="en-US" dirty="0"/>
+          </a:p>
+        </p:txBody>
+      </p:sp>
+      <p:sp>
+        <p:nvSpPr>
+          <p:cNvPr id="2" name="Заголовок 1">
+            <a:extLst>
+              <a:ext uri="{FF2B5EF4-FFF2-40B4-BE49-F238E27FC236}">
+                <a16:creationId xmlns:a16="http://schemas.microsoft.com/office/drawing/2014/main" id="{D5A4792F-9B8D-7147-7C0C-5670FFC2415B}"/>
+              </a:ext>
+            </a:extLst>
+          </p:cNvPr>
+          <p:cNvSpPr>
+            <a:spLocks noGrp="1"/>
+          </p:cNvSpPr>
+          <p:nvPr>
+            <p:ph type="title"/>
+          </p:nvPr>
+        </p:nvSpPr>
+        <p:spPr>
+          <a:xfrm>
+            <a:off x="838199" y="3899661"/>
+            <a:ext cx="5257801" cy="2398029"/>
+          </a:xfrm>
+        </p:spPr>
+        <p:txBody>
+          <a:bodyPr anchor="t">
+            <a:normAutofit/>
+          </a:bodyPr>
+          <a:lstStyle/>
+          <a:p>
+            <a:r>
+              <a:rPr lang="ru-RU" sz="4400">
+                <a:solidFill>
+                  <a:srgbClr val="FFFFFF"/>
+                </a:solidFill>
+              </a:rPr>
+              <a:t>Ученики</a:t>
+            </a:r>
+          </a:p>
+        </p:txBody>
+      </p:sp>
+      <p:sp>
+        <p:nvSpPr>
+          <p:cNvPr id="19" name="Oval 18">
+            <a:extLst>
+              <a:ext uri="{FF2B5EF4-FFF2-40B4-BE49-F238E27FC236}">
+                <a16:creationId xmlns:a16="http://schemas.microsoft.com/office/drawing/2014/main" id="{9046502B-E9B6-4225-B8EE-BC5D644686B0}"/>
+              </a:ext>
+              <a:ext uri="{C183D7F6-B498-43B3-948B-1728B52AA6E4}">
+                <adec:decorative xmlns:adec="http://schemas.microsoft.com/office/drawing/2017/decorative" val="1"/>
+              </a:ext>
+            </a:extLst>
+          </p:cNvPr>
+          <p:cNvSpPr>
+            <a:spLocks noGrp="1" noRot="1" noChangeAspect="1" noMove="1" noResize="1" noEditPoints="1" noAdjustHandles="1" noChangeArrowheads="1" noChangeShapeType="1" noTextEdit="1"/>
+          </p:cNvSpPr>
+          <p:nvPr>
+            <p:extLst>
+              <p:ext uri="{386F3935-93C4-4BCD-93E2-E3B085C9AB24}">
+                <p16:designElem xmlns:p16="http://schemas.microsoft.com/office/powerpoint/2015/main" val="1"/>
+              </p:ext>
+            </p:extLst>
+          </p:nvPr>
+        </p:nvSpPr>
+        <p:spPr>
+          <a:xfrm rot="16200000">
+            <a:off x="6439622" y="194269"/>
+            <a:ext cx="5760743" cy="5737917"/>
+          </a:xfrm>
+          <a:prstGeom prst="ellipse">
+            <a:avLst/>
+          </a:prstGeom>
+          <a:gradFill>
+            <a:gsLst>
+              <a:gs pos="0">
+                <a:schemeClr val="accent1">
+                  <a:alpha val="20000"/>
+                </a:schemeClr>
+              </a:gs>
+              <a:gs pos="100000">
+                <a:schemeClr val="accent5">
+                  <a:alpha val="40000"/>
+                </a:schemeClr>
+              </a:gs>
+            </a:gsLst>
+            <a:lin ang="2700000" scaled="1"/>
+          </a:gradFill>
+          <a:ln>
+            <a:noFill/>
+          </a:ln>
+          <a:effectLst>
+            <a:softEdge rad="1003300"/>
+          </a:effectLst>
+        </p:spPr>
+        <p:style>
+          <a:lnRef idx="2">
+            <a:schemeClr val="accent1">
+              <a:shade val="50000"/>
+            </a:schemeClr>
+          </a:lnRef>
+          <a:fillRef idx="1">
+            <a:schemeClr val="accent1"/>
+          </a:fillRef>
+          <a:effectRef idx="0">
+            <a:schemeClr val="accent1"/>
+          </a:effectRef>
+          <a:fontRef idx="minor">
+            <a:schemeClr val="lt1"/>
+          </a:fontRef>
+        </p:style>
+        <p:txBody>
+          <a:bodyPr rtlCol="0" anchor="ctr"/>
+          <a:lstStyle/>
+          <a:p>
+            <a:pPr algn="ctr"/>
+            <a:endParaRPr lang="en-US" dirty="0"/>
+          </a:p>
+        </p:txBody>
+      </p:sp>
+      <p:pic>
+        <p:nvPicPr>
+          <p:cNvPr id="4" name="Рисунок 4">
+            <a:extLst>
+              <a:ext uri="{FF2B5EF4-FFF2-40B4-BE49-F238E27FC236}">
+                <a16:creationId xmlns:a16="http://schemas.microsoft.com/office/drawing/2014/main" id="{AAB14669-9BE2-2E39-89EE-548ABE2EB856}"/>
+              </a:ext>
+            </a:extLst>
+          </p:cNvPr>
+          <p:cNvPicPr>
+            <a:picLocks noChangeAspect="1"/>
+          </p:cNvPicPr>
+          <p:nvPr/>
+        </p:nvPicPr>
+        <p:blipFill>
+          <a:blip r:embed="rId2">
+            <a:alphaModFix amt="80000"/>
+          </a:blip>
+          <a:stretch>
+            <a:fillRect/>
+          </a:stretch>
+        </p:blipFill>
+        <p:spPr>
+          <a:xfrm>
+            <a:off x="609250" y="429341"/>
+            <a:ext cx="10973500" cy="1920362"/>
+          </a:xfrm>
+          <a:prstGeom prst="rect">
+            <a:avLst/>
+          </a:prstGeom>
+        </p:spPr>
+      </p:pic>
+      <p:sp>
+        <p:nvSpPr>
+          <p:cNvPr id="3" name="Объект 2">
+            <a:extLst>
+              <a:ext uri="{FF2B5EF4-FFF2-40B4-BE49-F238E27FC236}">
+                <a16:creationId xmlns:a16="http://schemas.microsoft.com/office/drawing/2014/main" id="{949B7B8E-4213-4220-6158-F1E20A00BC0F}"/>
+              </a:ext>
+            </a:extLst>
+          </p:cNvPr>
+          <p:cNvSpPr>
+            <a:spLocks noGrp="1"/>
+          </p:cNvSpPr>
+          <p:nvPr>
+            <p:ph idx="1"/>
+          </p:nvPr>
+        </p:nvSpPr>
+        <p:spPr>
+          <a:xfrm>
+            <a:off x="6158576" y="3899662"/>
+            <a:ext cx="5195224" cy="2398029"/>
+          </a:xfrm>
+        </p:spPr>
+        <p:txBody>
+          <a:bodyPr vert="horz" lIns="91440" tIns="45720" rIns="91440" bIns="45720" rtlCol="0" anchor="t">
+            <a:normAutofit/>
+          </a:bodyPr>
+          <a:lstStyle/>
+          <a:p>
+            <a:pPr marL="228600" indent="0">
+              <a:buNone/>
+            </a:pPr>
+            <a:r>
+              <a:rPr lang="ru-RU" sz="1800" dirty="0">
+                <a:solidFill>
+                  <a:srgbClr val="FFFFFF"/>
+                </a:solidFill>
+              </a:rPr>
+              <a:t>На этой вкладке, обладая необходимой ролью, можно просматривать список учеников школы, а также редактировать и удалять их.</a:t>
+            </a:r>
+          </a:p>
+        </p:txBody>
+      </p:sp>
+    </p:spTree>
+    <p:extLst>
+      <p:ext uri="{BB962C8B-B14F-4D97-AF65-F5344CB8AC3E}">
+        <p14:creationId xmlns:p14="http://schemas.microsoft.com/office/powerpoint/2010/main" val="1658270553"/>
+      </p:ext>
+    </p:extLst>
+  </p:cSld>
+  <p:clrMapOvr>
+    <a:masterClrMapping/>
+  </p:clrMapOvr>
+</p:sld>
+</file>
+
+<file path=ppt/slides/slide12.xml><?xml version="1.0" encoding="utf-8"?>
+<p:sld xmlns:a="http://schemas.openxmlformats.org/drawingml/2006/main" xmlns:r="http://schemas.openxmlformats.org/officeDocument/2006/relationships" xmlns:p="http://schemas.openxmlformats.org/presentationml/2006/main">
+  <p:cSld>
+    <p:bg>
+      <p:bgPr>
+        <a:solidFill>
+          <a:schemeClr val="bg1"/>
+        </a:solidFill>
+        <a:effectLst/>
+      </p:bgPr>
+    </p:bg>
+    <p:spTree>
+      <p:nvGrpSpPr>
+        <p:cNvPr id="1" name=""/>
+        <p:cNvGrpSpPr/>
+        <p:nvPr/>
+      </p:nvGrpSpPr>
+      <p:grpSpPr>
+        <a:xfrm>
+          <a:off x="0" y="0"/>
+          <a:ext cx="0" cy="0"/>
+          <a:chOff x="0" y="0"/>
+          <a:chExt cx="0" cy="0"/>
+        </a:xfrm>
+      </p:grpSpPr>
+      <p:sp>
+        <p:nvSpPr>
+          <p:cNvPr id="9" name="Frame 8">
+            <a:extLst>
+              <a:ext uri="{FF2B5EF4-FFF2-40B4-BE49-F238E27FC236}">
+                <a16:creationId xmlns:a16="http://schemas.microsoft.com/office/drawing/2014/main" id="{DD7EAFE6-2BB9-41FB-9CF4-588CFC708774}"/>
+              </a:ext>
+              <a:ext uri="{C183D7F6-B498-43B3-948B-1728B52AA6E4}">
+                <adec:decorative xmlns:adec="http://schemas.microsoft.com/office/drawing/2017/decorative" val="1"/>
+              </a:ext>
+            </a:extLst>
+          </p:cNvPr>
+          <p:cNvSpPr>
+            <a:spLocks noGrp="1" noRot="1" noChangeAspect="1" noMove="1" noResize="1" noEditPoints="1" noAdjustHandles="1" noChangeArrowheads="1" noChangeShapeType="1" noTextEdit="1"/>
+          </p:cNvSpPr>
+          <p:nvPr>
+            <p:extLst>
+              <p:ext uri="{386F3935-93C4-4BCD-93E2-E3B085C9AB24}">
+                <p16:designElem xmlns:p16="http://schemas.microsoft.com/office/powerpoint/2015/main" val="1"/>
+              </p:ext>
+            </p:extLst>
+          </p:nvPr>
+        </p:nvSpPr>
+        <p:spPr>
+          <a:xfrm>
+            <a:off x="0" y="0"/>
+            <a:ext cx="12188952" cy="6858000"/>
+          </a:xfrm>
+          <a:prstGeom prst="frame">
+            <a:avLst>
+              <a:gd name="adj1" fmla="val 7164"/>
+            </a:avLst>
+          </a:prstGeom>
+          <a:gradFill flip="none" rotWithShape="1">
+            <a:gsLst>
+              <a:gs pos="0">
+                <a:schemeClr val="accent2">
+                  <a:alpha val="40000"/>
+                </a:schemeClr>
+              </a:gs>
+              <a:gs pos="100000">
+                <a:schemeClr val="accent1">
+                  <a:alpha val="40000"/>
+                </a:schemeClr>
+              </a:gs>
+            </a:gsLst>
+            <a:lin ang="2700000" scaled="1"/>
+            <a:tileRect/>
+          </a:gradFill>
+          <a:ln>
+            <a:noFill/>
+          </a:ln>
+        </p:spPr>
+        <p:style>
+          <a:lnRef idx="2">
+            <a:schemeClr val="accent1">
+              <a:shade val="50000"/>
+            </a:schemeClr>
+          </a:lnRef>
+          <a:fillRef idx="1">
+            <a:schemeClr val="accent1"/>
+          </a:fillRef>
+          <a:effectRef idx="0">
+            <a:schemeClr val="accent1"/>
+          </a:effectRef>
+          <a:fontRef idx="minor">
+            <a:schemeClr val="lt1"/>
+          </a:fontRef>
+        </p:style>
+        <p:txBody>
+          <a:bodyPr rtlCol="0" anchor="ctr"/>
+          <a:lstStyle/>
+          <a:p>
+            <a:pPr algn="ctr"/>
+            <a:endParaRPr lang="en-US"/>
+          </a:p>
+        </p:txBody>
+      </p:sp>
+      <p:sp useBgFill="1">
+        <p:nvSpPr>
+          <p:cNvPr id="11" name="Rectangle 10">
+            <a:extLst>
+              <a:ext uri="{FF2B5EF4-FFF2-40B4-BE49-F238E27FC236}">
+                <a16:creationId xmlns:a16="http://schemas.microsoft.com/office/drawing/2014/main" id="{610334BF-0422-4A9A-BE46-AEB8C348BAC4}"/>
+              </a:ext>
+              <a:ext uri="{C183D7F6-B498-43B3-948B-1728B52AA6E4}">
+                <adec:decorative xmlns:adec="http://schemas.microsoft.com/office/drawing/2017/decorative" val="1"/>
+              </a:ext>
+            </a:extLst>
+          </p:cNvPr>
+          <p:cNvSpPr>
+            <a:spLocks noGrp="1" noRot="1" noChangeAspect="1" noMove="1" noResize="1" noEditPoints="1" noAdjustHandles="1" noChangeArrowheads="1" noChangeShapeType="1" noTextEdit="1"/>
+          </p:cNvSpPr>
+          <p:nvPr>
+            <p:extLst>
+              <p:ext uri="{386F3935-93C4-4BCD-93E2-E3B085C9AB24}">
+                <p16:designElem xmlns:p16="http://schemas.microsoft.com/office/powerpoint/2015/main" val="1"/>
+              </p:ext>
+            </p:extLst>
+          </p:nvPr>
+        </p:nvSpPr>
+        <p:spPr>
+          <a:xfrm>
+            <a:off x="0" y="0"/>
+            <a:ext cx="12188952" cy="6858000"/>
+          </a:xfrm>
+          <a:prstGeom prst="rect">
+            <a:avLst/>
+          </a:prstGeom>
+          <a:ln>
+            <a:noFill/>
+          </a:ln>
+        </p:spPr>
+        <p:style>
+          <a:lnRef idx="2">
+            <a:schemeClr val="accent1">
+              <a:shade val="50000"/>
+            </a:schemeClr>
+          </a:lnRef>
+          <a:fillRef idx="1">
+            <a:schemeClr val="accent1"/>
+          </a:fillRef>
+          <a:effectRef idx="0">
+            <a:schemeClr val="accent1"/>
+          </a:effectRef>
+          <a:fontRef idx="minor">
+            <a:schemeClr val="lt1"/>
+          </a:fontRef>
+        </p:style>
+        <p:txBody>
+          <a:bodyPr rtlCol="0" anchor="ctr"/>
+          <a:lstStyle/>
+          <a:p>
+            <a:pPr algn="ctr"/>
+            <a:endParaRPr lang="en-US"/>
+          </a:p>
+        </p:txBody>
+      </p:sp>
+      <p:sp>
+        <p:nvSpPr>
+          <p:cNvPr id="13" name="Rectangle 12">
+            <a:extLst>
+              <a:ext uri="{FF2B5EF4-FFF2-40B4-BE49-F238E27FC236}">
+                <a16:creationId xmlns:a16="http://schemas.microsoft.com/office/drawing/2014/main" id="{C98F2823-0279-49D8-928D-754B222533EF}"/>
+              </a:ext>
+              <a:ext uri="{C183D7F6-B498-43B3-948B-1728B52AA6E4}">
+                <adec:decorative xmlns:adec="http://schemas.microsoft.com/office/drawing/2017/decorative" val="1"/>
+              </a:ext>
+            </a:extLst>
+          </p:cNvPr>
+          <p:cNvSpPr>
+            <a:spLocks noGrp="1" noRot="1" noChangeAspect="1" noMove="1" noResize="1" noEditPoints="1" noAdjustHandles="1" noChangeArrowheads="1" noChangeShapeType="1" noTextEdit="1"/>
+          </p:cNvSpPr>
+          <p:nvPr>
+            <p:extLst>
+              <p:ext uri="{386F3935-93C4-4BCD-93E2-E3B085C9AB24}">
+                <p16:designElem xmlns:p16="http://schemas.microsoft.com/office/powerpoint/2015/main" val="1"/>
+              </p:ext>
+            </p:extLst>
+          </p:nvPr>
+        </p:nvSpPr>
+        <p:spPr>
+          <a:xfrm>
+            <a:off x="0" y="-664"/>
+            <a:ext cx="12188952" cy="6858000"/>
+          </a:xfrm>
+          <a:prstGeom prst="rect">
+            <a:avLst/>
+          </a:prstGeom>
+          <a:gradFill flip="none" rotWithShape="1">
+            <a:gsLst>
+              <a:gs pos="0">
+                <a:schemeClr val="accent2">
+                  <a:alpha val="60000"/>
+                </a:schemeClr>
+              </a:gs>
+              <a:gs pos="100000">
+                <a:schemeClr val="accent1">
+                  <a:alpha val="60000"/>
+                </a:schemeClr>
+              </a:gs>
+            </a:gsLst>
+            <a:lin ang="2700000" scaled="1"/>
+            <a:tileRect/>
+          </a:gradFill>
+          <a:ln>
+            <a:noFill/>
+          </a:ln>
+        </p:spPr>
+        <p:style>
+          <a:lnRef idx="2">
+            <a:schemeClr val="accent1">
+              <a:shade val="50000"/>
+            </a:schemeClr>
+          </a:lnRef>
+          <a:fillRef idx="1">
+            <a:schemeClr val="accent1"/>
+          </a:fillRef>
+          <a:effectRef idx="0">
+            <a:schemeClr val="accent1"/>
+          </a:effectRef>
+          <a:fontRef idx="minor">
+            <a:schemeClr val="lt1"/>
+          </a:fontRef>
+        </p:style>
+        <p:txBody>
+          <a:bodyPr rtlCol="0" anchor="ctr"/>
+          <a:lstStyle/>
+          <a:p>
+            <a:pPr algn="ctr"/>
+            <a:endParaRPr lang="en-US"/>
+          </a:p>
+        </p:txBody>
+      </p:sp>
+      <p:sp>
+        <p:nvSpPr>
+          <p:cNvPr id="15" name="Rectangle 14">
+            <a:extLst>
+              <a:ext uri="{FF2B5EF4-FFF2-40B4-BE49-F238E27FC236}">
+                <a16:creationId xmlns:a16="http://schemas.microsoft.com/office/drawing/2014/main" id="{02E45E95-311C-41C7-A882-6E43F0806865}"/>
+              </a:ext>
+              <a:ext uri="{C183D7F6-B498-43B3-948B-1728B52AA6E4}">
+                <adec:decorative xmlns:adec="http://schemas.microsoft.com/office/drawing/2017/decorative" val="1"/>
+              </a:ext>
+            </a:extLst>
+          </p:cNvPr>
+          <p:cNvSpPr>
+            <a:spLocks noGrp="1" noRot="1" noChangeAspect="1" noMove="1" noResize="1" noEditPoints="1" noAdjustHandles="1" noChangeArrowheads="1" noChangeShapeType="1" noTextEdit="1"/>
+          </p:cNvSpPr>
+          <p:nvPr>
+            <p:extLst>
+              <p:ext uri="{386F3935-93C4-4BCD-93E2-E3B085C9AB24}">
+                <p16:designElem xmlns:p16="http://schemas.microsoft.com/office/powerpoint/2015/main" val="1"/>
+              </p:ext>
+            </p:extLst>
+          </p:nvPr>
+        </p:nvSpPr>
+        <p:spPr>
+          <a:xfrm>
+            <a:off x="0" y="663"/>
+            <a:ext cx="12188952" cy="6858000"/>
+          </a:xfrm>
+          <a:prstGeom prst="rect">
+            <a:avLst/>
+          </a:prstGeom>
+          <a:solidFill>
+            <a:schemeClr val="bg2">
+              <a:alpha val="20000"/>
+            </a:schemeClr>
+          </a:solidFill>
+          <a:ln>
+            <a:noFill/>
+          </a:ln>
+        </p:spPr>
+        <p:style>
+          <a:lnRef idx="2">
+            <a:schemeClr val="accent1">
+              <a:shade val="50000"/>
+            </a:schemeClr>
+          </a:lnRef>
+          <a:fillRef idx="1">
+            <a:schemeClr val="accent1"/>
+          </a:fillRef>
+          <a:effectRef idx="0">
+            <a:schemeClr val="accent1"/>
+          </a:effectRef>
+          <a:fontRef idx="minor">
+            <a:schemeClr val="lt1"/>
+          </a:fontRef>
+        </p:style>
+        <p:txBody>
+          <a:bodyPr rtlCol="0" anchor="ctr"/>
+          <a:lstStyle/>
+          <a:p>
+            <a:pPr algn="ctr"/>
+            <a:endParaRPr lang="en-US" dirty="0"/>
+          </a:p>
+        </p:txBody>
+      </p:sp>
+      <p:sp>
+        <p:nvSpPr>
+          <p:cNvPr id="17" name="Oval 16">
+            <a:extLst>
+              <a:ext uri="{FF2B5EF4-FFF2-40B4-BE49-F238E27FC236}">
+                <a16:creationId xmlns:a16="http://schemas.microsoft.com/office/drawing/2014/main" id="{B7299D5D-ECC5-41EB-B830-C3A35FB35516}"/>
+              </a:ext>
+              <a:ext uri="{C183D7F6-B498-43B3-948B-1728B52AA6E4}">
+                <adec:decorative xmlns:adec="http://schemas.microsoft.com/office/drawing/2017/decorative" val="1"/>
+              </a:ext>
+            </a:extLst>
+          </p:cNvPr>
+          <p:cNvSpPr>
+            <a:spLocks noGrp="1" noRot="1" noChangeAspect="1" noMove="1" noResize="1" noEditPoints="1" noAdjustHandles="1" noChangeArrowheads="1" noChangeShapeType="1" noTextEdit="1"/>
+          </p:cNvSpPr>
+          <p:nvPr>
+            <p:extLst>
+              <p:ext uri="{386F3935-93C4-4BCD-93E2-E3B085C9AB24}">
+                <p16:designElem xmlns:p16="http://schemas.microsoft.com/office/powerpoint/2015/main" val="1"/>
+              </p:ext>
+            </p:extLst>
+          </p:nvPr>
+        </p:nvSpPr>
+        <p:spPr>
+          <a:xfrm rot="16200000">
+            <a:off x="2537516" y="0"/>
+            <a:ext cx="6857999" cy="6857998"/>
+          </a:xfrm>
+          <a:prstGeom prst="ellipse">
+            <a:avLst/>
+          </a:prstGeom>
+          <a:gradFill>
+            <a:gsLst>
+              <a:gs pos="0">
+                <a:schemeClr val="accent1">
+                  <a:lumMod val="20000"/>
+                  <a:lumOff val="80000"/>
+                  <a:alpha val="40000"/>
+                </a:schemeClr>
+              </a:gs>
+              <a:gs pos="100000">
+                <a:schemeClr val="accent1">
+                  <a:alpha val="40000"/>
+                </a:schemeClr>
+              </a:gs>
+            </a:gsLst>
+            <a:lin ang="2700000" scaled="1"/>
+          </a:gradFill>
+          <a:ln>
+            <a:noFill/>
+          </a:ln>
+          <a:effectLst>
+            <a:softEdge rad="520700"/>
+          </a:effectLst>
+        </p:spPr>
+        <p:style>
+          <a:lnRef idx="2">
+            <a:schemeClr val="accent1">
+              <a:shade val="50000"/>
+            </a:schemeClr>
+          </a:lnRef>
+          <a:fillRef idx="1">
+            <a:schemeClr val="accent1"/>
+          </a:fillRef>
+          <a:effectRef idx="0">
+            <a:schemeClr val="accent1"/>
+          </a:effectRef>
+          <a:fontRef idx="minor">
+            <a:schemeClr val="lt1"/>
+          </a:fontRef>
+        </p:style>
+        <p:txBody>
+          <a:bodyPr rtlCol="0" anchor="ctr"/>
+          <a:lstStyle/>
+          <a:p>
+            <a:pPr algn="ctr"/>
+            <a:endParaRPr lang="en-US" dirty="0"/>
+          </a:p>
+        </p:txBody>
+      </p:sp>
+      <p:sp>
+        <p:nvSpPr>
+          <p:cNvPr id="19" name="Oval 18">
+            <a:extLst>
+              <a:ext uri="{FF2B5EF4-FFF2-40B4-BE49-F238E27FC236}">
+                <a16:creationId xmlns:a16="http://schemas.microsoft.com/office/drawing/2014/main" id="{88C91735-5EFE-44D1-8CC6-FDF0D11B6F5D}"/>
+              </a:ext>
+              <a:ext uri="{C183D7F6-B498-43B3-948B-1728B52AA6E4}">
+                <adec:decorative xmlns:adec="http://schemas.microsoft.com/office/drawing/2017/decorative" val="1"/>
+              </a:ext>
+            </a:extLst>
+          </p:cNvPr>
+          <p:cNvSpPr>
+            <a:spLocks noGrp="1" noRot="1" noChangeAspect="1" noMove="1" noResize="1" noEditPoints="1" noAdjustHandles="1" noChangeArrowheads="1" noChangeShapeType="1" noTextEdit="1"/>
+          </p:cNvSpPr>
+          <p:nvPr>
+            <p:extLst>
+              <p:ext uri="{386F3935-93C4-4BCD-93E2-E3B085C9AB24}">
+                <p16:designElem xmlns:p16="http://schemas.microsoft.com/office/powerpoint/2015/main" val="1"/>
+              </p:ext>
+            </p:extLst>
+          </p:nvPr>
+        </p:nvSpPr>
+        <p:spPr>
+          <a:xfrm rot="16200000">
+            <a:off x="73990" y="1194074"/>
+            <a:ext cx="5589934" cy="5737916"/>
+          </a:xfrm>
+          <a:prstGeom prst="ellipse">
+            <a:avLst/>
+          </a:prstGeom>
+          <a:gradFill>
+            <a:gsLst>
+              <a:gs pos="0">
+                <a:schemeClr val="accent1">
+                  <a:alpha val="40000"/>
+                </a:schemeClr>
+              </a:gs>
+              <a:gs pos="100000">
+                <a:schemeClr val="accent5">
+                  <a:alpha val="20000"/>
+                </a:schemeClr>
+              </a:gs>
+            </a:gsLst>
+            <a:lin ang="2700000" scaled="1"/>
+          </a:gradFill>
+          <a:ln>
+            <a:noFill/>
+          </a:ln>
+          <a:effectLst>
+            <a:softEdge rad="952500"/>
+          </a:effectLst>
+        </p:spPr>
+        <p:style>
+          <a:lnRef idx="2">
+            <a:schemeClr val="accent1">
+              <a:shade val="50000"/>
+            </a:schemeClr>
+          </a:lnRef>
+          <a:fillRef idx="1">
+            <a:schemeClr val="accent1"/>
+          </a:fillRef>
+          <a:effectRef idx="0">
+            <a:schemeClr val="accent1"/>
+          </a:effectRef>
+          <a:fontRef idx="minor">
+            <a:schemeClr val="lt1"/>
+          </a:fontRef>
+        </p:style>
+        <p:txBody>
+          <a:bodyPr rtlCol="0" anchor="ctr"/>
+          <a:lstStyle/>
+          <a:p>
+            <a:pPr algn="ctr"/>
+            <a:endParaRPr lang="en-US" dirty="0"/>
+          </a:p>
+        </p:txBody>
+      </p:sp>
+      <p:sp>
+        <p:nvSpPr>
+          <p:cNvPr id="2" name="Заголовок 1">
+            <a:extLst>
+              <a:ext uri="{FF2B5EF4-FFF2-40B4-BE49-F238E27FC236}">
+                <a16:creationId xmlns:a16="http://schemas.microsoft.com/office/drawing/2014/main" id="{D5D244E9-0A4A-B886-C1B4-13D80D0B6D7F}"/>
+              </a:ext>
+            </a:extLst>
+          </p:cNvPr>
+          <p:cNvSpPr>
+            <a:spLocks noGrp="1"/>
+          </p:cNvSpPr>
+          <p:nvPr>
+            <p:ph type="title"/>
+          </p:nvPr>
+        </p:nvSpPr>
+        <p:spPr>
+          <a:xfrm>
+            <a:off x="838201" y="1122363"/>
+            <a:ext cx="4242472" cy="2387600"/>
+          </a:xfrm>
+        </p:spPr>
+        <p:txBody>
+          <a:bodyPr vert="horz" lIns="91440" tIns="45720" rIns="91440" bIns="45720" rtlCol="0" anchor="b">
+            <a:normAutofit/>
+          </a:bodyPr>
+          <a:lstStyle/>
+          <a:p>
+            <a:r>
+              <a:rPr lang="en-US" sz="5400">
+                <a:solidFill>
+                  <a:srgbClr val="FFFFFF"/>
+                </a:solidFill>
+              </a:rPr>
+              <a:t>Добавление учеников</a:t>
+            </a:r>
+          </a:p>
+        </p:txBody>
+      </p:sp>
+      <p:sp>
+        <p:nvSpPr>
+          <p:cNvPr id="3" name="Объект 2">
+            <a:extLst>
+              <a:ext uri="{FF2B5EF4-FFF2-40B4-BE49-F238E27FC236}">
+                <a16:creationId xmlns:a16="http://schemas.microsoft.com/office/drawing/2014/main" id="{1306F2F1-10C5-9383-435E-7D249513510B}"/>
+              </a:ext>
+            </a:extLst>
+          </p:cNvPr>
+          <p:cNvSpPr>
+            <a:spLocks noGrp="1"/>
+          </p:cNvSpPr>
+          <p:nvPr>
+            <p:ph idx="1"/>
+          </p:nvPr>
+        </p:nvSpPr>
+        <p:spPr>
+          <a:xfrm>
+            <a:off x="838201" y="3602037"/>
+            <a:ext cx="4242472" cy="2763837"/>
+          </a:xfrm>
+        </p:spPr>
+        <p:txBody>
+          <a:bodyPr vert="horz" lIns="91440" tIns="45720" rIns="91440" bIns="45720" rtlCol="0">
+            <a:normAutofit/>
+          </a:bodyPr>
+          <a:lstStyle/>
+          <a:p>
+            <a:pPr marL="0" indent="0">
+              <a:buNone/>
+            </a:pPr>
+            <a:r>
+              <a:rPr lang="en-US" sz="2200" kern="1200">
+                <a:solidFill>
+                  <a:srgbClr val="FFFFFF"/>
+                </a:solidFill>
+                <a:latin typeface="+mn-lt"/>
+                <a:ea typeface="+mn-ea"/>
+                <a:cs typeface="+mn-cs"/>
+              </a:rPr>
+              <a:t>На этой вкладке, обладая необходимой должностью, можно добавлять новых учеников школы.</a:t>
+            </a:r>
+          </a:p>
+        </p:txBody>
+      </p:sp>
+      <p:sp>
+        <p:nvSpPr>
+          <p:cNvPr id="21" name="Oval 20">
+            <a:extLst>
+              <a:ext uri="{FF2B5EF4-FFF2-40B4-BE49-F238E27FC236}">
+                <a16:creationId xmlns:a16="http://schemas.microsoft.com/office/drawing/2014/main" id="{D33F926C-2613-475D-AEE4-CD7D87D3BA2D}"/>
+              </a:ext>
+              <a:ext uri="{C183D7F6-B498-43B3-948B-1728B52AA6E4}">
+                <adec:decorative xmlns:adec="http://schemas.microsoft.com/office/drawing/2017/decorative" val="1"/>
+              </a:ext>
+            </a:extLst>
+          </p:cNvPr>
+          <p:cNvSpPr>
+            <a:spLocks noGrp="1" noRot="1" noChangeAspect="1" noMove="1" noResize="1" noEditPoints="1" noAdjustHandles="1" noChangeArrowheads="1" noChangeShapeType="1" noTextEdit="1"/>
+          </p:cNvSpPr>
+          <p:nvPr>
+            <p:extLst>
+              <p:ext uri="{386F3935-93C4-4BCD-93E2-E3B085C9AB24}">
+                <p16:designElem xmlns:p16="http://schemas.microsoft.com/office/powerpoint/2015/main" val="1"/>
+              </p:ext>
+            </p:extLst>
+          </p:nvPr>
+        </p:nvSpPr>
+        <p:spPr>
+          <a:xfrm rot="16200000">
+            <a:off x="6439622" y="194269"/>
+            <a:ext cx="5760743" cy="5737917"/>
+          </a:xfrm>
+          <a:prstGeom prst="ellipse">
+            <a:avLst/>
+          </a:prstGeom>
+          <a:gradFill>
+            <a:gsLst>
+              <a:gs pos="0">
+                <a:schemeClr val="accent1">
+                  <a:alpha val="20000"/>
+                </a:schemeClr>
+              </a:gs>
+              <a:gs pos="100000">
+                <a:schemeClr val="accent5">
+                  <a:alpha val="40000"/>
+                </a:schemeClr>
+              </a:gs>
+            </a:gsLst>
+            <a:lin ang="2700000" scaled="1"/>
+          </a:gradFill>
+          <a:ln>
+            <a:noFill/>
+          </a:ln>
+          <a:effectLst>
+            <a:softEdge rad="1003300"/>
+          </a:effectLst>
+        </p:spPr>
+        <p:style>
+          <a:lnRef idx="2">
+            <a:schemeClr val="accent1">
+              <a:shade val="50000"/>
+            </a:schemeClr>
+          </a:lnRef>
+          <a:fillRef idx="1">
+            <a:schemeClr val="accent1"/>
+          </a:fillRef>
+          <a:effectRef idx="0">
+            <a:schemeClr val="accent1"/>
+          </a:effectRef>
+          <a:fontRef idx="minor">
+            <a:schemeClr val="lt1"/>
+          </a:fontRef>
+        </p:style>
+        <p:txBody>
+          <a:bodyPr rtlCol="0" anchor="ctr"/>
+          <a:lstStyle/>
+          <a:p>
+            <a:pPr algn="ctr"/>
+            <a:endParaRPr lang="en-US" dirty="0"/>
+          </a:p>
+        </p:txBody>
+      </p:sp>
+      <p:pic>
+        <p:nvPicPr>
+          <p:cNvPr id="4" name="Рисунок 4">
+            <a:extLst>
+              <a:ext uri="{FF2B5EF4-FFF2-40B4-BE49-F238E27FC236}">
+                <a16:creationId xmlns:a16="http://schemas.microsoft.com/office/drawing/2014/main" id="{952E3663-D146-DCFD-8F4D-20DFFC6C5309}"/>
+              </a:ext>
+            </a:extLst>
+          </p:cNvPr>
+          <p:cNvPicPr>
+            <a:picLocks noChangeAspect="1"/>
+          </p:cNvPicPr>
+          <p:nvPr/>
+        </p:nvPicPr>
+        <p:blipFill>
+          <a:blip r:embed="rId2">
+            <a:alphaModFix amt="80000"/>
+          </a:blip>
+          <a:stretch>
+            <a:fillRect/>
+          </a:stretch>
+        </p:blipFill>
+        <p:spPr>
+          <a:xfrm>
+            <a:off x="5450066" y="1297502"/>
+            <a:ext cx="6261521" cy="4273488"/>
+          </a:xfrm>
+          <a:prstGeom prst="rect">
+            <a:avLst/>
+          </a:prstGeom>
+        </p:spPr>
+      </p:pic>
+    </p:spTree>
+    <p:extLst>
+      <p:ext uri="{BB962C8B-B14F-4D97-AF65-F5344CB8AC3E}">
+        <p14:creationId xmlns:p14="http://schemas.microsoft.com/office/powerpoint/2010/main" val="1154789878"/>
+      </p:ext>
+    </p:extLst>
+  </p:cSld>
+  <p:clrMapOvr>
+    <a:masterClrMapping/>
+  </p:clrMapOvr>
+</p:sld>
+</file>
+
+<file path=ppt/slides/slide13.xml><?xml version="1.0" encoding="utf-8"?>
+<p:sld xmlns:a="http://schemas.openxmlformats.org/drawingml/2006/main" xmlns:r="http://schemas.openxmlformats.org/officeDocument/2006/relationships" xmlns:p="http://schemas.openxmlformats.org/presentationml/2006/main">
+  <p:cSld>
+    <p:bg>
+      <p:bgPr>
+        <a:solidFill>
+          <a:schemeClr val="bg1"/>
+        </a:solidFill>
+        <a:effectLst/>
+      </p:bgPr>
+    </p:bg>
+    <p:spTree>
+      <p:nvGrpSpPr>
+        <p:cNvPr id="1" name=""/>
+        <p:cNvGrpSpPr/>
+        <p:nvPr/>
+      </p:nvGrpSpPr>
+      <p:grpSpPr>
+        <a:xfrm>
+          <a:off x="0" y="0"/>
+          <a:ext cx="0" cy="0"/>
+          <a:chOff x="0" y="0"/>
+          <a:chExt cx="0" cy="0"/>
+        </a:xfrm>
+      </p:grpSpPr>
+      <p:sp useBgFill="1">
+        <p:nvSpPr>
+          <p:cNvPr id="23" name="Rectangle 8">
+            <a:extLst>
+              <a:ext uri="{FF2B5EF4-FFF2-40B4-BE49-F238E27FC236}">
+                <a16:creationId xmlns:a16="http://schemas.microsoft.com/office/drawing/2014/main" id="{32768DCD-B824-413A-B330-8D57ADB3724C}"/>
+              </a:ext>
+              <a:ext uri="{C183D7F6-B498-43B3-948B-1728B52AA6E4}">
+                <adec:decorative xmlns:adec="http://schemas.microsoft.com/office/drawing/2017/decorative" val="1"/>
+              </a:ext>
+            </a:extLst>
+          </p:cNvPr>
+          <p:cNvSpPr>
+            <a:spLocks noGrp="1" noRot="1" noChangeAspect="1" noMove="1" noResize="1" noEditPoints="1" noAdjustHandles="1" noChangeArrowheads="1" noChangeShapeType="1" noTextEdit="1"/>
+          </p:cNvSpPr>
+          <p:nvPr>
+            <p:extLst>
+              <p:ext uri="{386F3935-93C4-4BCD-93E2-E3B085C9AB24}">
+                <p16:designElem xmlns:p16="http://schemas.microsoft.com/office/powerpoint/2015/main" val="1"/>
+              </p:ext>
+            </p:extLst>
+          </p:nvPr>
+        </p:nvSpPr>
+        <p:spPr>
+          <a:xfrm>
+            <a:off x="0" y="0"/>
+            <a:ext cx="12188952" cy="6858000"/>
+          </a:xfrm>
+          <a:prstGeom prst="rect">
+            <a:avLst/>
+          </a:prstGeom>
+          <a:ln>
+            <a:noFill/>
+          </a:ln>
+        </p:spPr>
+        <p:style>
+          <a:lnRef idx="2">
+            <a:schemeClr val="accent1">
+              <a:shade val="50000"/>
+            </a:schemeClr>
+          </a:lnRef>
+          <a:fillRef idx="1">
+            <a:schemeClr val="accent1"/>
+          </a:fillRef>
+          <a:effectRef idx="0">
+            <a:schemeClr val="accent1"/>
+          </a:effectRef>
+          <a:fontRef idx="minor">
+            <a:schemeClr val="lt1"/>
+          </a:fontRef>
+        </p:style>
+        <p:txBody>
+          <a:bodyPr rtlCol="0" anchor="ctr"/>
+          <a:lstStyle/>
+          <a:p>
+            <a:pPr algn="ctr"/>
+            <a:endParaRPr lang="en-US"/>
+          </a:p>
+        </p:txBody>
+      </p:sp>
+      <p:sp>
+        <p:nvSpPr>
+          <p:cNvPr id="24" name="Rectangle 10">
+            <a:extLst>
+              <a:ext uri="{FF2B5EF4-FFF2-40B4-BE49-F238E27FC236}">
+                <a16:creationId xmlns:a16="http://schemas.microsoft.com/office/drawing/2014/main" id="{96E45848-BEDA-4F24-9C4E-DA2120958262}"/>
+              </a:ext>
+              <a:ext uri="{C183D7F6-B498-43B3-948B-1728B52AA6E4}">
+                <adec:decorative xmlns:adec="http://schemas.microsoft.com/office/drawing/2017/decorative" val="1"/>
+              </a:ext>
+            </a:extLst>
+          </p:cNvPr>
+          <p:cNvSpPr>
+            <a:spLocks noGrp="1" noRot="1" noChangeAspect="1" noMove="1" noResize="1" noEditPoints="1" noAdjustHandles="1" noChangeArrowheads="1" noChangeShapeType="1" noTextEdit="1"/>
+          </p:cNvSpPr>
+          <p:nvPr>
+            <p:extLst>
+              <p:ext uri="{386F3935-93C4-4BCD-93E2-E3B085C9AB24}">
+                <p16:designElem xmlns:p16="http://schemas.microsoft.com/office/powerpoint/2015/main" val="1"/>
+              </p:ext>
+            </p:extLst>
+          </p:nvPr>
+        </p:nvSpPr>
+        <p:spPr>
+          <a:xfrm>
+            <a:off x="0" y="-664"/>
+            <a:ext cx="12188952" cy="6858000"/>
+          </a:xfrm>
+          <a:prstGeom prst="rect">
+            <a:avLst/>
+          </a:prstGeom>
+          <a:gradFill flip="none" rotWithShape="1">
+            <a:gsLst>
+              <a:gs pos="0">
+                <a:schemeClr val="accent2">
+                  <a:alpha val="60000"/>
+                </a:schemeClr>
+              </a:gs>
+              <a:gs pos="100000">
+                <a:schemeClr val="accent1">
+                  <a:alpha val="60000"/>
+                </a:schemeClr>
+              </a:gs>
+            </a:gsLst>
+            <a:lin ang="2700000" scaled="1"/>
+            <a:tileRect/>
+          </a:gradFill>
+          <a:ln>
+            <a:noFill/>
+          </a:ln>
+        </p:spPr>
+        <p:style>
+          <a:lnRef idx="2">
+            <a:schemeClr val="accent1">
+              <a:shade val="50000"/>
+            </a:schemeClr>
+          </a:lnRef>
+          <a:fillRef idx="1">
+            <a:schemeClr val="accent1"/>
+          </a:fillRef>
+          <a:effectRef idx="0">
+            <a:schemeClr val="accent1"/>
+          </a:effectRef>
+          <a:fontRef idx="minor">
+            <a:schemeClr val="lt1"/>
+          </a:fontRef>
+        </p:style>
+        <p:txBody>
+          <a:bodyPr rtlCol="0" anchor="ctr"/>
+          <a:lstStyle/>
+          <a:p>
+            <a:pPr algn="ctr"/>
+            <a:endParaRPr lang="en-US"/>
+          </a:p>
+        </p:txBody>
+      </p:sp>
+      <p:sp>
+        <p:nvSpPr>
+          <p:cNvPr id="25" name="Rectangle 12">
+            <a:extLst>
+              <a:ext uri="{FF2B5EF4-FFF2-40B4-BE49-F238E27FC236}">
+                <a16:creationId xmlns:a16="http://schemas.microsoft.com/office/drawing/2014/main" id="{B2BB8117-A903-442C-9223-A4FEB85C3271}"/>
+              </a:ext>
+              <a:ext uri="{C183D7F6-B498-43B3-948B-1728B52AA6E4}">
+                <adec:decorative xmlns:adec="http://schemas.microsoft.com/office/drawing/2017/decorative" val="1"/>
+              </a:ext>
+            </a:extLst>
+          </p:cNvPr>
+          <p:cNvSpPr>
+            <a:spLocks noGrp="1" noRot="1" noChangeAspect="1" noMove="1" noResize="1" noEditPoints="1" noAdjustHandles="1" noChangeArrowheads="1" noChangeShapeType="1" noTextEdit="1"/>
+          </p:cNvSpPr>
+          <p:nvPr>
+            <p:extLst>
+              <p:ext uri="{386F3935-93C4-4BCD-93E2-E3B085C9AB24}">
+                <p16:designElem xmlns:p16="http://schemas.microsoft.com/office/powerpoint/2015/main" val="1"/>
+              </p:ext>
+            </p:extLst>
+          </p:nvPr>
+        </p:nvSpPr>
+        <p:spPr>
+          <a:xfrm>
+            <a:off x="0" y="663"/>
+            <a:ext cx="12188952" cy="6858000"/>
+          </a:xfrm>
+          <a:prstGeom prst="rect">
+            <a:avLst/>
+          </a:prstGeom>
+          <a:solidFill>
+            <a:schemeClr val="bg2">
+              <a:alpha val="20000"/>
+            </a:schemeClr>
+          </a:solidFill>
+          <a:ln>
+            <a:noFill/>
+          </a:ln>
+        </p:spPr>
+        <p:style>
+          <a:lnRef idx="2">
+            <a:schemeClr val="accent1">
+              <a:shade val="50000"/>
+            </a:schemeClr>
+          </a:lnRef>
+          <a:fillRef idx="1">
+            <a:schemeClr val="accent1"/>
+          </a:fillRef>
+          <a:effectRef idx="0">
+            <a:schemeClr val="accent1"/>
+          </a:effectRef>
+          <a:fontRef idx="minor">
+            <a:schemeClr val="lt1"/>
+          </a:fontRef>
+        </p:style>
+        <p:txBody>
+          <a:bodyPr rtlCol="0" anchor="ctr"/>
+          <a:lstStyle/>
+          <a:p>
+            <a:pPr algn="ctr"/>
+            <a:endParaRPr lang="en-US" dirty="0"/>
+          </a:p>
+        </p:txBody>
+      </p:sp>
+      <p:sp>
+        <p:nvSpPr>
+          <p:cNvPr id="26" name="Oval 14">
+            <a:extLst>
+              <a:ext uri="{FF2B5EF4-FFF2-40B4-BE49-F238E27FC236}">
+                <a16:creationId xmlns:a16="http://schemas.microsoft.com/office/drawing/2014/main" id="{C59300B8-3117-43F8-9F8E-68DB9F002F92}"/>
+              </a:ext>
+              <a:ext uri="{C183D7F6-B498-43B3-948B-1728B52AA6E4}">
+                <adec:decorative xmlns:adec="http://schemas.microsoft.com/office/drawing/2017/decorative" val="1"/>
+              </a:ext>
+            </a:extLst>
+          </p:cNvPr>
+          <p:cNvSpPr>
+            <a:spLocks noGrp="1" noRot="1" noChangeAspect="1" noMove="1" noResize="1" noEditPoints="1" noAdjustHandles="1" noChangeArrowheads="1" noChangeShapeType="1" noTextEdit="1"/>
+          </p:cNvSpPr>
+          <p:nvPr>
+            <p:extLst>
+              <p:ext uri="{386F3935-93C4-4BCD-93E2-E3B085C9AB24}">
+                <p16:designElem xmlns:p16="http://schemas.microsoft.com/office/powerpoint/2015/main" val="1"/>
+              </p:ext>
+            </p:extLst>
+          </p:nvPr>
+        </p:nvSpPr>
+        <p:spPr>
+          <a:xfrm rot="16200000">
+            <a:off x="2537516" y="0"/>
+            <a:ext cx="6857999" cy="6857998"/>
+          </a:xfrm>
+          <a:prstGeom prst="ellipse">
+            <a:avLst/>
+          </a:prstGeom>
+          <a:gradFill>
+            <a:gsLst>
+              <a:gs pos="0">
+                <a:schemeClr val="accent1">
+                  <a:lumMod val="20000"/>
+                  <a:lumOff val="80000"/>
+                  <a:alpha val="40000"/>
+                </a:schemeClr>
+              </a:gs>
+              <a:gs pos="100000">
+                <a:schemeClr val="accent1">
+                  <a:alpha val="40000"/>
+                </a:schemeClr>
+              </a:gs>
+            </a:gsLst>
+            <a:lin ang="2700000" scaled="1"/>
+          </a:gradFill>
+          <a:ln>
+            <a:noFill/>
+          </a:ln>
+          <a:effectLst>
+            <a:softEdge rad="520700"/>
+          </a:effectLst>
+        </p:spPr>
+        <p:style>
+          <a:lnRef idx="2">
+            <a:schemeClr val="accent1">
+              <a:shade val="50000"/>
+            </a:schemeClr>
+          </a:lnRef>
+          <a:fillRef idx="1">
+            <a:schemeClr val="accent1"/>
+          </a:fillRef>
+          <a:effectRef idx="0">
+            <a:schemeClr val="accent1"/>
+          </a:effectRef>
+          <a:fontRef idx="minor">
+            <a:schemeClr val="lt1"/>
+          </a:fontRef>
+        </p:style>
+        <p:txBody>
+          <a:bodyPr rtlCol="0" anchor="ctr"/>
+          <a:lstStyle/>
+          <a:p>
+            <a:pPr algn="ctr"/>
+            <a:endParaRPr lang="en-US" dirty="0"/>
+          </a:p>
+        </p:txBody>
+      </p:sp>
+      <p:sp>
+        <p:nvSpPr>
+          <p:cNvPr id="27" name="Oval 16">
+            <a:extLst>
+              <a:ext uri="{FF2B5EF4-FFF2-40B4-BE49-F238E27FC236}">
+                <a16:creationId xmlns:a16="http://schemas.microsoft.com/office/drawing/2014/main" id="{1AFAE680-42C1-4104-B74F-B0A8F1FB264A}"/>
+              </a:ext>
+              <a:ext uri="{C183D7F6-B498-43B3-948B-1728B52AA6E4}">
+                <adec:decorative xmlns:adec="http://schemas.microsoft.com/office/drawing/2017/decorative" val="1"/>
+              </a:ext>
+            </a:extLst>
+          </p:cNvPr>
+          <p:cNvSpPr>
+            <a:spLocks noGrp="1" noRot="1" noChangeAspect="1" noMove="1" noResize="1" noEditPoints="1" noAdjustHandles="1" noChangeArrowheads="1" noChangeShapeType="1" noTextEdit="1"/>
+          </p:cNvSpPr>
+          <p:nvPr>
+            <p:extLst>
+              <p:ext uri="{386F3935-93C4-4BCD-93E2-E3B085C9AB24}">
+                <p16:designElem xmlns:p16="http://schemas.microsoft.com/office/powerpoint/2015/main" val="1"/>
+              </p:ext>
+            </p:extLst>
+          </p:nvPr>
+        </p:nvSpPr>
+        <p:spPr>
+          <a:xfrm rot="16200000">
+            <a:off x="73990" y="1194074"/>
+            <a:ext cx="5589934" cy="5737916"/>
+          </a:xfrm>
+          <a:prstGeom prst="ellipse">
+            <a:avLst/>
+          </a:prstGeom>
+          <a:gradFill>
+            <a:gsLst>
+              <a:gs pos="0">
+                <a:schemeClr val="accent1">
+                  <a:alpha val="40000"/>
+                </a:schemeClr>
+              </a:gs>
+              <a:gs pos="100000">
+                <a:schemeClr val="accent5">
+                  <a:alpha val="20000"/>
+                </a:schemeClr>
+              </a:gs>
+            </a:gsLst>
+            <a:lin ang="2700000" scaled="1"/>
+          </a:gradFill>
+          <a:ln>
+            <a:noFill/>
+          </a:ln>
+          <a:effectLst>
+            <a:softEdge rad="952500"/>
+          </a:effectLst>
+        </p:spPr>
+        <p:style>
+          <a:lnRef idx="2">
+            <a:schemeClr val="accent1">
+              <a:shade val="50000"/>
+            </a:schemeClr>
+          </a:lnRef>
+          <a:fillRef idx="1">
+            <a:schemeClr val="accent1"/>
+          </a:fillRef>
+          <a:effectRef idx="0">
+            <a:schemeClr val="accent1"/>
+          </a:effectRef>
+          <a:fontRef idx="minor">
+            <a:schemeClr val="lt1"/>
+          </a:fontRef>
+        </p:style>
+        <p:txBody>
+          <a:bodyPr rtlCol="0" anchor="ctr"/>
+          <a:lstStyle/>
+          <a:p>
+            <a:pPr algn="ctr"/>
+            <a:endParaRPr lang="en-US" dirty="0"/>
+          </a:p>
+        </p:txBody>
+      </p:sp>
+      <p:sp>
+        <p:nvSpPr>
+          <p:cNvPr id="28" name="Oval 18">
+            <a:extLst>
+              <a:ext uri="{FF2B5EF4-FFF2-40B4-BE49-F238E27FC236}">
+                <a16:creationId xmlns:a16="http://schemas.microsoft.com/office/drawing/2014/main" id="{828A8BA9-B3FE-4C96-A0A1-72A0D2C85578}"/>
+              </a:ext>
+              <a:ext uri="{C183D7F6-B498-43B3-948B-1728B52AA6E4}">
+                <adec:decorative xmlns:adec="http://schemas.microsoft.com/office/drawing/2017/decorative" val="1"/>
+              </a:ext>
+            </a:extLst>
+          </p:cNvPr>
+          <p:cNvSpPr>
+            <a:spLocks noGrp="1" noRot="1" noChangeAspect="1" noMove="1" noResize="1" noEditPoints="1" noAdjustHandles="1" noChangeArrowheads="1" noChangeShapeType="1" noTextEdit="1"/>
+          </p:cNvSpPr>
+          <p:nvPr>
+            <p:extLst>
+              <p:ext uri="{386F3935-93C4-4BCD-93E2-E3B085C9AB24}">
+                <p16:designElem xmlns:p16="http://schemas.microsoft.com/office/powerpoint/2015/main" val="1"/>
+              </p:ext>
+            </p:extLst>
+          </p:nvPr>
+        </p:nvSpPr>
+        <p:spPr>
+          <a:xfrm rot="16200000">
+            <a:off x="6439622" y="194269"/>
+            <a:ext cx="5760743" cy="5737917"/>
+          </a:xfrm>
+          <a:prstGeom prst="ellipse">
+            <a:avLst/>
+          </a:prstGeom>
+          <a:gradFill>
+            <a:gsLst>
+              <a:gs pos="0">
+                <a:schemeClr val="accent1">
+                  <a:alpha val="20000"/>
+                </a:schemeClr>
+              </a:gs>
+              <a:gs pos="100000">
+                <a:schemeClr val="accent5">
+                  <a:alpha val="40000"/>
+                </a:schemeClr>
+              </a:gs>
+            </a:gsLst>
+            <a:lin ang="2700000" scaled="1"/>
+          </a:gradFill>
+          <a:ln>
+            <a:noFill/>
+          </a:ln>
+          <a:effectLst>
+            <a:softEdge rad="1003300"/>
+          </a:effectLst>
+        </p:spPr>
+        <p:style>
+          <a:lnRef idx="2">
+            <a:schemeClr val="accent1">
+              <a:shade val="50000"/>
+            </a:schemeClr>
+          </a:lnRef>
+          <a:fillRef idx="1">
+            <a:schemeClr val="accent1"/>
+          </a:fillRef>
+          <a:effectRef idx="0">
+            <a:schemeClr val="accent1"/>
+          </a:effectRef>
+          <a:fontRef idx="minor">
+            <a:schemeClr val="lt1"/>
+          </a:fontRef>
+        </p:style>
+        <p:txBody>
+          <a:bodyPr rtlCol="0" anchor="ctr"/>
+          <a:lstStyle/>
+          <a:p>
+            <a:pPr algn="ctr"/>
+            <a:endParaRPr lang="en-US" dirty="0"/>
+          </a:p>
+        </p:txBody>
+      </p:sp>
+      <p:sp>
+        <p:nvSpPr>
+          <p:cNvPr id="2" name="Заголовок 1">
+            <a:extLst>
+              <a:ext uri="{FF2B5EF4-FFF2-40B4-BE49-F238E27FC236}">
+                <a16:creationId xmlns:a16="http://schemas.microsoft.com/office/drawing/2014/main" id="{C121046D-6364-3DD1-BD88-7736ED9CFBFD}"/>
+              </a:ext>
+            </a:extLst>
+          </p:cNvPr>
+          <p:cNvSpPr>
+            <a:spLocks noGrp="1"/>
+          </p:cNvSpPr>
+          <p:nvPr>
+            <p:ph type="title"/>
+          </p:nvPr>
+        </p:nvSpPr>
+        <p:spPr>
+          <a:xfrm>
+            <a:off x="838201" y="857251"/>
+            <a:ext cx="5796580" cy="2076450"/>
+          </a:xfrm>
+        </p:spPr>
+        <p:txBody>
+          <a:bodyPr anchor="b">
+            <a:normAutofit/>
+          </a:bodyPr>
+          <a:lstStyle/>
+          <a:p>
+            <a:r>
+              <a:rPr lang="ru-RU" sz="4400">
+                <a:solidFill>
+                  <a:srgbClr val="FFFFFF"/>
+                </a:solidFill>
+                <a:ea typeface="+mj-lt"/>
+                <a:cs typeface="+mj-lt"/>
+              </a:rPr>
+              <a:t>requirements.txt</a:t>
+            </a:r>
+            <a:endParaRPr lang="ru-RU" sz="4400">
+              <a:solidFill>
+                <a:srgbClr val="FFFFFF"/>
+              </a:solidFill>
+            </a:endParaRPr>
+          </a:p>
+        </p:txBody>
+      </p:sp>
+      <p:sp>
+        <p:nvSpPr>
+          <p:cNvPr id="3" name="Объект 2">
+            <a:extLst>
+              <a:ext uri="{FF2B5EF4-FFF2-40B4-BE49-F238E27FC236}">
+                <a16:creationId xmlns:a16="http://schemas.microsoft.com/office/drawing/2014/main" id="{0EEAE71D-78E8-4288-7B61-E86C29A1172E}"/>
+              </a:ext>
+            </a:extLst>
+          </p:cNvPr>
+          <p:cNvSpPr>
+            <a:spLocks noGrp="1"/>
+          </p:cNvSpPr>
+          <p:nvPr>
+            <p:ph idx="1"/>
+          </p:nvPr>
+        </p:nvSpPr>
+        <p:spPr>
+          <a:xfrm>
+            <a:off x="838200" y="3190875"/>
+            <a:ext cx="5796580" cy="2986087"/>
+          </a:xfrm>
+        </p:spPr>
+        <p:txBody>
+          <a:bodyPr vert="horz" lIns="91440" tIns="45720" rIns="91440" bIns="45720" rtlCol="0">
+            <a:normAutofit/>
+          </a:bodyPr>
+          <a:lstStyle/>
+          <a:p>
+            <a:pPr marL="228600" indent="0">
+              <a:buNone/>
+            </a:pPr>
+            <a:r>
+              <a:rPr lang="ru-RU" sz="1800">
+                <a:solidFill>
+                  <a:srgbClr val="FFFFFF"/>
+                </a:solidFill>
+                <a:ea typeface="+mn-lt"/>
+                <a:cs typeface="+mn-lt"/>
+              </a:rPr>
+              <a:t>В этом файле указаны все зависимости проекта. Под зависимостями подразумеваются библиотеки, необходимые для корректной работы программы. На каждой новой строке написано название пакета и необходимая версия в таком формате: «название_пакета == его.версия».</a:t>
+            </a:r>
+            <a:endParaRPr lang="ru-RU" sz="1800">
+              <a:solidFill>
+                <a:srgbClr val="FFFFFF"/>
+              </a:solidFill>
+            </a:endParaRPr>
+          </a:p>
+        </p:txBody>
+      </p:sp>
+      <p:sp>
+        <p:nvSpPr>
+          <p:cNvPr id="29" name="Rectangle 20">
+            <a:extLst>
+              <a:ext uri="{FF2B5EF4-FFF2-40B4-BE49-F238E27FC236}">
+                <a16:creationId xmlns:a16="http://schemas.microsoft.com/office/drawing/2014/main" id="{2EDB7FB2-4012-481D-B3D1-7301CCF6E488}"/>
+              </a:ext>
+              <a:ext uri="{C183D7F6-B498-43B3-948B-1728B52AA6E4}">
+                <adec:decorative xmlns:adec="http://schemas.microsoft.com/office/drawing/2017/decorative" val="1"/>
+              </a:ext>
+            </a:extLst>
+          </p:cNvPr>
+          <p:cNvSpPr>
+            <a:spLocks noGrp="1" noRot="1" noChangeAspect="1" noMove="1" noResize="1" noEditPoints="1" noAdjustHandles="1" noChangeArrowheads="1" noChangeShapeType="1" noTextEdit="1"/>
+          </p:cNvSpPr>
+          <p:nvPr>
+            <p:extLst>
+              <p:ext uri="{386F3935-93C4-4BCD-93E2-E3B085C9AB24}">
+                <p16:designElem xmlns:p16="http://schemas.microsoft.com/office/powerpoint/2015/main" val="1"/>
+              </p:ext>
+            </p:extLst>
+          </p:nvPr>
+        </p:nvSpPr>
+        <p:spPr>
+          <a:xfrm>
+            <a:off x="7784982" y="-1328"/>
+            <a:ext cx="4407017" cy="6858000"/>
+          </a:xfrm>
+          <a:prstGeom prst="rect">
+            <a:avLst/>
+          </a:prstGeom>
+          <a:gradFill flip="none" rotWithShape="1">
+            <a:gsLst>
+              <a:gs pos="0">
+                <a:schemeClr val="accent2"/>
+              </a:gs>
+              <a:gs pos="100000">
+                <a:schemeClr val="accent1"/>
+              </a:gs>
+            </a:gsLst>
+            <a:lin ang="2700000" scaled="1"/>
+            <a:tileRect/>
+          </a:gradFill>
+          <a:ln>
+            <a:noFill/>
+          </a:ln>
+        </p:spPr>
+        <p:style>
+          <a:lnRef idx="2">
+            <a:schemeClr val="accent1">
+              <a:shade val="50000"/>
+            </a:schemeClr>
+          </a:lnRef>
+          <a:fillRef idx="1">
+            <a:schemeClr val="accent1"/>
+          </a:fillRef>
+          <a:effectRef idx="0">
+            <a:schemeClr val="accent1"/>
+          </a:effectRef>
+          <a:fontRef idx="minor">
+            <a:schemeClr val="lt1"/>
+          </a:fontRef>
+        </p:style>
+        <p:txBody>
+          <a:bodyPr rtlCol="0" anchor="ctr"/>
+          <a:lstStyle/>
+          <a:p>
+            <a:pPr algn="ctr"/>
+            <a:endParaRPr lang="en-US"/>
+          </a:p>
+        </p:txBody>
+      </p:sp>
+      <p:pic>
+        <p:nvPicPr>
+          <p:cNvPr id="30" name="Picture 4" descr="Сложные математические формулы на доске">
+            <a:extLst>
+              <a:ext uri="{FF2B5EF4-FFF2-40B4-BE49-F238E27FC236}">
+                <a16:creationId xmlns:a16="http://schemas.microsoft.com/office/drawing/2014/main" id="{952B4097-271C-43C8-6629-7BF9A2B3B23C}"/>
+              </a:ext>
+            </a:extLst>
+          </p:cNvPr>
+          <p:cNvPicPr>
+            <a:picLocks noChangeAspect="1"/>
+          </p:cNvPicPr>
+          <p:nvPr/>
+        </p:nvPicPr>
+        <p:blipFill rotWithShape="1">
+          <a:blip r:embed="rId2">
+            <a:alphaModFix amt="60000"/>
+          </a:blip>
+          <a:srcRect l="20442" r="32707" b="-9"/>
+          <a:stretch/>
+        </p:blipFill>
+        <p:spPr>
+          <a:xfrm>
+            <a:off x="7784982" y="-1328"/>
+            <a:ext cx="4407017" cy="6858000"/>
+          </a:xfrm>
+          <a:prstGeom prst="rect">
+            <a:avLst/>
+          </a:prstGeom>
+        </p:spPr>
+      </p:pic>
+    </p:spTree>
+    <p:extLst>
+      <p:ext uri="{BB962C8B-B14F-4D97-AF65-F5344CB8AC3E}">
+        <p14:creationId xmlns:p14="http://schemas.microsoft.com/office/powerpoint/2010/main" val="3032762201"/>
+      </p:ext>
+    </p:extLst>
+  </p:cSld>
+  <p:clrMapOvr>
+    <a:masterClrMapping/>
+  </p:clrMapOvr>
+</p:sld>
+</file>
+
+<file path=ppt/slides/slide14.xml><?xml version="1.0" encoding="utf-8"?>
+<p:sld xmlns:a="http://schemas.openxmlformats.org/drawingml/2006/main" xmlns:r="http://schemas.openxmlformats.org/officeDocument/2006/relationships" xmlns:p="http://schemas.openxmlformats.org/presentationml/2006/main">
+  <p:cSld>
+    <p:bg>
+      <p:bgPr>
+        <a:solidFill>
+          <a:schemeClr val="bg1"/>
+        </a:solidFill>
+        <a:effectLst/>
+      </p:bgPr>
+    </p:bg>
+    <p:spTree>
+      <p:nvGrpSpPr>
+        <p:cNvPr id="1" name=""/>
+        <p:cNvGrpSpPr/>
+        <p:nvPr/>
+      </p:nvGrpSpPr>
+      <p:grpSpPr>
+        <a:xfrm>
+          <a:off x="0" y="0"/>
+          <a:ext cx="0" cy="0"/>
+          <a:chOff x="0" y="0"/>
+          <a:chExt cx="0" cy="0"/>
+        </a:xfrm>
+      </p:grpSpPr>
+      <p:sp useBgFill="1">
+        <p:nvSpPr>
+          <p:cNvPr id="37" name="Rectangle 36">
+            <a:extLst>
+              <a:ext uri="{FF2B5EF4-FFF2-40B4-BE49-F238E27FC236}">
+                <a16:creationId xmlns:a16="http://schemas.microsoft.com/office/drawing/2014/main" id="{19B36E71-93BD-4984-AC9C-CC9FB9CC06D6}"/>
+              </a:ext>
+              <a:ext uri="{C183D7F6-B498-43B3-948B-1728B52AA6E4}">
+                <adec:decorative xmlns:adec="http://schemas.microsoft.com/office/drawing/2017/decorative" val="1"/>
+              </a:ext>
+            </a:extLst>
+          </p:cNvPr>
+          <p:cNvSpPr>
+            <a:spLocks noGrp="1" noRot="1" noChangeAspect="1" noMove="1" noResize="1" noEditPoints="1" noAdjustHandles="1" noChangeArrowheads="1" noChangeShapeType="1" noTextEdit="1"/>
+          </p:cNvSpPr>
+          <p:nvPr>
+            <p:extLst>
+              <p:ext uri="{386F3935-93C4-4BCD-93E2-E3B085C9AB24}">
+                <p16:designElem xmlns:p16="http://schemas.microsoft.com/office/powerpoint/2015/main" val="1"/>
+              </p:ext>
+            </p:extLst>
+          </p:nvPr>
+        </p:nvSpPr>
+        <p:spPr>
+          <a:xfrm>
+            <a:off x="0" y="0"/>
+            <a:ext cx="12188952" cy="6858000"/>
+          </a:xfrm>
+          <a:prstGeom prst="rect">
+            <a:avLst/>
+          </a:prstGeom>
+          <a:ln>
+            <a:noFill/>
+          </a:ln>
+        </p:spPr>
+        <p:style>
+          <a:lnRef idx="2">
+            <a:schemeClr val="accent1">
+              <a:shade val="50000"/>
+            </a:schemeClr>
+          </a:lnRef>
+          <a:fillRef idx="1">
+            <a:schemeClr val="accent1"/>
+          </a:fillRef>
+          <a:effectRef idx="0">
+            <a:schemeClr val="accent1"/>
+          </a:effectRef>
+          <a:fontRef idx="minor">
+            <a:schemeClr val="lt1"/>
+          </a:fontRef>
+        </p:style>
+        <p:txBody>
+          <a:bodyPr rtlCol="0" anchor="ctr"/>
+          <a:lstStyle/>
+          <a:p>
+            <a:pPr algn="ctr"/>
+            <a:endParaRPr lang="en-US"/>
+          </a:p>
+        </p:txBody>
+      </p:sp>
+      <p:sp>
+        <p:nvSpPr>
+          <p:cNvPr id="39" name="Rectangle 38">
+            <a:extLst>
+              <a:ext uri="{FF2B5EF4-FFF2-40B4-BE49-F238E27FC236}">
+                <a16:creationId xmlns:a16="http://schemas.microsoft.com/office/drawing/2014/main" id="{3A767031-C99F-4567-B7D9-353331C77909}"/>
+              </a:ext>
+              <a:ext uri="{C183D7F6-B498-43B3-948B-1728B52AA6E4}">
+                <adec:decorative xmlns:adec="http://schemas.microsoft.com/office/drawing/2017/decorative" val="1"/>
+              </a:ext>
+            </a:extLst>
+          </p:cNvPr>
+          <p:cNvSpPr>
+            <a:spLocks noGrp="1" noRot="1" noChangeAspect="1" noMove="1" noResize="1" noEditPoints="1" noAdjustHandles="1" noChangeArrowheads="1" noChangeShapeType="1" noTextEdit="1"/>
+          </p:cNvSpPr>
+          <p:nvPr>
+            <p:extLst>
+              <p:ext uri="{386F3935-93C4-4BCD-93E2-E3B085C9AB24}">
+                <p16:designElem xmlns:p16="http://schemas.microsoft.com/office/powerpoint/2015/main" val="1"/>
+              </p:ext>
+            </p:extLst>
+          </p:nvPr>
+        </p:nvSpPr>
+        <p:spPr>
+          <a:xfrm>
+            <a:off x="0" y="-664"/>
+            <a:ext cx="12188952" cy="6858000"/>
+          </a:xfrm>
+          <a:prstGeom prst="rect">
+            <a:avLst/>
+          </a:prstGeom>
+          <a:gradFill flip="none" rotWithShape="1">
+            <a:gsLst>
+              <a:gs pos="0">
+                <a:schemeClr val="accent2">
+                  <a:alpha val="60000"/>
+                </a:schemeClr>
+              </a:gs>
+              <a:gs pos="100000">
+                <a:schemeClr val="accent1">
+                  <a:alpha val="60000"/>
+                </a:schemeClr>
+              </a:gs>
+            </a:gsLst>
+            <a:lin ang="2700000" scaled="1"/>
+            <a:tileRect/>
+          </a:gradFill>
+          <a:ln>
+            <a:noFill/>
+          </a:ln>
+        </p:spPr>
+        <p:style>
+          <a:lnRef idx="2">
+            <a:schemeClr val="accent1">
+              <a:shade val="50000"/>
+            </a:schemeClr>
+          </a:lnRef>
+          <a:fillRef idx="1">
+            <a:schemeClr val="accent1"/>
+          </a:fillRef>
+          <a:effectRef idx="0">
+            <a:schemeClr val="accent1"/>
+          </a:effectRef>
+          <a:fontRef idx="minor">
+            <a:schemeClr val="lt1"/>
+          </a:fontRef>
+        </p:style>
+        <p:txBody>
+          <a:bodyPr rtlCol="0" anchor="ctr"/>
+          <a:lstStyle/>
+          <a:p>
+            <a:pPr algn="ctr"/>
+            <a:endParaRPr lang="en-US"/>
+          </a:p>
+        </p:txBody>
+      </p:sp>
+      <p:sp>
+        <p:nvSpPr>
+          <p:cNvPr id="41" name="Rectangle 40">
+            <a:extLst>
+              <a:ext uri="{FF2B5EF4-FFF2-40B4-BE49-F238E27FC236}">
+                <a16:creationId xmlns:a16="http://schemas.microsoft.com/office/drawing/2014/main" id="{63FEDEE9-12A6-4011-A532-8071D6086BF8}"/>
+              </a:ext>
+              <a:ext uri="{C183D7F6-B498-43B3-948B-1728B52AA6E4}">
+                <adec:decorative xmlns:adec="http://schemas.microsoft.com/office/drawing/2017/decorative" val="1"/>
+              </a:ext>
+            </a:extLst>
+          </p:cNvPr>
+          <p:cNvSpPr>
+            <a:spLocks noGrp="1" noRot="1" noChangeAspect="1" noMove="1" noResize="1" noEditPoints="1" noAdjustHandles="1" noChangeArrowheads="1" noChangeShapeType="1" noTextEdit="1"/>
+          </p:cNvSpPr>
+          <p:nvPr>
+            <p:extLst>
+              <p:ext uri="{386F3935-93C4-4BCD-93E2-E3B085C9AB24}">
+                <p16:designElem xmlns:p16="http://schemas.microsoft.com/office/powerpoint/2015/main" val="1"/>
+              </p:ext>
+            </p:extLst>
+          </p:nvPr>
+        </p:nvSpPr>
+        <p:spPr>
+          <a:xfrm>
+            <a:off x="0" y="663"/>
+            <a:ext cx="12188952" cy="6858000"/>
+          </a:xfrm>
+          <a:prstGeom prst="rect">
+            <a:avLst/>
+          </a:prstGeom>
+          <a:solidFill>
+            <a:schemeClr val="bg2">
+              <a:alpha val="20000"/>
+            </a:schemeClr>
+          </a:solidFill>
+          <a:ln>
+            <a:noFill/>
+          </a:ln>
+        </p:spPr>
+        <p:style>
+          <a:lnRef idx="2">
+            <a:schemeClr val="accent1">
+              <a:shade val="50000"/>
+            </a:schemeClr>
+          </a:lnRef>
+          <a:fillRef idx="1">
+            <a:schemeClr val="accent1"/>
+          </a:fillRef>
+          <a:effectRef idx="0">
+            <a:schemeClr val="accent1"/>
+          </a:effectRef>
+          <a:fontRef idx="minor">
+            <a:schemeClr val="lt1"/>
+          </a:fontRef>
+        </p:style>
+        <p:txBody>
+          <a:bodyPr rtlCol="0" anchor="ctr"/>
+          <a:lstStyle/>
+          <a:p>
+            <a:pPr algn="ctr"/>
+            <a:endParaRPr lang="en-US" dirty="0"/>
+          </a:p>
+        </p:txBody>
+      </p:sp>
+      <p:sp>
+        <p:nvSpPr>
+          <p:cNvPr id="43" name="Oval 42">
+            <a:extLst>
+              <a:ext uri="{FF2B5EF4-FFF2-40B4-BE49-F238E27FC236}">
+                <a16:creationId xmlns:a16="http://schemas.microsoft.com/office/drawing/2014/main" id="{57C37CE9-19CE-49DF-A887-2214EBB1F097}"/>
+              </a:ext>
+              <a:ext uri="{C183D7F6-B498-43B3-948B-1728B52AA6E4}">
+                <adec:decorative xmlns:adec="http://schemas.microsoft.com/office/drawing/2017/decorative" val="1"/>
+              </a:ext>
+            </a:extLst>
+          </p:cNvPr>
+          <p:cNvSpPr>
+            <a:spLocks noGrp="1" noRot="1" noChangeAspect="1" noMove="1" noResize="1" noEditPoints="1" noAdjustHandles="1" noChangeArrowheads="1" noChangeShapeType="1" noTextEdit="1"/>
+          </p:cNvSpPr>
+          <p:nvPr>
+            <p:extLst>
+              <p:ext uri="{386F3935-93C4-4BCD-93E2-E3B085C9AB24}">
+                <p16:designElem xmlns:p16="http://schemas.microsoft.com/office/powerpoint/2015/main" val="1"/>
+              </p:ext>
+            </p:extLst>
+          </p:nvPr>
+        </p:nvSpPr>
+        <p:spPr>
+          <a:xfrm rot="16200000">
+            <a:off x="2743200" y="0"/>
+            <a:ext cx="6857999" cy="6857998"/>
+          </a:xfrm>
+          <a:prstGeom prst="ellipse">
+            <a:avLst/>
+          </a:prstGeom>
+          <a:gradFill>
+            <a:gsLst>
+              <a:gs pos="0">
+                <a:schemeClr val="accent1">
+                  <a:lumMod val="20000"/>
+                  <a:lumOff val="80000"/>
+                  <a:alpha val="40000"/>
+                </a:schemeClr>
+              </a:gs>
+              <a:gs pos="100000">
+                <a:schemeClr val="accent1">
+                  <a:alpha val="40000"/>
+                </a:schemeClr>
+              </a:gs>
+            </a:gsLst>
+            <a:lin ang="2700000" scaled="1"/>
+          </a:gradFill>
+          <a:ln>
+            <a:noFill/>
+          </a:ln>
+          <a:effectLst>
+            <a:softEdge rad="520700"/>
+          </a:effectLst>
+        </p:spPr>
+        <p:style>
+          <a:lnRef idx="2">
+            <a:schemeClr val="accent1">
+              <a:shade val="50000"/>
+            </a:schemeClr>
+          </a:lnRef>
+          <a:fillRef idx="1">
+            <a:schemeClr val="accent1"/>
+          </a:fillRef>
+          <a:effectRef idx="0">
+            <a:schemeClr val="accent1"/>
+          </a:effectRef>
+          <a:fontRef idx="minor">
+            <a:schemeClr val="lt1"/>
+          </a:fontRef>
+        </p:style>
+        <p:txBody>
+          <a:bodyPr rtlCol="0" anchor="ctr"/>
+          <a:lstStyle/>
+          <a:p>
+            <a:pPr algn="ctr"/>
+            <a:endParaRPr lang="en-US" dirty="0"/>
+          </a:p>
+        </p:txBody>
+      </p:sp>
+      <p:sp>
+        <p:nvSpPr>
+          <p:cNvPr id="45" name="Oval 44">
+            <a:extLst>
+              <a:ext uri="{FF2B5EF4-FFF2-40B4-BE49-F238E27FC236}">
+                <a16:creationId xmlns:a16="http://schemas.microsoft.com/office/drawing/2014/main" id="{7EF84E8E-7E93-4DEE-BCFB-2AE29098B5C3}"/>
+              </a:ext>
+              <a:ext uri="{C183D7F6-B498-43B3-948B-1728B52AA6E4}">
+                <adec:decorative xmlns:adec="http://schemas.microsoft.com/office/drawing/2017/decorative" val="1"/>
+              </a:ext>
+            </a:extLst>
+          </p:cNvPr>
+          <p:cNvSpPr>
+            <a:spLocks noGrp="1" noRot="1" noChangeAspect="1" noMove="1" noResize="1" noEditPoints="1" noAdjustHandles="1" noChangeArrowheads="1" noChangeShapeType="1" noTextEdit="1"/>
+          </p:cNvSpPr>
+          <p:nvPr>
+            <p:extLst>
+              <p:ext uri="{386F3935-93C4-4BCD-93E2-E3B085C9AB24}">
+                <p16:designElem xmlns:p16="http://schemas.microsoft.com/office/powerpoint/2015/main" val="1"/>
+              </p:ext>
+            </p:extLst>
+          </p:nvPr>
+        </p:nvSpPr>
+        <p:spPr>
+          <a:xfrm rot="16200000">
+            <a:off x="73990" y="1194074"/>
+            <a:ext cx="5589934" cy="5737916"/>
+          </a:xfrm>
+          <a:prstGeom prst="ellipse">
+            <a:avLst/>
+          </a:prstGeom>
+          <a:gradFill>
+            <a:gsLst>
+              <a:gs pos="0">
+                <a:schemeClr val="accent1">
+                  <a:alpha val="40000"/>
+                </a:schemeClr>
+              </a:gs>
+              <a:gs pos="100000">
+                <a:schemeClr val="accent5">
+                  <a:alpha val="20000"/>
+                </a:schemeClr>
+              </a:gs>
+            </a:gsLst>
+            <a:lin ang="2700000" scaled="1"/>
+          </a:gradFill>
+          <a:ln>
+            <a:noFill/>
+          </a:ln>
+          <a:effectLst>
+            <a:softEdge rad="952500"/>
+          </a:effectLst>
+        </p:spPr>
+        <p:style>
+          <a:lnRef idx="2">
+            <a:schemeClr val="accent1">
+              <a:shade val="50000"/>
+            </a:schemeClr>
+          </a:lnRef>
+          <a:fillRef idx="1">
+            <a:schemeClr val="accent1"/>
+          </a:fillRef>
+          <a:effectRef idx="0">
+            <a:schemeClr val="accent1"/>
+          </a:effectRef>
+          <a:fontRef idx="minor">
+            <a:schemeClr val="lt1"/>
+          </a:fontRef>
+        </p:style>
+        <p:txBody>
+          <a:bodyPr rtlCol="0" anchor="ctr"/>
+          <a:lstStyle/>
+          <a:p>
+            <a:pPr algn="ctr"/>
+            <a:endParaRPr lang="en-US" dirty="0"/>
+          </a:p>
+        </p:txBody>
+      </p:sp>
+      <p:sp>
+        <p:nvSpPr>
+          <p:cNvPr id="2" name="Заголовок 1">
+            <a:extLst>
+              <a:ext uri="{FF2B5EF4-FFF2-40B4-BE49-F238E27FC236}">
+                <a16:creationId xmlns:a16="http://schemas.microsoft.com/office/drawing/2014/main" id="{4C4F4352-8860-469D-8475-21D7E31B887C}"/>
+              </a:ext>
+            </a:extLst>
+          </p:cNvPr>
+          <p:cNvSpPr>
+            <a:spLocks noGrp="1"/>
+          </p:cNvSpPr>
+          <p:nvPr>
+            <p:ph type="title"/>
+          </p:nvPr>
+        </p:nvSpPr>
+        <p:spPr>
+          <a:xfrm>
+            <a:off x="838200" y="857250"/>
+            <a:ext cx="5257800" cy="5143499"/>
+          </a:xfrm>
+        </p:spPr>
+        <p:txBody>
+          <a:bodyPr anchor="ctr">
+            <a:normAutofit/>
+          </a:bodyPr>
+          <a:lstStyle/>
+          <a:p>
+            <a:r>
+              <a:rPr lang="ru-RU" sz="4400">
+                <a:solidFill>
+                  <a:srgbClr val="FFFFFF"/>
+                </a:solidFill>
+                <a:cs typeface="Angsana New"/>
+              </a:rPr>
+              <a:t>Результаты</a:t>
+            </a:r>
+            <a:endParaRPr lang="ru-RU" sz="4400">
+              <a:solidFill>
+                <a:srgbClr val="FFFFFF"/>
+              </a:solidFill>
+            </a:endParaRPr>
+          </a:p>
+        </p:txBody>
+      </p:sp>
+      <p:sp>
+        <p:nvSpPr>
+          <p:cNvPr id="47" name="Oval 46">
+            <a:extLst>
+              <a:ext uri="{FF2B5EF4-FFF2-40B4-BE49-F238E27FC236}">
+                <a16:creationId xmlns:a16="http://schemas.microsoft.com/office/drawing/2014/main" id="{9046502B-E9B6-4225-B8EE-BC5D644686B0}"/>
+              </a:ext>
+              <a:ext uri="{C183D7F6-B498-43B3-948B-1728B52AA6E4}">
+                <adec:decorative xmlns:adec="http://schemas.microsoft.com/office/drawing/2017/decorative" val="1"/>
+              </a:ext>
+            </a:extLst>
+          </p:cNvPr>
+          <p:cNvSpPr>
+            <a:spLocks noGrp="1" noRot="1" noChangeAspect="1" noMove="1" noResize="1" noEditPoints="1" noAdjustHandles="1" noChangeArrowheads="1" noChangeShapeType="1" noTextEdit="1"/>
+          </p:cNvSpPr>
+          <p:nvPr>
+            <p:extLst>
+              <p:ext uri="{386F3935-93C4-4BCD-93E2-E3B085C9AB24}">
+                <p16:designElem xmlns:p16="http://schemas.microsoft.com/office/powerpoint/2015/main" val="1"/>
+              </p:ext>
+            </p:extLst>
+          </p:nvPr>
+        </p:nvSpPr>
+        <p:spPr>
+          <a:xfrm rot="16200000">
+            <a:off x="6439622" y="194269"/>
+            <a:ext cx="5760743" cy="5737917"/>
+          </a:xfrm>
+          <a:prstGeom prst="ellipse">
+            <a:avLst/>
+          </a:prstGeom>
+          <a:gradFill>
+            <a:gsLst>
+              <a:gs pos="0">
+                <a:schemeClr val="accent1">
+                  <a:alpha val="20000"/>
+                </a:schemeClr>
+              </a:gs>
+              <a:gs pos="100000">
+                <a:schemeClr val="accent5">
+                  <a:alpha val="40000"/>
+                </a:schemeClr>
+              </a:gs>
+            </a:gsLst>
+            <a:lin ang="2700000" scaled="1"/>
+          </a:gradFill>
+          <a:ln>
+            <a:noFill/>
+          </a:ln>
+          <a:effectLst>
+            <a:softEdge rad="1003300"/>
+          </a:effectLst>
+        </p:spPr>
+        <p:style>
+          <a:lnRef idx="2">
+            <a:schemeClr val="accent1">
+              <a:shade val="50000"/>
+            </a:schemeClr>
+          </a:lnRef>
+          <a:fillRef idx="1">
+            <a:schemeClr val="accent1"/>
+          </a:fillRef>
+          <a:effectRef idx="0">
+            <a:schemeClr val="accent1"/>
+          </a:effectRef>
+          <a:fontRef idx="minor">
+            <a:schemeClr val="lt1"/>
+          </a:fontRef>
+        </p:style>
+        <p:txBody>
+          <a:bodyPr rtlCol="0" anchor="ctr"/>
+          <a:lstStyle/>
+          <a:p>
+            <a:pPr algn="ctr"/>
+            <a:endParaRPr lang="en-US" dirty="0"/>
+          </a:p>
+        </p:txBody>
+      </p:sp>
+      <p:sp>
+        <p:nvSpPr>
+          <p:cNvPr id="3" name="Объект 2">
+            <a:extLst>
+              <a:ext uri="{FF2B5EF4-FFF2-40B4-BE49-F238E27FC236}">
+                <a16:creationId xmlns:a16="http://schemas.microsoft.com/office/drawing/2014/main" id="{3DB3F16D-DC2E-EA91-69E8-16BD7D61E064}"/>
+              </a:ext>
+            </a:extLst>
+          </p:cNvPr>
+          <p:cNvSpPr>
+            <a:spLocks noGrp="1"/>
+          </p:cNvSpPr>
+          <p:nvPr>
+            <p:ph idx="1"/>
+          </p:nvPr>
+        </p:nvSpPr>
+        <p:spPr>
+          <a:xfrm>
+            <a:off x="6334124" y="857251"/>
+            <a:ext cx="5019675" cy="5143500"/>
+          </a:xfrm>
+        </p:spPr>
+        <p:txBody>
+          <a:bodyPr vert="horz" lIns="91440" tIns="45720" rIns="91440" bIns="45720" rtlCol="0" anchor="ctr">
+            <a:normAutofit/>
+          </a:bodyPr>
+          <a:lstStyle/>
+          <a:p>
+            <a:pPr marL="742950" indent="-514350">
+              <a:buAutoNum type="arabicPeriod"/>
+            </a:pPr>
+            <a:r>
+              <a:rPr lang="ru-RU" sz="1800" dirty="0">
+                <a:solidFill>
+                  <a:srgbClr val="FFFFFF"/>
+                </a:solidFill>
+              </a:rPr>
+              <a:t>Создан сайт с элементами </a:t>
+            </a:r>
+            <a:r>
+              <a:rPr lang="ru-RU" sz="1800" dirty="0" err="1">
+                <a:solidFill>
+                  <a:srgbClr val="FFFFFF"/>
+                </a:solidFill>
+              </a:rPr>
+              <a:t>bootstrap</a:t>
+            </a:r>
+            <a:r>
+              <a:rPr lang="ru-RU" sz="1800" dirty="0">
+                <a:solidFill>
+                  <a:srgbClr val="FFFFFF"/>
+                </a:solidFill>
+              </a:rPr>
+              <a:t> 5 с помощью шаблонов.</a:t>
+            </a:r>
+          </a:p>
+          <a:p>
+            <a:pPr marL="742950" indent="-514350">
+              <a:buClr>
+                <a:srgbClr val="E3EFEB"/>
+              </a:buClr>
+              <a:buAutoNum type="arabicPeriod"/>
+            </a:pPr>
+            <a:r>
+              <a:rPr lang="ru-RU" sz="1800" dirty="0">
+                <a:solidFill>
+                  <a:srgbClr val="FFFFFF"/>
+                </a:solidFill>
+              </a:rPr>
+              <a:t>Добавлены регистрация и авторизация.</a:t>
+            </a:r>
+          </a:p>
+          <a:p>
+            <a:pPr marL="742950" indent="-514350">
+              <a:buClr>
+                <a:srgbClr val="E3EFEB"/>
+              </a:buClr>
+              <a:buAutoNum type="arabicPeriod"/>
+            </a:pPr>
+            <a:r>
+              <a:rPr lang="ru-RU" sz="1800" dirty="0">
+                <a:solidFill>
+                  <a:srgbClr val="FFFFFF"/>
+                </a:solidFill>
+              </a:rPr>
+              <a:t>Добавлена БД (ORM-модели), а также возможность её редактирования прямо с сайта.</a:t>
+            </a:r>
+          </a:p>
+          <a:p>
+            <a:pPr marL="742950" indent="-514350">
+              <a:buClr>
+                <a:srgbClr val="E3EFEB"/>
+              </a:buClr>
+              <a:buAutoNum type="arabicPeriod"/>
+            </a:pPr>
+            <a:r>
+              <a:rPr lang="ru-RU" sz="1800" dirty="0">
+                <a:solidFill>
+                  <a:srgbClr val="FFFFFF"/>
+                </a:solidFill>
+              </a:rPr>
+              <a:t>Добавлена поддержка REST-API.</a:t>
+            </a:r>
+          </a:p>
+          <a:p>
+            <a:pPr marL="742950" indent="-514350">
+              <a:buClr>
+                <a:srgbClr val="E3EFEB"/>
+              </a:buClr>
+              <a:buAutoNum type="arabicPeriod"/>
+            </a:pPr>
+            <a:r>
+              <a:rPr lang="ru-RU" sz="1800" dirty="0">
+                <a:solidFill>
+                  <a:srgbClr val="FFFFFF"/>
+                </a:solidFill>
+              </a:rPr>
+              <a:t>Реализованы загрузка и использование файлов на сайте.</a:t>
+            </a:r>
+          </a:p>
+          <a:p>
+            <a:pPr marL="742950" indent="-514350">
+              <a:buClr>
+                <a:srgbClr val="E3EFEB"/>
+              </a:buClr>
+              <a:buAutoNum type="arabicPeriod"/>
+            </a:pPr>
+            <a:r>
+              <a:rPr lang="ru-RU" sz="1800" dirty="0">
+                <a:solidFill>
+                  <a:srgbClr val="FFFFFF"/>
+                </a:solidFill>
+              </a:rPr>
+              <a:t>Создан файл "requirements.txt".</a:t>
+            </a:r>
+          </a:p>
+          <a:p>
+            <a:pPr marL="742950" indent="-514350">
+              <a:buClr>
+                <a:srgbClr val="E3EFEB"/>
+              </a:buClr>
+              <a:buAutoNum type="arabicPeriod"/>
+            </a:pPr>
+            <a:r>
+              <a:rPr lang="ru-RU" sz="1800" dirty="0">
+                <a:solidFill>
+                  <a:srgbClr val="FFFFFF"/>
+                </a:solidFill>
+              </a:rPr>
+              <a:t>Сайт загружен на </a:t>
+            </a:r>
+            <a:r>
+              <a:rPr lang="ru-RU" sz="1800" dirty="0" err="1">
+                <a:solidFill>
+                  <a:srgbClr val="FFFFFF"/>
+                </a:solidFill>
+              </a:rPr>
+              <a:t>Heroku</a:t>
+            </a:r>
+            <a:r>
+              <a:rPr lang="ru-RU" sz="1800" dirty="0">
+                <a:solidFill>
+                  <a:srgbClr val="FFFFFF"/>
+                </a:solidFill>
+              </a:rPr>
+              <a:t>.</a:t>
+            </a:r>
+          </a:p>
+        </p:txBody>
+      </p:sp>
+    </p:spTree>
+    <p:extLst>
+      <p:ext uri="{BB962C8B-B14F-4D97-AF65-F5344CB8AC3E}">
+        <p14:creationId xmlns:p14="http://schemas.microsoft.com/office/powerpoint/2010/main" val="4181580984"/>
+      </p:ext>
+    </p:extLst>
+  </p:cSld>
+  <p:clrMapOvr>
+    <a:masterClrMapping/>
+  </p:clrMapOvr>
+</p:sld>
+</file>
+
 <file path=ppt/slides/slide2.xml><?xml version="1.0" encoding="utf-8"?>
 <p:sld xmlns:a="http://schemas.openxmlformats.org/drawingml/2006/main" xmlns:r="http://schemas.openxmlformats.org/officeDocument/2006/relationships" xmlns:p="http://schemas.openxmlformats.org/presentationml/2006/main">
   <p:cSld>
@@ -4240,7 +7811,7 @@
           </a:xfrm>
         </p:spPr>
         <p:txBody>
-          <a:bodyPr vert="horz" lIns="91440" tIns="45720" rIns="91440" bIns="45720" rtlCol="0">
+          <a:bodyPr vert="horz" lIns="91440" tIns="45720" rIns="91440" bIns="45720" rtlCol="0" anchor="t">
             <a:normAutofit/>
           </a:bodyPr>
           <a:lstStyle/>
@@ -4249,14 +7820,14 @@
               <a:buNone/>
             </a:pPr>
             <a:r>
-              <a:rPr lang="ru-RU" sz="2000">
+              <a:rPr lang="ru-RU" sz="2000" dirty="0">
                 <a:solidFill>
                   <a:schemeClr val="tx2">
                     <a:alpha val="60000"/>
                   </a:schemeClr>
                 </a:solidFill>
               </a:rPr>
-              <a:t>Создать сайт с несколькими БД, возможностью их редактирования и другим функционалом, а также добавить поддержку REST-API</a:t>
+              <a:t>Создать сайт с несколькими БД, возможностью их редактирования и другим функционалом, а также добавить поддержку REST-API.</a:t>
             </a:r>
           </a:p>
         </p:txBody>
@@ -4306,6 +7877,14 @@
 <file path=ppt/slides/slide3.xml><?xml version="1.0" encoding="utf-8"?>
 <p:sld xmlns:a="http://schemas.openxmlformats.org/drawingml/2006/main" xmlns:r="http://schemas.openxmlformats.org/officeDocument/2006/relationships" xmlns:p="http://schemas.openxmlformats.org/presentationml/2006/main">
   <p:cSld>
+    <p:bg>
+      <p:bgPr>
+        <a:solidFill>
+          <a:schemeClr val="bg1"/>
+        </a:solidFill>
+        <a:effectLst/>
+      </p:bgPr>
+    </p:bg>
     <p:spTree>
       <p:nvGrpSpPr>
         <p:cNvPr id="1" name=""/>
@@ -4320,6 +7899,443 @@
           <a:chExt cx="0" cy="0"/>
         </a:xfrm>
       </p:grpSpPr>
+      <p:sp useBgFill="1">
+        <p:nvSpPr>
+          <p:cNvPr id="48" name="Rectangle 25">
+            <a:extLst>
+              <a:ext uri="{FF2B5EF4-FFF2-40B4-BE49-F238E27FC236}">
+                <a16:creationId xmlns:a16="http://schemas.microsoft.com/office/drawing/2014/main" id="{32768DCD-B824-413A-B330-8D57ADB3724C}"/>
+              </a:ext>
+              <a:ext uri="{C183D7F6-B498-43B3-948B-1728B52AA6E4}">
+                <adec:decorative xmlns:adec="http://schemas.microsoft.com/office/drawing/2017/decorative" val="1"/>
+              </a:ext>
+            </a:extLst>
+          </p:cNvPr>
+          <p:cNvSpPr>
+            <a:spLocks noGrp="1" noRot="1" noChangeAspect="1" noMove="1" noResize="1" noEditPoints="1" noAdjustHandles="1" noChangeArrowheads="1" noChangeShapeType="1" noTextEdit="1"/>
+          </p:cNvSpPr>
+          <p:nvPr>
+            <p:extLst>
+              <p:ext uri="{386F3935-93C4-4BCD-93E2-E3B085C9AB24}">
+                <p16:designElem xmlns:p16="http://schemas.microsoft.com/office/powerpoint/2015/main" val="1"/>
+              </p:ext>
+            </p:extLst>
+          </p:nvPr>
+        </p:nvSpPr>
+        <p:spPr>
+          <a:xfrm>
+            <a:off x="0" y="0"/>
+            <a:ext cx="12188952" cy="6858000"/>
+          </a:xfrm>
+          <a:prstGeom prst="rect">
+            <a:avLst/>
+          </a:prstGeom>
+          <a:ln>
+            <a:noFill/>
+          </a:ln>
+        </p:spPr>
+        <p:style>
+          <a:lnRef idx="2">
+            <a:schemeClr val="accent1">
+              <a:shade val="50000"/>
+            </a:schemeClr>
+          </a:lnRef>
+          <a:fillRef idx="1">
+            <a:schemeClr val="accent1"/>
+          </a:fillRef>
+          <a:effectRef idx="0">
+            <a:schemeClr val="accent1"/>
+          </a:effectRef>
+          <a:fontRef idx="minor">
+            <a:schemeClr val="lt1"/>
+          </a:fontRef>
+        </p:style>
+        <p:txBody>
+          <a:bodyPr rtlCol="0" anchor="ctr"/>
+          <a:lstStyle/>
+          <a:p>
+            <a:pPr algn="ctr"/>
+            <a:endParaRPr lang="en-US"/>
+          </a:p>
+        </p:txBody>
+      </p:sp>
+      <p:sp>
+        <p:nvSpPr>
+          <p:cNvPr id="49" name="Rectangle 27">
+            <a:extLst>
+              <a:ext uri="{FF2B5EF4-FFF2-40B4-BE49-F238E27FC236}">
+                <a16:creationId xmlns:a16="http://schemas.microsoft.com/office/drawing/2014/main" id="{96E45848-BEDA-4F24-9C4E-DA2120958262}"/>
+              </a:ext>
+              <a:ext uri="{C183D7F6-B498-43B3-948B-1728B52AA6E4}">
+                <adec:decorative xmlns:adec="http://schemas.microsoft.com/office/drawing/2017/decorative" val="1"/>
+              </a:ext>
+            </a:extLst>
+          </p:cNvPr>
+          <p:cNvSpPr>
+            <a:spLocks noGrp="1" noRot="1" noChangeAspect="1" noMove="1" noResize="1" noEditPoints="1" noAdjustHandles="1" noChangeArrowheads="1" noChangeShapeType="1" noTextEdit="1"/>
+          </p:cNvSpPr>
+          <p:nvPr>
+            <p:extLst>
+              <p:ext uri="{386F3935-93C4-4BCD-93E2-E3B085C9AB24}">
+                <p16:designElem xmlns:p16="http://schemas.microsoft.com/office/powerpoint/2015/main" val="1"/>
+              </p:ext>
+            </p:extLst>
+          </p:nvPr>
+        </p:nvSpPr>
+        <p:spPr>
+          <a:xfrm>
+            <a:off x="0" y="-664"/>
+            <a:ext cx="12188952" cy="6858000"/>
+          </a:xfrm>
+          <a:prstGeom prst="rect">
+            <a:avLst/>
+          </a:prstGeom>
+          <a:gradFill flip="none" rotWithShape="1">
+            <a:gsLst>
+              <a:gs pos="0">
+                <a:schemeClr val="accent2">
+                  <a:alpha val="60000"/>
+                </a:schemeClr>
+              </a:gs>
+              <a:gs pos="100000">
+                <a:schemeClr val="accent1">
+                  <a:alpha val="60000"/>
+                </a:schemeClr>
+              </a:gs>
+            </a:gsLst>
+            <a:lin ang="2700000" scaled="1"/>
+            <a:tileRect/>
+          </a:gradFill>
+          <a:ln>
+            <a:noFill/>
+          </a:ln>
+        </p:spPr>
+        <p:style>
+          <a:lnRef idx="2">
+            <a:schemeClr val="accent1">
+              <a:shade val="50000"/>
+            </a:schemeClr>
+          </a:lnRef>
+          <a:fillRef idx="1">
+            <a:schemeClr val="accent1"/>
+          </a:fillRef>
+          <a:effectRef idx="0">
+            <a:schemeClr val="accent1"/>
+          </a:effectRef>
+          <a:fontRef idx="minor">
+            <a:schemeClr val="lt1"/>
+          </a:fontRef>
+        </p:style>
+        <p:txBody>
+          <a:bodyPr rtlCol="0" anchor="ctr"/>
+          <a:lstStyle/>
+          <a:p>
+            <a:pPr algn="ctr"/>
+            <a:endParaRPr lang="en-US"/>
+          </a:p>
+        </p:txBody>
+      </p:sp>
+      <p:sp>
+        <p:nvSpPr>
+          <p:cNvPr id="50" name="Rectangle 29">
+            <a:extLst>
+              <a:ext uri="{FF2B5EF4-FFF2-40B4-BE49-F238E27FC236}">
+                <a16:creationId xmlns:a16="http://schemas.microsoft.com/office/drawing/2014/main" id="{B2BB8117-A903-442C-9223-A4FEB85C3271}"/>
+              </a:ext>
+              <a:ext uri="{C183D7F6-B498-43B3-948B-1728B52AA6E4}">
+                <adec:decorative xmlns:adec="http://schemas.microsoft.com/office/drawing/2017/decorative" val="1"/>
+              </a:ext>
+            </a:extLst>
+          </p:cNvPr>
+          <p:cNvSpPr>
+            <a:spLocks noGrp="1" noRot="1" noChangeAspect="1" noMove="1" noResize="1" noEditPoints="1" noAdjustHandles="1" noChangeArrowheads="1" noChangeShapeType="1" noTextEdit="1"/>
+          </p:cNvSpPr>
+          <p:nvPr>
+            <p:extLst>
+              <p:ext uri="{386F3935-93C4-4BCD-93E2-E3B085C9AB24}">
+                <p16:designElem xmlns:p16="http://schemas.microsoft.com/office/powerpoint/2015/main" val="1"/>
+              </p:ext>
+            </p:extLst>
+          </p:nvPr>
+        </p:nvSpPr>
+        <p:spPr>
+          <a:xfrm>
+            <a:off x="0" y="663"/>
+            <a:ext cx="12188952" cy="6858000"/>
+          </a:xfrm>
+          <a:prstGeom prst="rect">
+            <a:avLst/>
+          </a:prstGeom>
+          <a:solidFill>
+            <a:schemeClr val="bg2">
+              <a:alpha val="20000"/>
+            </a:schemeClr>
+          </a:solidFill>
+          <a:ln>
+            <a:noFill/>
+          </a:ln>
+        </p:spPr>
+        <p:style>
+          <a:lnRef idx="2">
+            <a:schemeClr val="accent1">
+              <a:shade val="50000"/>
+            </a:schemeClr>
+          </a:lnRef>
+          <a:fillRef idx="1">
+            <a:schemeClr val="accent1"/>
+          </a:fillRef>
+          <a:effectRef idx="0">
+            <a:schemeClr val="accent1"/>
+          </a:effectRef>
+          <a:fontRef idx="minor">
+            <a:schemeClr val="lt1"/>
+          </a:fontRef>
+        </p:style>
+        <p:txBody>
+          <a:bodyPr rtlCol="0" anchor="ctr"/>
+          <a:lstStyle/>
+          <a:p>
+            <a:pPr algn="ctr"/>
+            <a:endParaRPr lang="en-US" dirty="0"/>
+          </a:p>
+        </p:txBody>
+      </p:sp>
+      <p:sp>
+        <p:nvSpPr>
+          <p:cNvPr id="51" name="Oval 31">
+            <a:extLst>
+              <a:ext uri="{FF2B5EF4-FFF2-40B4-BE49-F238E27FC236}">
+                <a16:creationId xmlns:a16="http://schemas.microsoft.com/office/drawing/2014/main" id="{C59300B8-3117-43F8-9F8E-68DB9F002F92}"/>
+              </a:ext>
+              <a:ext uri="{C183D7F6-B498-43B3-948B-1728B52AA6E4}">
+                <adec:decorative xmlns:adec="http://schemas.microsoft.com/office/drawing/2017/decorative" val="1"/>
+              </a:ext>
+            </a:extLst>
+          </p:cNvPr>
+          <p:cNvSpPr>
+            <a:spLocks noGrp="1" noRot="1" noChangeAspect="1" noMove="1" noResize="1" noEditPoints="1" noAdjustHandles="1" noChangeArrowheads="1" noChangeShapeType="1" noTextEdit="1"/>
+          </p:cNvSpPr>
+          <p:nvPr>
+            <p:extLst>
+              <p:ext uri="{386F3935-93C4-4BCD-93E2-E3B085C9AB24}">
+                <p16:designElem xmlns:p16="http://schemas.microsoft.com/office/powerpoint/2015/main" val="1"/>
+              </p:ext>
+            </p:extLst>
+          </p:nvPr>
+        </p:nvSpPr>
+        <p:spPr>
+          <a:xfrm rot="16200000">
+            <a:off x="2537516" y="0"/>
+            <a:ext cx="6857999" cy="6857998"/>
+          </a:xfrm>
+          <a:prstGeom prst="ellipse">
+            <a:avLst/>
+          </a:prstGeom>
+          <a:gradFill>
+            <a:gsLst>
+              <a:gs pos="0">
+                <a:schemeClr val="accent1">
+                  <a:lumMod val="20000"/>
+                  <a:lumOff val="80000"/>
+                  <a:alpha val="40000"/>
+                </a:schemeClr>
+              </a:gs>
+              <a:gs pos="100000">
+                <a:schemeClr val="accent1">
+                  <a:alpha val="40000"/>
+                </a:schemeClr>
+              </a:gs>
+            </a:gsLst>
+            <a:lin ang="2700000" scaled="1"/>
+          </a:gradFill>
+          <a:ln>
+            <a:noFill/>
+          </a:ln>
+          <a:effectLst>
+            <a:softEdge rad="520700"/>
+          </a:effectLst>
+        </p:spPr>
+        <p:style>
+          <a:lnRef idx="2">
+            <a:schemeClr val="accent1">
+              <a:shade val="50000"/>
+            </a:schemeClr>
+          </a:lnRef>
+          <a:fillRef idx="1">
+            <a:schemeClr val="accent1"/>
+          </a:fillRef>
+          <a:effectRef idx="0">
+            <a:schemeClr val="accent1"/>
+          </a:effectRef>
+          <a:fontRef idx="minor">
+            <a:schemeClr val="lt1"/>
+          </a:fontRef>
+        </p:style>
+        <p:txBody>
+          <a:bodyPr rtlCol="0" anchor="ctr"/>
+          <a:lstStyle/>
+          <a:p>
+            <a:pPr algn="ctr"/>
+            <a:endParaRPr lang="en-US" dirty="0"/>
+          </a:p>
+        </p:txBody>
+      </p:sp>
+      <p:sp>
+        <p:nvSpPr>
+          <p:cNvPr id="52" name="Oval 33">
+            <a:extLst>
+              <a:ext uri="{FF2B5EF4-FFF2-40B4-BE49-F238E27FC236}">
+                <a16:creationId xmlns:a16="http://schemas.microsoft.com/office/drawing/2014/main" id="{1AFAE680-42C1-4104-B74F-B0A8F1FB264A}"/>
+              </a:ext>
+              <a:ext uri="{C183D7F6-B498-43B3-948B-1728B52AA6E4}">
+                <adec:decorative xmlns:adec="http://schemas.microsoft.com/office/drawing/2017/decorative" val="1"/>
+              </a:ext>
+            </a:extLst>
+          </p:cNvPr>
+          <p:cNvSpPr>
+            <a:spLocks noGrp="1" noRot="1" noChangeAspect="1" noMove="1" noResize="1" noEditPoints="1" noAdjustHandles="1" noChangeArrowheads="1" noChangeShapeType="1" noTextEdit="1"/>
+          </p:cNvSpPr>
+          <p:nvPr>
+            <p:extLst>
+              <p:ext uri="{386F3935-93C4-4BCD-93E2-E3B085C9AB24}">
+                <p16:designElem xmlns:p16="http://schemas.microsoft.com/office/powerpoint/2015/main" val="1"/>
+              </p:ext>
+            </p:extLst>
+          </p:nvPr>
+        </p:nvSpPr>
+        <p:spPr>
+          <a:xfrm rot="16200000">
+            <a:off x="73990" y="1194074"/>
+            <a:ext cx="5589934" cy="5737916"/>
+          </a:xfrm>
+          <a:prstGeom prst="ellipse">
+            <a:avLst/>
+          </a:prstGeom>
+          <a:gradFill>
+            <a:gsLst>
+              <a:gs pos="0">
+                <a:schemeClr val="accent1">
+                  <a:alpha val="40000"/>
+                </a:schemeClr>
+              </a:gs>
+              <a:gs pos="100000">
+                <a:schemeClr val="accent5">
+                  <a:alpha val="20000"/>
+                </a:schemeClr>
+              </a:gs>
+            </a:gsLst>
+            <a:lin ang="2700000" scaled="1"/>
+          </a:gradFill>
+          <a:ln>
+            <a:noFill/>
+          </a:ln>
+          <a:effectLst>
+            <a:softEdge rad="952500"/>
+          </a:effectLst>
+        </p:spPr>
+        <p:style>
+          <a:lnRef idx="2">
+            <a:schemeClr val="accent1">
+              <a:shade val="50000"/>
+            </a:schemeClr>
+          </a:lnRef>
+          <a:fillRef idx="1">
+            <a:schemeClr val="accent1"/>
+          </a:fillRef>
+          <a:effectRef idx="0">
+            <a:schemeClr val="accent1"/>
+          </a:effectRef>
+          <a:fontRef idx="minor">
+            <a:schemeClr val="lt1"/>
+          </a:fontRef>
+        </p:style>
+        <p:txBody>
+          <a:bodyPr rtlCol="0" anchor="ctr"/>
+          <a:lstStyle/>
+          <a:p>
+            <a:pPr algn="ctr"/>
+            <a:endParaRPr lang="en-US" dirty="0"/>
+          </a:p>
+        </p:txBody>
+      </p:sp>
+      <p:sp>
+        <p:nvSpPr>
+          <p:cNvPr id="53" name="Oval 35">
+            <a:extLst>
+              <a:ext uri="{FF2B5EF4-FFF2-40B4-BE49-F238E27FC236}">
+                <a16:creationId xmlns:a16="http://schemas.microsoft.com/office/drawing/2014/main" id="{828A8BA9-B3FE-4C96-A0A1-72A0D2C85578}"/>
+              </a:ext>
+              <a:ext uri="{C183D7F6-B498-43B3-948B-1728B52AA6E4}">
+                <adec:decorative xmlns:adec="http://schemas.microsoft.com/office/drawing/2017/decorative" val="1"/>
+              </a:ext>
+            </a:extLst>
+          </p:cNvPr>
+          <p:cNvSpPr>
+            <a:spLocks noGrp="1" noRot="1" noChangeAspect="1" noMove="1" noResize="1" noEditPoints="1" noAdjustHandles="1" noChangeArrowheads="1" noChangeShapeType="1" noTextEdit="1"/>
+          </p:cNvSpPr>
+          <p:nvPr>
+            <p:extLst>
+              <p:ext uri="{386F3935-93C4-4BCD-93E2-E3B085C9AB24}">
+                <p16:designElem xmlns:p16="http://schemas.microsoft.com/office/powerpoint/2015/main" val="1"/>
+              </p:ext>
+            </p:extLst>
+          </p:nvPr>
+        </p:nvSpPr>
+        <p:spPr>
+          <a:xfrm rot="16200000">
+            <a:off x="6439622" y="194269"/>
+            <a:ext cx="5760743" cy="5737917"/>
+          </a:xfrm>
+          <a:prstGeom prst="ellipse">
+            <a:avLst/>
+          </a:prstGeom>
+          <a:gradFill>
+            <a:gsLst>
+              <a:gs pos="0">
+                <a:schemeClr val="accent1">
+                  <a:alpha val="20000"/>
+                </a:schemeClr>
+              </a:gs>
+              <a:gs pos="100000">
+                <a:schemeClr val="accent5">
+                  <a:alpha val="40000"/>
+                </a:schemeClr>
+              </a:gs>
+            </a:gsLst>
+            <a:lin ang="2700000" scaled="1"/>
+          </a:gradFill>
+          <a:ln>
+            <a:noFill/>
+          </a:ln>
+          <a:effectLst>
+            <a:softEdge rad="1003300"/>
+          </a:effectLst>
+        </p:spPr>
+        <p:style>
+          <a:lnRef idx="2">
+            <a:schemeClr val="accent1">
+              <a:shade val="50000"/>
+            </a:schemeClr>
+          </a:lnRef>
+          <a:fillRef idx="1">
+            <a:schemeClr val="accent1"/>
+          </a:fillRef>
+          <a:effectRef idx="0">
+            <a:schemeClr val="accent1"/>
+          </a:effectRef>
+          <a:fontRef idx="minor">
+            <a:schemeClr val="lt1"/>
+          </a:fontRef>
+        </p:style>
+        <p:txBody>
+          <a:bodyPr rtlCol="0" anchor="ctr"/>
+          <a:lstStyle/>
+          <a:p>
+            <a:pPr algn="ctr"/>
+            <a:endParaRPr lang="en-US" dirty="0"/>
+          </a:p>
+        </p:txBody>
+      </p:sp>
       <p:sp>
         <p:nvSpPr>
           <p:cNvPr id="2" name="Заголовок 1">
@@ -4336,24 +8352,38 @@
             <p:ph type="title"/>
           </p:nvPr>
         </p:nvSpPr>
-        <p:spPr/>
-        <p:txBody>
-          <a:bodyPr/>
-          <a:lstStyle/>
-          <a:p>
-            <a:r>
-              <a:rPr lang="ru-RU">
+        <p:spPr>
+          <a:xfrm>
+            <a:off x="838201" y="857251"/>
+            <a:ext cx="5796580" cy="2076450"/>
+          </a:xfrm>
+        </p:spPr>
+        <p:txBody>
+          <a:bodyPr anchor="b">
+            <a:normAutofit/>
+          </a:bodyPr>
+          <a:lstStyle/>
+          <a:p>
+            <a:r>
+              <a:rPr lang="ru-RU" sz="4400">
+                <a:solidFill>
+                  <a:srgbClr val="FFFFFF"/>
+                </a:solidFill>
                 <a:cs typeface="Angsana New"/>
               </a:rPr>
               <a:t>Задачи</a:t>
             </a:r>
-            <a:endParaRPr lang="ru-RU"/>
-          </a:p>
-        </p:txBody>
-      </p:sp>
-      <p:sp>
-        <p:nvSpPr>
-          <p:cNvPr id="3" name="Объект 2">
+            <a:endParaRPr lang="ru-RU" sz="4400">
+              <a:solidFill>
+                <a:srgbClr val="FFFFFF"/>
+              </a:solidFill>
+            </a:endParaRPr>
+          </a:p>
+        </p:txBody>
+      </p:sp>
+      <p:sp>
+        <p:nvSpPr>
+          <p:cNvPr id="54" name="Объект 2">
             <a:extLst>
               <a:ext uri="{FF2B5EF4-FFF2-40B4-BE49-F238E27FC236}">
                 <a16:creationId xmlns:a16="http://schemas.microsoft.com/office/drawing/2014/main" id="{BF718FDD-551E-B760-B90B-02BFF576A382}"/>
@@ -4367,15 +8397,200 @@
             <p:ph idx="1"/>
           </p:nvPr>
         </p:nvSpPr>
-        <p:spPr/>
-        <p:txBody>
-          <a:bodyPr/>
-          <a:lstStyle/>
-          <a:p>
-            <a:endParaRPr lang="ru-RU"/>
-          </a:p>
-        </p:txBody>
-      </p:sp>
+        <p:spPr>
+          <a:xfrm>
+            <a:off x="838200" y="3190875"/>
+            <a:ext cx="5796580" cy="2986087"/>
+          </a:xfrm>
+        </p:spPr>
+        <p:txBody>
+          <a:bodyPr vert="horz" lIns="91440" tIns="45720" rIns="91440" bIns="45720" rtlCol="0">
+            <a:normAutofit/>
+          </a:bodyPr>
+          <a:lstStyle/>
+          <a:p>
+            <a:pPr marL="514350" indent="-285750">
+              <a:buClr>
+                <a:srgbClr val="1B3029">
+                  <a:lumMod val="10000"/>
+                  <a:lumOff val="90000"/>
+                </a:srgbClr>
+              </a:buClr>
+            </a:pPr>
+            <a:r>
+              <a:rPr lang="ru-RU" sz="1700">
+                <a:solidFill>
+                  <a:srgbClr val="FFFFFF"/>
+                </a:solidFill>
+              </a:rPr>
+              <a:t>Создать сайт с регистрацией и авторизацией с помощью шаблонов, а также с элементами bootstrap.</a:t>
+            </a:r>
+          </a:p>
+          <a:p>
+            <a:pPr>
+              <a:buClr>
+                <a:srgbClr val="E3EFEB"/>
+              </a:buClr>
+            </a:pPr>
+            <a:r>
+              <a:rPr lang="ru-RU" sz="1700">
+                <a:solidFill>
+                  <a:srgbClr val="FFFFFF"/>
+                </a:solidFill>
+              </a:rPr>
+              <a:t>Добавить БД (ORM-модели), а также возможность её редактирования и просмотра на сайте.</a:t>
+            </a:r>
+          </a:p>
+          <a:p>
+            <a:pPr>
+              <a:buClr>
+                <a:srgbClr val="E3EFEB"/>
+              </a:buClr>
+            </a:pPr>
+            <a:r>
+              <a:rPr lang="ru-RU" sz="1700">
+                <a:solidFill>
+                  <a:srgbClr val="FFFFFF"/>
+                </a:solidFill>
+              </a:rPr>
+              <a:t>Добавить поддержку REST-API.</a:t>
+            </a:r>
+          </a:p>
+          <a:p>
+            <a:pPr>
+              <a:buClr>
+                <a:srgbClr val="E3EFEB"/>
+              </a:buClr>
+            </a:pPr>
+            <a:r>
+              <a:rPr lang="ru-RU" sz="1700">
+                <a:solidFill>
+                  <a:srgbClr val="FFFFFF"/>
+                </a:solidFill>
+              </a:rPr>
+              <a:t>Реализовать загрузку и использование файлов на сайте.</a:t>
+            </a:r>
+          </a:p>
+          <a:p>
+            <a:pPr>
+              <a:buClr>
+                <a:srgbClr val="E3EFEB"/>
+              </a:buClr>
+            </a:pPr>
+            <a:r>
+              <a:rPr lang="ru-RU" sz="1700">
+                <a:solidFill>
+                  <a:srgbClr val="FFFFFF"/>
+                </a:solidFill>
+              </a:rPr>
+              <a:t>Захостить сайт на Heroku.</a:t>
+            </a:r>
+          </a:p>
+        </p:txBody>
+      </p:sp>
+      <p:sp>
+        <p:nvSpPr>
+          <p:cNvPr id="55" name="Rectangle 37">
+            <a:extLst>
+              <a:ext uri="{FF2B5EF4-FFF2-40B4-BE49-F238E27FC236}">
+                <a16:creationId xmlns:a16="http://schemas.microsoft.com/office/drawing/2014/main" id="{2EDB7FB2-4012-481D-B3D1-7301CCF6E488}"/>
+              </a:ext>
+              <a:ext uri="{C183D7F6-B498-43B3-948B-1728B52AA6E4}">
+                <adec:decorative xmlns:adec="http://schemas.microsoft.com/office/drawing/2017/decorative" val="1"/>
+              </a:ext>
+            </a:extLst>
+          </p:cNvPr>
+          <p:cNvSpPr>
+            <a:spLocks noGrp="1" noRot="1" noChangeAspect="1" noMove="1" noResize="1" noEditPoints="1" noAdjustHandles="1" noChangeArrowheads="1" noChangeShapeType="1" noTextEdit="1"/>
+          </p:cNvSpPr>
+          <p:nvPr>
+            <p:extLst>
+              <p:ext uri="{386F3935-93C4-4BCD-93E2-E3B085C9AB24}">
+                <p16:designElem xmlns:p16="http://schemas.microsoft.com/office/powerpoint/2015/main" val="1"/>
+              </p:ext>
+            </p:extLst>
+          </p:nvPr>
+        </p:nvSpPr>
+        <p:spPr>
+          <a:xfrm>
+            <a:off x="7784982" y="-1328"/>
+            <a:ext cx="4407017" cy="6858000"/>
+          </a:xfrm>
+          <a:prstGeom prst="rect">
+            <a:avLst/>
+          </a:prstGeom>
+          <a:gradFill flip="none" rotWithShape="1">
+            <a:gsLst>
+              <a:gs pos="0">
+                <a:schemeClr val="accent2"/>
+              </a:gs>
+              <a:gs pos="100000">
+                <a:schemeClr val="accent1"/>
+              </a:gs>
+            </a:gsLst>
+            <a:lin ang="2700000" scaled="1"/>
+            <a:tileRect/>
+          </a:gradFill>
+          <a:ln>
+            <a:noFill/>
+          </a:ln>
+        </p:spPr>
+        <p:style>
+          <a:lnRef idx="2">
+            <a:schemeClr val="accent1">
+              <a:shade val="50000"/>
+            </a:schemeClr>
+          </a:lnRef>
+          <a:fillRef idx="1">
+            <a:schemeClr val="accent1"/>
+          </a:fillRef>
+          <a:effectRef idx="0">
+            <a:schemeClr val="accent1"/>
+          </a:effectRef>
+          <a:fontRef idx="minor">
+            <a:schemeClr val="lt1"/>
+          </a:fontRef>
+        </p:style>
+        <p:txBody>
+          <a:bodyPr rtlCol="0" anchor="ctr"/>
+          <a:lstStyle/>
+          <a:p>
+            <a:pPr algn="ctr"/>
+            <a:endParaRPr lang="en-US"/>
+          </a:p>
+        </p:txBody>
+      </p:sp>
+      <p:pic>
+        <p:nvPicPr>
+          <p:cNvPr id="5" name="Picture 4">
+            <a:extLst>
+              <a:ext uri="{FF2B5EF4-FFF2-40B4-BE49-F238E27FC236}">
+                <a16:creationId xmlns:a16="http://schemas.microsoft.com/office/drawing/2014/main" id="{99019AD1-BBA9-3C4B-306A-F253F9B78611}"/>
+              </a:ext>
+            </a:extLst>
+          </p:cNvPr>
+          <p:cNvPicPr>
+            <a:picLocks noChangeAspect="1"/>
+          </p:cNvPicPr>
+          <p:nvPr/>
+        </p:nvPicPr>
+        <p:blipFill rotWithShape="1">
+          <a:blip r:embed="rId2">
+            <a:alphaModFix amt="60000"/>
+          </a:blip>
+          <a:srcRect l="33932" r="25905"/>
+          <a:stretch/>
+        </p:blipFill>
+        <p:spPr>
+          <a:xfrm>
+            <a:off x="7784982" y="-1328"/>
+            <a:ext cx="4407017" cy="6858000"/>
+          </a:xfrm>
+          <a:prstGeom prst="rect">
+            <a:avLst/>
+          </a:prstGeom>
+        </p:spPr>
+      </p:pic>
     </p:spTree>
     <p:extLst>
       <p:ext uri="{BB962C8B-B14F-4D97-AF65-F5344CB8AC3E}">
@@ -4416,7 +8631,7 @@
       </p:grpSpPr>
       <p:sp useBgFill="1">
         <p:nvSpPr>
-          <p:cNvPr id="23" name="Rectangle 8">
+          <p:cNvPr id="8" name="Rectangle 7">
             <a:extLst>
               <a:ext uri="{FF2B5EF4-FFF2-40B4-BE49-F238E27FC236}">
                 <a16:creationId xmlns:a16="http://schemas.microsoft.com/office/drawing/2014/main" id="{32768DCD-B824-413A-B330-8D57ADB3724C}"/>
@@ -4476,7 +8691,7 @@
       </p:sp>
       <p:sp>
         <p:nvSpPr>
-          <p:cNvPr id="24" name="Rectangle 10">
+          <p:cNvPr id="10" name="Rectangle 9">
             <a:extLst>
               <a:ext uri="{FF2B5EF4-FFF2-40B4-BE49-F238E27FC236}">
                 <a16:creationId xmlns:a16="http://schemas.microsoft.com/office/drawing/2014/main" id="{96E45848-BEDA-4F24-9C4E-DA2120958262}"/>
@@ -4552,7 +8767,7 @@
       </p:sp>
       <p:sp>
         <p:nvSpPr>
-          <p:cNvPr id="25" name="Rectangle 12">
+          <p:cNvPr id="12" name="Rectangle 11">
             <a:extLst>
               <a:ext uri="{FF2B5EF4-FFF2-40B4-BE49-F238E27FC236}">
                 <a16:creationId xmlns:a16="http://schemas.microsoft.com/office/drawing/2014/main" id="{B2BB8117-A903-442C-9223-A4FEB85C3271}"/>
@@ -4617,7 +8832,7 @@
       </p:sp>
       <p:sp>
         <p:nvSpPr>
-          <p:cNvPr id="26" name="Oval 14">
+          <p:cNvPr id="14" name="Oval 13">
             <a:extLst>
               <a:ext uri="{FF2B5EF4-FFF2-40B4-BE49-F238E27FC236}">
                 <a16:creationId xmlns:a16="http://schemas.microsoft.com/office/drawing/2014/main" id="{C59300B8-3117-43F8-9F8E-68DB9F002F92}"/>
@@ -4640,7 +8855,7 @@
         </p:nvSpPr>
         <p:spPr>
           <a:xfrm rot="16200000">
-            <a:off x="2537516" y="0"/>
+            <a:off x="2743200" y="0"/>
             <a:ext cx="6857999" cy="6857998"/>
           </a:xfrm>
           <a:prstGeom prst="ellipse">
@@ -4697,7 +8912,7 @@
       </p:sp>
       <p:sp>
         <p:nvSpPr>
-          <p:cNvPr id="27" name="Oval 16">
+          <p:cNvPr id="16" name="Oval 15">
             <a:extLst>
               <a:ext uri="{FF2B5EF4-FFF2-40B4-BE49-F238E27FC236}">
                 <a16:creationId xmlns:a16="http://schemas.microsoft.com/office/drawing/2014/main" id="{1AFAE680-42C1-4104-B74F-B0A8F1FB264A}"/>
@@ -4775,7 +8990,7 @@
       </p:sp>
       <p:sp>
         <p:nvSpPr>
-          <p:cNvPr id="28" name="Oval 18">
+          <p:cNvPr id="18" name="Oval 17">
             <a:extLst>
               <a:ext uri="{FF2B5EF4-FFF2-40B4-BE49-F238E27FC236}">
                 <a16:creationId xmlns:a16="http://schemas.microsoft.com/office/drawing/2014/main" id="{828A8BA9-B3FE-4C96-A0A1-72A0D2C85578}"/>
@@ -4856,7 +9071,7 @@
           <p:cNvPr id="2" name="Заголовок 1">
             <a:extLst>
               <a:ext uri="{FF2B5EF4-FFF2-40B4-BE49-F238E27FC236}">
-                <a16:creationId xmlns:a16="http://schemas.microsoft.com/office/drawing/2014/main" id="{C121046D-6364-3DD1-BD88-7736ED9CFBFD}"/>
+                <a16:creationId xmlns:a16="http://schemas.microsoft.com/office/drawing/2014/main" id="{88906218-3573-EDB2-6D8C-1D570BC37BA9}"/>
               </a:ext>
             </a:extLst>
           </p:cNvPr>
@@ -4869,8 +9084,8 @@
         </p:nvSpPr>
         <p:spPr>
           <a:xfrm>
-            <a:off x="838201" y="857251"/>
-            <a:ext cx="5796580" cy="2076450"/>
+            <a:off x="838200" y="857251"/>
+            <a:ext cx="10515600" cy="2076450"/>
           </a:xfrm>
         </p:spPr>
         <p:txBody>
@@ -4884,10 +9099,9 @@
                 <a:solidFill>
                   <a:srgbClr val="FFFFFF"/>
                 </a:solidFill>
-                <a:ea typeface="+mj-lt"/>
-                <a:cs typeface="+mj-lt"/>
+                <a:cs typeface="Angsana New"/>
               </a:rPr>
-              <a:t>requirements.txt</a:t>
+              <a:t>Роли</a:t>
             </a:r>
             <a:endParaRPr lang="ru-RU" sz="4400">
               <a:solidFill>
@@ -4902,7 +9116,7 @@
           <p:cNvPr id="3" name="Объект 2">
             <a:extLst>
               <a:ext uri="{FF2B5EF4-FFF2-40B4-BE49-F238E27FC236}">
-                <a16:creationId xmlns:a16="http://schemas.microsoft.com/office/drawing/2014/main" id="{0EEAE71D-78E8-4288-7B61-E86C29A1172E}"/>
+                <a16:creationId xmlns:a16="http://schemas.microsoft.com/office/drawing/2014/main" id="{B6DCB98D-B440-B8F0-8C07-17109655DEFF}"/>
               </a:ext>
             </a:extLst>
           </p:cNvPr>
@@ -4915,12 +9129,12 @@
         </p:nvSpPr>
         <p:spPr>
           <a:xfrm>
-            <a:off x="838200" y="3190875"/>
-            <a:ext cx="5796580" cy="2986087"/>
-          </a:xfrm>
-        </p:spPr>
-        <p:txBody>
-          <a:bodyPr vert="horz" lIns="91440" tIns="45720" rIns="91440" bIns="45720" rtlCol="0">
+            <a:off x="838199" y="3190875"/>
+            <a:ext cx="8467725" cy="2986087"/>
+          </a:xfrm>
+        </p:spPr>
+        <p:txBody>
+          <a:bodyPr vert="horz" lIns="91440" tIns="45720" rIns="91440" bIns="45720" rtlCol="0" anchor="t">
             <a:normAutofit/>
           </a:bodyPr>
           <a:lstStyle/>
@@ -4929,130 +9143,20 @@
               <a:buNone/>
             </a:pPr>
             <a:r>
-              <a:rPr lang="ru-RU" sz="1800">
+              <a:rPr lang="ru-RU" sz="1800" dirty="0">
                 <a:solidFill>
                   <a:srgbClr val="FFFFFF"/>
                 </a:solidFill>
-                <a:ea typeface="+mn-lt"/>
-                <a:cs typeface="+mn-lt"/>
               </a:rPr>
-              <a:t>В этом файле указаны все зависимости проекта. Под зависимостями подразумеваются библиотеки, необходимые для корректной работы программы. На каждой новой строке написано название пакета и необходимая версия в таком формате: «название_пакета == его.версия».</a:t>
-            </a:r>
-            <a:endParaRPr lang="ru-RU" sz="1800">
-              <a:solidFill>
-                <a:srgbClr val="FFFFFF"/>
-              </a:solidFill>
-            </a:endParaRPr>
-          </a:p>
-        </p:txBody>
-      </p:sp>
-      <p:sp>
-        <p:nvSpPr>
-          <p:cNvPr id="29" name="Rectangle 20">
-            <a:extLst>
-              <a:ext uri="{FF2B5EF4-FFF2-40B4-BE49-F238E27FC236}">
-                <a16:creationId xmlns:a16="http://schemas.microsoft.com/office/drawing/2014/main" id="{2EDB7FB2-4012-481D-B3D1-7301CCF6E488}"/>
-              </a:ext>
-              <a:ext uri="{C183D7F6-B498-43B3-948B-1728B52AA6E4}">
-                <adec:decorative xmlns:adec="http://schemas.microsoft.com/office/drawing/2017/decorative" val="1"/>
-              </a:ext>
-            </a:extLst>
-          </p:cNvPr>
-          <p:cNvSpPr>
-            <a:spLocks noGrp="1" noRot="1" noChangeAspect="1" noMove="1" noResize="1" noEditPoints="1" noAdjustHandles="1" noChangeArrowheads="1" noChangeShapeType="1" noTextEdit="1"/>
-          </p:cNvSpPr>
-          <p:nvPr>
-            <p:extLst>
-              <p:ext uri="{386F3935-93C4-4BCD-93E2-E3B085C9AB24}">
-                <p16:designElem xmlns:p16="http://schemas.microsoft.com/office/powerpoint/2015/main" val="1"/>
-              </p:ext>
-            </p:extLst>
-          </p:nvPr>
-        </p:nvSpPr>
-        <p:spPr>
-          <a:xfrm>
-            <a:off x="7784982" y="-1328"/>
-            <a:ext cx="4407017" cy="6858000"/>
-          </a:xfrm>
-          <a:prstGeom prst="rect">
-            <a:avLst/>
-          </a:prstGeom>
-          <a:gradFill flip="none" rotWithShape="1">
-            <a:gsLst>
-              <a:gs pos="0">
-                <a:schemeClr val="accent2"/>
-              </a:gs>
-              <a:gs pos="100000">
-                <a:schemeClr val="accent1"/>
-              </a:gs>
-            </a:gsLst>
-            <a:lin ang="2700000" scaled="1"/>
-            <a:tileRect/>
-          </a:gradFill>
-          <a:ln>
-            <a:noFill/>
-          </a:ln>
-        </p:spPr>
-        <p:style>
-          <a:lnRef idx="2">
-            <a:schemeClr val="accent1">
-              <a:shade val="50000"/>
-            </a:schemeClr>
-          </a:lnRef>
-          <a:fillRef idx="1">
-            <a:schemeClr val="accent1"/>
-          </a:fillRef>
-          <a:effectRef idx="0">
-            <a:schemeClr val="accent1"/>
-          </a:effectRef>
-          <a:fontRef idx="minor">
-            <a:schemeClr val="lt1"/>
-          </a:fontRef>
-        </p:style>
-        <p:txBody>
-          <a:bodyPr rtlCol="0" anchor="ctr"/>
-          <a:lstStyle/>
-          <a:p>
-            <a:pPr algn="ctr"/>
-            <a:endParaRPr lang="en-US"/>
-          </a:p>
-        </p:txBody>
-      </p:sp>
-      <p:pic>
-        <p:nvPicPr>
-          <p:cNvPr id="30" name="Picture 4" descr="Сложные математические формулы на доске">
-            <a:extLst>
-              <a:ext uri="{FF2B5EF4-FFF2-40B4-BE49-F238E27FC236}">
-                <a16:creationId xmlns:a16="http://schemas.microsoft.com/office/drawing/2014/main" id="{952B4097-271C-43C8-6629-7BF9A2B3B23C}"/>
-              </a:ext>
-            </a:extLst>
-          </p:cNvPr>
-          <p:cNvPicPr>
-            <a:picLocks noChangeAspect="1"/>
-          </p:cNvPicPr>
-          <p:nvPr/>
-        </p:nvPicPr>
-        <p:blipFill rotWithShape="1">
-          <a:blip r:embed="rId2">
-            <a:alphaModFix amt="60000"/>
-          </a:blip>
-          <a:srcRect l="20442" r="32707" b="-9"/>
-          <a:stretch/>
-        </p:blipFill>
-        <p:spPr>
-          <a:xfrm>
-            <a:off x="7784982" y="-1328"/>
-            <a:ext cx="4407017" cy="6858000"/>
-          </a:xfrm>
-          <a:prstGeom prst="rect">
-            <a:avLst/>
-          </a:prstGeom>
-        </p:spPr>
-      </p:pic>
+              <a:t>На сайте есть 6 ролей: директор, завуч, классный руководитель, ученик, простой сотрудник школы и обычный  авторизованный пользователь. У каждой из них свои права на сайте. Директору доступны все возможности. Завуч может просматривать персонал и учеников, а также добавлять, редактировать и удалять последних. Классный руководитель может всё то же, что и завуч, но взаимодействует он только с учениками своего класса.</a:t>
+            </a:r>
+          </a:p>
+        </p:txBody>
+      </p:sp>
     </p:spTree>
     <p:extLst>
       <p:ext uri="{BB962C8B-B14F-4D97-AF65-F5344CB8AC3E}">
-        <p14:creationId xmlns:p14="http://schemas.microsoft.com/office/powerpoint/2010/main" val="3032762201"/>
+        <p14:creationId xmlns:p14="http://schemas.microsoft.com/office/powerpoint/2010/main" val="3956276406"/>
       </p:ext>
     </p:extLst>
   </p:cSld>
@@ -5065,6 +9169,14 @@
 <file path=ppt/slides/slide5.xml><?xml version="1.0" encoding="utf-8"?>
 <p:sld xmlns:a="http://schemas.openxmlformats.org/drawingml/2006/main" xmlns:r="http://schemas.openxmlformats.org/officeDocument/2006/relationships" xmlns:p="http://schemas.openxmlformats.org/presentationml/2006/main">
   <p:cSld>
+    <p:bg>
+      <p:bgPr>
+        <a:solidFill>
+          <a:schemeClr val="bg1"/>
+        </a:solidFill>
+        <a:effectLst/>
+      </p:bgPr>
+    </p:bg>
     <p:spTree>
       <p:nvGrpSpPr>
         <p:cNvPr id="1" name=""/>
@@ -5079,12 +9191,449 @@
           <a:chExt cx="0" cy="0"/>
         </a:xfrm>
       </p:grpSpPr>
+      <p:sp useBgFill="1">
+        <p:nvSpPr>
+          <p:cNvPr id="8" name="Rectangle 7">
+            <a:extLst>
+              <a:ext uri="{FF2B5EF4-FFF2-40B4-BE49-F238E27FC236}">
+                <a16:creationId xmlns:a16="http://schemas.microsoft.com/office/drawing/2014/main" id="{32768DCD-B824-413A-B330-8D57ADB3724C}"/>
+              </a:ext>
+              <a:ext uri="{C183D7F6-B498-43B3-948B-1728B52AA6E4}">
+                <adec:decorative xmlns:adec="http://schemas.microsoft.com/office/drawing/2017/decorative" val="1"/>
+              </a:ext>
+            </a:extLst>
+          </p:cNvPr>
+          <p:cNvSpPr>
+            <a:spLocks noGrp="1" noRot="1" noChangeAspect="1" noMove="1" noResize="1" noEditPoints="1" noAdjustHandles="1" noChangeArrowheads="1" noChangeShapeType="1" noTextEdit="1"/>
+          </p:cNvSpPr>
+          <p:nvPr>
+            <p:extLst>
+              <p:ext uri="{386F3935-93C4-4BCD-93E2-E3B085C9AB24}">
+                <p16:designElem xmlns:p16="http://schemas.microsoft.com/office/powerpoint/2015/main" val="1"/>
+              </p:ext>
+            </p:extLst>
+          </p:nvPr>
+        </p:nvSpPr>
+        <p:spPr>
+          <a:xfrm>
+            <a:off x="0" y="0"/>
+            <a:ext cx="12188952" cy="6858000"/>
+          </a:xfrm>
+          <a:prstGeom prst="rect">
+            <a:avLst/>
+          </a:prstGeom>
+          <a:ln>
+            <a:noFill/>
+          </a:ln>
+        </p:spPr>
+        <p:style>
+          <a:lnRef idx="2">
+            <a:schemeClr val="accent1">
+              <a:shade val="50000"/>
+            </a:schemeClr>
+          </a:lnRef>
+          <a:fillRef idx="1">
+            <a:schemeClr val="accent1"/>
+          </a:fillRef>
+          <a:effectRef idx="0">
+            <a:schemeClr val="accent1"/>
+          </a:effectRef>
+          <a:fontRef idx="minor">
+            <a:schemeClr val="lt1"/>
+          </a:fontRef>
+        </p:style>
+        <p:txBody>
+          <a:bodyPr rtlCol="0" anchor="ctr"/>
+          <a:lstStyle/>
+          <a:p>
+            <a:pPr algn="ctr"/>
+            <a:endParaRPr lang="en-US"/>
+          </a:p>
+        </p:txBody>
+      </p:sp>
+      <p:sp>
+        <p:nvSpPr>
+          <p:cNvPr id="10" name="Rectangle 9">
+            <a:extLst>
+              <a:ext uri="{FF2B5EF4-FFF2-40B4-BE49-F238E27FC236}">
+                <a16:creationId xmlns:a16="http://schemas.microsoft.com/office/drawing/2014/main" id="{96E45848-BEDA-4F24-9C4E-DA2120958262}"/>
+              </a:ext>
+              <a:ext uri="{C183D7F6-B498-43B3-948B-1728B52AA6E4}">
+                <adec:decorative xmlns:adec="http://schemas.microsoft.com/office/drawing/2017/decorative" val="1"/>
+              </a:ext>
+            </a:extLst>
+          </p:cNvPr>
+          <p:cNvSpPr>
+            <a:spLocks noGrp="1" noRot="1" noChangeAspect="1" noMove="1" noResize="1" noEditPoints="1" noAdjustHandles="1" noChangeArrowheads="1" noChangeShapeType="1" noTextEdit="1"/>
+          </p:cNvSpPr>
+          <p:nvPr>
+            <p:extLst>
+              <p:ext uri="{386F3935-93C4-4BCD-93E2-E3B085C9AB24}">
+                <p16:designElem xmlns:p16="http://schemas.microsoft.com/office/powerpoint/2015/main" val="1"/>
+              </p:ext>
+            </p:extLst>
+          </p:nvPr>
+        </p:nvSpPr>
+        <p:spPr>
+          <a:xfrm>
+            <a:off x="0" y="-664"/>
+            <a:ext cx="12188952" cy="6858000"/>
+          </a:xfrm>
+          <a:prstGeom prst="rect">
+            <a:avLst/>
+          </a:prstGeom>
+          <a:gradFill flip="none" rotWithShape="1">
+            <a:gsLst>
+              <a:gs pos="0">
+                <a:schemeClr val="accent2">
+                  <a:alpha val="60000"/>
+                </a:schemeClr>
+              </a:gs>
+              <a:gs pos="100000">
+                <a:schemeClr val="accent1">
+                  <a:alpha val="60000"/>
+                </a:schemeClr>
+              </a:gs>
+            </a:gsLst>
+            <a:lin ang="2700000" scaled="1"/>
+            <a:tileRect/>
+          </a:gradFill>
+          <a:ln>
+            <a:noFill/>
+          </a:ln>
+        </p:spPr>
+        <p:style>
+          <a:lnRef idx="2">
+            <a:schemeClr val="accent1">
+              <a:shade val="50000"/>
+            </a:schemeClr>
+          </a:lnRef>
+          <a:fillRef idx="1">
+            <a:schemeClr val="accent1"/>
+          </a:fillRef>
+          <a:effectRef idx="0">
+            <a:schemeClr val="accent1"/>
+          </a:effectRef>
+          <a:fontRef idx="minor">
+            <a:schemeClr val="lt1"/>
+          </a:fontRef>
+        </p:style>
+        <p:txBody>
+          <a:bodyPr rtlCol="0" anchor="ctr"/>
+          <a:lstStyle/>
+          <a:p>
+            <a:pPr algn="ctr"/>
+            <a:endParaRPr lang="en-US"/>
+          </a:p>
+        </p:txBody>
+      </p:sp>
+      <p:sp>
+        <p:nvSpPr>
+          <p:cNvPr id="12" name="Rectangle 11">
+            <a:extLst>
+              <a:ext uri="{FF2B5EF4-FFF2-40B4-BE49-F238E27FC236}">
+                <a16:creationId xmlns:a16="http://schemas.microsoft.com/office/drawing/2014/main" id="{B2BB8117-A903-442C-9223-A4FEB85C3271}"/>
+              </a:ext>
+              <a:ext uri="{C183D7F6-B498-43B3-948B-1728B52AA6E4}">
+                <adec:decorative xmlns:adec="http://schemas.microsoft.com/office/drawing/2017/decorative" val="1"/>
+              </a:ext>
+            </a:extLst>
+          </p:cNvPr>
+          <p:cNvSpPr>
+            <a:spLocks noGrp="1" noRot="1" noChangeAspect="1" noMove="1" noResize="1" noEditPoints="1" noAdjustHandles="1" noChangeArrowheads="1" noChangeShapeType="1" noTextEdit="1"/>
+          </p:cNvSpPr>
+          <p:nvPr>
+            <p:extLst>
+              <p:ext uri="{386F3935-93C4-4BCD-93E2-E3B085C9AB24}">
+                <p16:designElem xmlns:p16="http://schemas.microsoft.com/office/powerpoint/2015/main" val="1"/>
+              </p:ext>
+            </p:extLst>
+          </p:nvPr>
+        </p:nvSpPr>
+        <p:spPr>
+          <a:xfrm>
+            <a:off x="0" y="663"/>
+            <a:ext cx="12188952" cy="6858000"/>
+          </a:xfrm>
+          <a:prstGeom prst="rect">
+            <a:avLst/>
+          </a:prstGeom>
+          <a:solidFill>
+            <a:schemeClr val="bg2">
+              <a:alpha val="20000"/>
+            </a:schemeClr>
+          </a:solidFill>
+          <a:ln>
+            <a:noFill/>
+          </a:ln>
+        </p:spPr>
+        <p:style>
+          <a:lnRef idx="2">
+            <a:schemeClr val="accent1">
+              <a:shade val="50000"/>
+            </a:schemeClr>
+          </a:lnRef>
+          <a:fillRef idx="1">
+            <a:schemeClr val="accent1"/>
+          </a:fillRef>
+          <a:effectRef idx="0">
+            <a:schemeClr val="accent1"/>
+          </a:effectRef>
+          <a:fontRef idx="minor">
+            <a:schemeClr val="lt1"/>
+          </a:fontRef>
+        </p:style>
+        <p:txBody>
+          <a:bodyPr rtlCol="0" anchor="ctr"/>
+          <a:lstStyle/>
+          <a:p>
+            <a:pPr algn="ctr"/>
+            <a:endParaRPr lang="en-US" dirty="0"/>
+          </a:p>
+        </p:txBody>
+      </p:sp>
+      <p:sp>
+        <p:nvSpPr>
+          <p:cNvPr id="14" name="Oval 13">
+            <a:extLst>
+              <a:ext uri="{FF2B5EF4-FFF2-40B4-BE49-F238E27FC236}">
+                <a16:creationId xmlns:a16="http://schemas.microsoft.com/office/drawing/2014/main" id="{C59300B8-3117-43F8-9F8E-68DB9F002F92}"/>
+              </a:ext>
+              <a:ext uri="{C183D7F6-B498-43B3-948B-1728B52AA6E4}">
+                <adec:decorative xmlns:adec="http://schemas.microsoft.com/office/drawing/2017/decorative" val="1"/>
+              </a:ext>
+            </a:extLst>
+          </p:cNvPr>
+          <p:cNvSpPr>
+            <a:spLocks noGrp="1" noRot="1" noChangeAspect="1" noMove="1" noResize="1" noEditPoints="1" noAdjustHandles="1" noChangeArrowheads="1" noChangeShapeType="1" noTextEdit="1"/>
+          </p:cNvSpPr>
+          <p:nvPr>
+            <p:extLst>
+              <p:ext uri="{386F3935-93C4-4BCD-93E2-E3B085C9AB24}">
+                <p16:designElem xmlns:p16="http://schemas.microsoft.com/office/powerpoint/2015/main" val="1"/>
+              </p:ext>
+            </p:extLst>
+          </p:nvPr>
+        </p:nvSpPr>
+        <p:spPr>
+          <a:xfrm rot="16200000">
+            <a:off x="2743200" y="0"/>
+            <a:ext cx="6857999" cy="6857998"/>
+          </a:xfrm>
+          <a:prstGeom prst="ellipse">
+            <a:avLst/>
+          </a:prstGeom>
+          <a:gradFill>
+            <a:gsLst>
+              <a:gs pos="0">
+                <a:schemeClr val="accent1">
+                  <a:lumMod val="20000"/>
+                  <a:lumOff val="80000"/>
+                  <a:alpha val="40000"/>
+                </a:schemeClr>
+              </a:gs>
+              <a:gs pos="100000">
+                <a:schemeClr val="accent1">
+                  <a:alpha val="40000"/>
+                </a:schemeClr>
+              </a:gs>
+            </a:gsLst>
+            <a:lin ang="2700000" scaled="1"/>
+          </a:gradFill>
+          <a:ln>
+            <a:noFill/>
+          </a:ln>
+          <a:effectLst>
+            <a:softEdge rad="520700"/>
+          </a:effectLst>
+        </p:spPr>
+        <p:style>
+          <a:lnRef idx="2">
+            <a:schemeClr val="accent1">
+              <a:shade val="50000"/>
+            </a:schemeClr>
+          </a:lnRef>
+          <a:fillRef idx="1">
+            <a:schemeClr val="accent1"/>
+          </a:fillRef>
+          <a:effectRef idx="0">
+            <a:schemeClr val="accent1"/>
+          </a:effectRef>
+          <a:fontRef idx="minor">
+            <a:schemeClr val="lt1"/>
+          </a:fontRef>
+        </p:style>
+        <p:txBody>
+          <a:bodyPr rtlCol="0" anchor="ctr"/>
+          <a:lstStyle/>
+          <a:p>
+            <a:pPr algn="ctr"/>
+            <a:endParaRPr lang="en-US" dirty="0"/>
+          </a:p>
+        </p:txBody>
+      </p:sp>
+      <p:sp>
+        <p:nvSpPr>
+          <p:cNvPr id="16" name="Oval 15">
+            <a:extLst>
+              <a:ext uri="{FF2B5EF4-FFF2-40B4-BE49-F238E27FC236}">
+                <a16:creationId xmlns:a16="http://schemas.microsoft.com/office/drawing/2014/main" id="{1AFAE680-42C1-4104-B74F-B0A8F1FB264A}"/>
+              </a:ext>
+              <a:ext uri="{C183D7F6-B498-43B3-948B-1728B52AA6E4}">
+                <adec:decorative xmlns:adec="http://schemas.microsoft.com/office/drawing/2017/decorative" val="1"/>
+              </a:ext>
+            </a:extLst>
+          </p:cNvPr>
+          <p:cNvSpPr>
+            <a:spLocks noGrp="1" noRot="1" noChangeAspect="1" noMove="1" noResize="1" noEditPoints="1" noAdjustHandles="1" noChangeArrowheads="1" noChangeShapeType="1" noTextEdit="1"/>
+          </p:cNvSpPr>
+          <p:nvPr>
+            <p:extLst>
+              <p:ext uri="{386F3935-93C4-4BCD-93E2-E3B085C9AB24}">
+                <p16:designElem xmlns:p16="http://schemas.microsoft.com/office/powerpoint/2015/main" val="1"/>
+              </p:ext>
+            </p:extLst>
+          </p:nvPr>
+        </p:nvSpPr>
+        <p:spPr>
+          <a:xfrm rot="16200000">
+            <a:off x="73990" y="1194074"/>
+            <a:ext cx="5589934" cy="5737916"/>
+          </a:xfrm>
+          <a:prstGeom prst="ellipse">
+            <a:avLst/>
+          </a:prstGeom>
+          <a:gradFill>
+            <a:gsLst>
+              <a:gs pos="0">
+                <a:schemeClr val="accent1">
+                  <a:alpha val="40000"/>
+                </a:schemeClr>
+              </a:gs>
+              <a:gs pos="100000">
+                <a:schemeClr val="accent5">
+                  <a:alpha val="20000"/>
+                </a:schemeClr>
+              </a:gs>
+            </a:gsLst>
+            <a:lin ang="2700000" scaled="1"/>
+          </a:gradFill>
+          <a:ln>
+            <a:noFill/>
+          </a:ln>
+          <a:effectLst>
+            <a:softEdge rad="952500"/>
+          </a:effectLst>
+        </p:spPr>
+        <p:style>
+          <a:lnRef idx="2">
+            <a:schemeClr val="accent1">
+              <a:shade val="50000"/>
+            </a:schemeClr>
+          </a:lnRef>
+          <a:fillRef idx="1">
+            <a:schemeClr val="accent1"/>
+          </a:fillRef>
+          <a:effectRef idx="0">
+            <a:schemeClr val="accent1"/>
+          </a:effectRef>
+          <a:fontRef idx="minor">
+            <a:schemeClr val="lt1"/>
+          </a:fontRef>
+        </p:style>
+        <p:txBody>
+          <a:bodyPr rtlCol="0" anchor="ctr"/>
+          <a:lstStyle/>
+          <a:p>
+            <a:pPr algn="ctr"/>
+            <a:endParaRPr lang="en-US" dirty="0"/>
+          </a:p>
+        </p:txBody>
+      </p:sp>
+      <p:sp>
+        <p:nvSpPr>
+          <p:cNvPr id="18" name="Oval 17">
+            <a:extLst>
+              <a:ext uri="{FF2B5EF4-FFF2-40B4-BE49-F238E27FC236}">
+                <a16:creationId xmlns:a16="http://schemas.microsoft.com/office/drawing/2014/main" id="{828A8BA9-B3FE-4C96-A0A1-72A0D2C85578}"/>
+              </a:ext>
+              <a:ext uri="{C183D7F6-B498-43B3-948B-1728B52AA6E4}">
+                <adec:decorative xmlns:adec="http://schemas.microsoft.com/office/drawing/2017/decorative" val="1"/>
+              </a:ext>
+            </a:extLst>
+          </p:cNvPr>
+          <p:cNvSpPr>
+            <a:spLocks noGrp="1" noRot="1" noChangeAspect="1" noMove="1" noResize="1" noEditPoints="1" noAdjustHandles="1" noChangeArrowheads="1" noChangeShapeType="1" noTextEdit="1"/>
+          </p:cNvSpPr>
+          <p:nvPr>
+            <p:extLst>
+              <p:ext uri="{386F3935-93C4-4BCD-93E2-E3B085C9AB24}">
+                <p16:designElem xmlns:p16="http://schemas.microsoft.com/office/powerpoint/2015/main" val="1"/>
+              </p:ext>
+            </p:extLst>
+          </p:nvPr>
+        </p:nvSpPr>
+        <p:spPr>
+          <a:xfrm rot="16200000">
+            <a:off x="6439622" y="194269"/>
+            <a:ext cx="5760743" cy="5737917"/>
+          </a:xfrm>
+          <a:prstGeom prst="ellipse">
+            <a:avLst/>
+          </a:prstGeom>
+          <a:gradFill>
+            <a:gsLst>
+              <a:gs pos="0">
+                <a:schemeClr val="accent1">
+                  <a:alpha val="20000"/>
+                </a:schemeClr>
+              </a:gs>
+              <a:gs pos="100000">
+                <a:schemeClr val="accent5">
+                  <a:alpha val="40000"/>
+                </a:schemeClr>
+              </a:gs>
+            </a:gsLst>
+            <a:lin ang="2700000" scaled="1"/>
+          </a:gradFill>
+          <a:ln>
+            <a:noFill/>
+          </a:ln>
+          <a:effectLst>
+            <a:softEdge rad="1003300"/>
+          </a:effectLst>
+        </p:spPr>
+        <p:style>
+          <a:lnRef idx="2">
+            <a:schemeClr val="accent1">
+              <a:shade val="50000"/>
+            </a:schemeClr>
+          </a:lnRef>
+          <a:fillRef idx="1">
+            <a:schemeClr val="accent1"/>
+          </a:fillRef>
+          <a:effectRef idx="0">
+            <a:schemeClr val="accent1"/>
+          </a:effectRef>
+          <a:fontRef idx="minor">
+            <a:schemeClr val="lt1"/>
+          </a:fontRef>
+        </p:style>
+        <p:txBody>
+          <a:bodyPr rtlCol="0" anchor="ctr"/>
+          <a:lstStyle/>
+          <a:p>
+            <a:pPr algn="ctr"/>
+            <a:endParaRPr lang="en-US" dirty="0"/>
+          </a:p>
+        </p:txBody>
+      </p:sp>
       <p:sp>
         <p:nvSpPr>
           <p:cNvPr id="2" name="Заголовок 1">
             <a:extLst>
               <a:ext uri="{FF2B5EF4-FFF2-40B4-BE49-F238E27FC236}">
-                <a16:creationId xmlns:a16="http://schemas.microsoft.com/office/drawing/2014/main" id="{4C4F4352-8860-469D-8475-21D7E31B887C}"/>
+                <a16:creationId xmlns:a16="http://schemas.microsoft.com/office/drawing/2014/main" id="{AACF8F7B-DAB3-10BF-C946-37A29FD766F0}"/>
               </a:ext>
             </a:extLst>
           </p:cNvPr>
@@ -5095,18 +9644,26 @@
             <p:ph type="title"/>
           </p:nvPr>
         </p:nvSpPr>
-        <p:spPr/>
-        <p:txBody>
-          <a:bodyPr/>
-          <a:lstStyle/>
-          <a:p>
-            <a:r>
-              <a:rPr lang="ru-RU">
-                <a:cs typeface="Angsana New"/>
+        <p:spPr>
+          <a:xfrm>
+            <a:off x="838200" y="857251"/>
+            <a:ext cx="10515600" cy="2076450"/>
+          </a:xfrm>
+        </p:spPr>
+        <p:txBody>
+          <a:bodyPr anchor="b">
+            <a:normAutofit/>
+          </a:bodyPr>
+          <a:lstStyle/>
+          <a:p>
+            <a:r>
+              <a:rPr lang="ru-RU" sz="4400">
+                <a:solidFill>
+                  <a:srgbClr val="FFFFFF"/>
+                </a:solidFill>
               </a:rPr>
-              <a:t>Результаты</a:t>
-            </a:r>
-            <a:endParaRPr lang="ru-RU"/>
+              <a:t>Роли</a:t>
+            </a:r>
           </a:p>
         </p:txBody>
       </p:sp>
@@ -5115,7 +9672,7 @@
           <p:cNvPr id="3" name="Объект 2">
             <a:extLst>
               <a:ext uri="{FF2B5EF4-FFF2-40B4-BE49-F238E27FC236}">
-                <a16:creationId xmlns:a16="http://schemas.microsoft.com/office/drawing/2014/main" id="{3DB3F16D-DC2E-EA91-69E8-16BD7D61E064}"/>
+                <a16:creationId xmlns:a16="http://schemas.microsoft.com/office/drawing/2014/main" id="{0AFC3327-4FF1-8C41-A8A9-05FD30B3927B}"/>
               </a:ext>
             </a:extLst>
           </p:cNvPr>
@@ -5126,19 +9683,2828 @@
             <p:ph idx="1"/>
           </p:nvPr>
         </p:nvSpPr>
-        <p:spPr/>
-        <p:txBody>
-          <a:bodyPr/>
-          <a:lstStyle/>
-          <a:p>
-            <a:endParaRPr lang="ru-RU"/>
+        <p:spPr>
+          <a:xfrm>
+            <a:off x="838199" y="3190875"/>
+            <a:ext cx="8467725" cy="2986087"/>
+          </a:xfrm>
+        </p:spPr>
+        <p:txBody>
+          <a:bodyPr vert="horz" lIns="91440" tIns="45720" rIns="91440" bIns="45720" rtlCol="0" anchor="t">
+            <a:normAutofit/>
+          </a:bodyPr>
+          <a:lstStyle/>
+          <a:p>
+            <a:pPr marL="228600" indent="0">
+              <a:buNone/>
+            </a:pPr>
+            <a:r>
+              <a:rPr lang="ru-RU" sz="1800" dirty="0">
+                <a:solidFill>
+                  <a:srgbClr val="FFFFFF"/>
+                </a:solidFill>
+              </a:rPr>
+              <a:t>Ученик и обычный пользователь могут лишь просматривать персонал, разница лишь в том, что за каждым учеником закреплён свой класс, за которым, в свою очередь, закреплён классный руководитель. А обычный сотрудник может лишь просматривать персонал и учеников школы. Неавторизованный пользователь может лишь зарегистрироваться и авторизоваться.</a:t>
+            </a:r>
           </a:p>
         </p:txBody>
       </p:sp>
     </p:spTree>
     <p:extLst>
       <p:ext uri="{BB962C8B-B14F-4D97-AF65-F5344CB8AC3E}">
-        <p14:creationId xmlns:p14="http://schemas.microsoft.com/office/powerpoint/2010/main" val="4181580984"/>
+        <p14:creationId xmlns:p14="http://schemas.microsoft.com/office/powerpoint/2010/main" val="2650821407"/>
+      </p:ext>
+    </p:extLst>
+  </p:cSld>
+  <p:clrMapOvr>
+    <a:masterClrMapping/>
+  </p:clrMapOvr>
+</p:sld>
+</file>
+
+<file path=ppt/slides/slide6.xml><?xml version="1.0" encoding="utf-8"?>
+<p:sld xmlns:a="http://schemas.openxmlformats.org/drawingml/2006/main" xmlns:r="http://schemas.openxmlformats.org/officeDocument/2006/relationships" xmlns:p="http://schemas.openxmlformats.org/presentationml/2006/main">
+  <p:cSld>
+    <p:bg>
+      <p:bgPr>
+        <a:solidFill>
+          <a:schemeClr val="bg1"/>
+        </a:solidFill>
+        <a:effectLst/>
+      </p:bgPr>
+    </p:bg>
+    <p:spTree>
+      <p:nvGrpSpPr>
+        <p:cNvPr id="1" name=""/>
+        <p:cNvGrpSpPr/>
+        <p:nvPr/>
+      </p:nvGrpSpPr>
+      <p:grpSpPr>
+        <a:xfrm>
+          <a:off x="0" y="0"/>
+          <a:ext cx="0" cy="0"/>
+          <a:chOff x="0" y="0"/>
+          <a:chExt cx="0" cy="0"/>
+        </a:xfrm>
+      </p:grpSpPr>
+      <p:sp useBgFill="1">
+        <p:nvSpPr>
+          <p:cNvPr id="10" name="Rectangle 9">
+            <a:extLst>
+              <a:ext uri="{FF2B5EF4-FFF2-40B4-BE49-F238E27FC236}">
+                <a16:creationId xmlns:a16="http://schemas.microsoft.com/office/drawing/2014/main" id="{19B36E71-93BD-4984-AC9C-CC9FB9CC06D6}"/>
+              </a:ext>
+              <a:ext uri="{C183D7F6-B498-43B3-948B-1728B52AA6E4}">
+                <adec:decorative xmlns:adec="http://schemas.microsoft.com/office/drawing/2017/decorative" val="1"/>
+              </a:ext>
+            </a:extLst>
+          </p:cNvPr>
+          <p:cNvSpPr>
+            <a:spLocks noGrp="1" noRot="1" noChangeAspect="1" noMove="1" noResize="1" noEditPoints="1" noAdjustHandles="1" noChangeArrowheads="1" noChangeShapeType="1" noTextEdit="1"/>
+          </p:cNvSpPr>
+          <p:nvPr>
+            <p:extLst>
+              <p:ext uri="{386F3935-93C4-4BCD-93E2-E3B085C9AB24}">
+                <p16:designElem xmlns:p16="http://schemas.microsoft.com/office/powerpoint/2015/main" val="1"/>
+              </p:ext>
+            </p:extLst>
+          </p:nvPr>
+        </p:nvSpPr>
+        <p:spPr>
+          <a:xfrm>
+            <a:off x="0" y="0"/>
+            <a:ext cx="12188952" cy="6858000"/>
+          </a:xfrm>
+          <a:prstGeom prst="rect">
+            <a:avLst/>
+          </a:prstGeom>
+          <a:ln>
+            <a:noFill/>
+          </a:ln>
+        </p:spPr>
+        <p:style>
+          <a:lnRef idx="2">
+            <a:schemeClr val="accent1">
+              <a:shade val="50000"/>
+            </a:schemeClr>
+          </a:lnRef>
+          <a:fillRef idx="1">
+            <a:schemeClr val="accent1"/>
+          </a:fillRef>
+          <a:effectRef idx="0">
+            <a:schemeClr val="accent1"/>
+          </a:effectRef>
+          <a:fontRef idx="minor">
+            <a:schemeClr val="lt1"/>
+          </a:fontRef>
+        </p:style>
+        <p:txBody>
+          <a:bodyPr rtlCol="0" anchor="ctr"/>
+          <a:lstStyle/>
+          <a:p>
+            <a:pPr algn="ctr"/>
+            <a:endParaRPr lang="en-US"/>
+          </a:p>
+        </p:txBody>
+      </p:sp>
+      <p:sp>
+        <p:nvSpPr>
+          <p:cNvPr id="12" name="Rectangle 11">
+            <a:extLst>
+              <a:ext uri="{FF2B5EF4-FFF2-40B4-BE49-F238E27FC236}">
+                <a16:creationId xmlns:a16="http://schemas.microsoft.com/office/drawing/2014/main" id="{3A767031-C99F-4567-B7D9-353331C77909}"/>
+              </a:ext>
+              <a:ext uri="{C183D7F6-B498-43B3-948B-1728B52AA6E4}">
+                <adec:decorative xmlns:adec="http://schemas.microsoft.com/office/drawing/2017/decorative" val="1"/>
+              </a:ext>
+            </a:extLst>
+          </p:cNvPr>
+          <p:cNvSpPr>
+            <a:spLocks noGrp="1" noRot="1" noChangeAspect="1" noMove="1" noResize="1" noEditPoints="1" noAdjustHandles="1" noChangeArrowheads="1" noChangeShapeType="1" noTextEdit="1"/>
+          </p:cNvSpPr>
+          <p:nvPr>
+            <p:extLst>
+              <p:ext uri="{386F3935-93C4-4BCD-93E2-E3B085C9AB24}">
+                <p16:designElem xmlns:p16="http://schemas.microsoft.com/office/powerpoint/2015/main" val="1"/>
+              </p:ext>
+            </p:extLst>
+          </p:nvPr>
+        </p:nvSpPr>
+        <p:spPr>
+          <a:xfrm>
+            <a:off x="0" y="-664"/>
+            <a:ext cx="12188952" cy="6858000"/>
+          </a:xfrm>
+          <a:prstGeom prst="rect">
+            <a:avLst/>
+          </a:prstGeom>
+          <a:gradFill flip="none" rotWithShape="1">
+            <a:gsLst>
+              <a:gs pos="0">
+                <a:schemeClr val="accent2">
+                  <a:alpha val="60000"/>
+                </a:schemeClr>
+              </a:gs>
+              <a:gs pos="100000">
+                <a:schemeClr val="accent1">
+                  <a:alpha val="60000"/>
+                </a:schemeClr>
+              </a:gs>
+            </a:gsLst>
+            <a:lin ang="2700000" scaled="1"/>
+            <a:tileRect/>
+          </a:gradFill>
+          <a:ln>
+            <a:noFill/>
+          </a:ln>
+        </p:spPr>
+        <p:style>
+          <a:lnRef idx="2">
+            <a:schemeClr val="accent1">
+              <a:shade val="50000"/>
+            </a:schemeClr>
+          </a:lnRef>
+          <a:fillRef idx="1">
+            <a:schemeClr val="accent1"/>
+          </a:fillRef>
+          <a:effectRef idx="0">
+            <a:schemeClr val="accent1"/>
+          </a:effectRef>
+          <a:fontRef idx="minor">
+            <a:schemeClr val="lt1"/>
+          </a:fontRef>
+        </p:style>
+        <p:txBody>
+          <a:bodyPr rtlCol="0" anchor="ctr"/>
+          <a:lstStyle/>
+          <a:p>
+            <a:pPr algn="ctr"/>
+            <a:endParaRPr lang="en-US"/>
+          </a:p>
+        </p:txBody>
+      </p:sp>
+      <p:sp>
+        <p:nvSpPr>
+          <p:cNvPr id="14" name="Rectangle 13">
+            <a:extLst>
+              <a:ext uri="{FF2B5EF4-FFF2-40B4-BE49-F238E27FC236}">
+                <a16:creationId xmlns:a16="http://schemas.microsoft.com/office/drawing/2014/main" id="{63FEDEE9-12A6-4011-A532-8071D6086BF8}"/>
+              </a:ext>
+              <a:ext uri="{C183D7F6-B498-43B3-948B-1728B52AA6E4}">
+                <adec:decorative xmlns:adec="http://schemas.microsoft.com/office/drawing/2017/decorative" val="1"/>
+              </a:ext>
+            </a:extLst>
+          </p:cNvPr>
+          <p:cNvSpPr>
+            <a:spLocks noGrp="1" noRot="1" noChangeAspect="1" noMove="1" noResize="1" noEditPoints="1" noAdjustHandles="1" noChangeArrowheads="1" noChangeShapeType="1" noTextEdit="1"/>
+          </p:cNvSpPr>
+          <p:nvPr>
+            <p:extLst>
+              <p:ext uri="{386F3935-93C4-4BCD-93E2-E3B085C9AB24}">
+                <p16:designElem xmlns:p16="http://schemas.microsoft.com/office/powerpoint/2015/main" val="1"/>
+              </p:ext>
+            </p:extLst>
+          </p:nvPr>
+        </p:nvSpPr>
+        <p:spPr>
+          <a:xfrm>
+            <a:off x="0" y="663"/>
+            <a:ext cx="12188952" cy="6858000"/>
+          </a:xfrm>
+          <a:prstGeom prst="rect">
+            <a:avLst/>
+          </a:prstGeom>
+          <a:solidFill>
+            <a:schemeClr val="bg2">
+              <a:alpha val="20000"/>
+            </a:schemeClr>
+          </a:solidFill>
+          <a:ln>
+            <a:noFill/>
+          </a:ln>
+        </p:spPr>
+        <p:style>
+          <a:lnRef idx="2">
+            <a:schemeClr val="accent1">
+              <a:shade val="50000"/>
+            </a:schemeClr>
+          </a:lnRef>
+          <a:fillRef idx="1">
+            <a:schemeClr val="accent1"/>
+          </a:fillRef>
+          <a:effectRef idx="0">
+            <a:schemeClr val="accent1"/>
+          </a:effectRef>
+          <a:fontRef idx="minor">
+            <a:schemeClr val="lt1"/>
+          </a:fontRef>
+        </p:style>
+        <p:txBody>
+          <a:bodyPr rtlCol="0" anchor="ctr"/>
+          <a:lstStyle/>
+          <a:p>
+            <a:pPr algn="ctr"/>
+            <a:endParaRPr lang="en-US" dirty="0"/>
+          </a:p>
+        </p:txBody>
+      </p:sp>
+      <p:sp>
+        <p:nvSpPr>
+          <p:cNvPr id="16" name="Oval 15">
+            <a:extLst>
+              <a:ext uri="{FF2B5EF4-FFF2-40B4-BE49-F238E27FC236}">
+                <a16:creationId xmlns:a16="http://schemas.microsoft.com/office/drawing/2014/main" id="{57C37CE9-19CE-49DF-A887-2214EBB1F097}"/>
+              </a:ext>
+              <a:ext uri="{C183D7F6-B498-43B3-948B-1728B52AA6E4}">
+                <adec:decorative xmlns:adec="http://schemas.microsoft.com/office/drawing/2017/decorative" val="1"/>
+              </a:ext>
+            </a:extLst>
+          </p:cNvPr>
+          <p:cNvSpPr>
+            <a:spLocks noGrp="1" noRot="1" noChangeAspect="1" noMove="1" noResize="1" noEditPoints="1" noAdjustHandles="1" noChangeArrowheads="1" noChangeShapeType="1" noTextEdit="1"/>
+          </p:cNvSpPr>
+          <p:nvPr>
+            <p:extLst>
+              <p:ext uri="{386F3935-93C4-4BCD-93E2-E3B085C9AB24}">
+                <p16:designElem xmlns:p16="http://schemas.microsoft.com/office/powerpoint/2015/main" val="1"/>
+              </p:ext>
+            </p:extLst>
+          </p:nvPr>
+        </p:nvSpPr>
+        <p:spPr>
+          <a:xfrm rot="16200000">
+            <a:off x="2743200" y="0"/>
+            <a:ext cx="6857999" cy="6857998"/>
+          </a:xfrm>
+          <a:prstGeom prst="ellipse">
+            <a:avLst/>
+          </a:prstGeom>
+          <a:gradFill>
+            <a:gsLst>
+              <a:gs pos="0">
+                <a:schemeClr val="accent1">
+                  <a:lumMod val="20000"/>
+                  <a:lumOff val="80000"/>
+                  <a:alpha val="40000"/>
+                </a:schemeClr>
+              </a:gs>
+              <a:gs pos="100000">
+                <a:schemeClr val="accent1">
+                  <a:alpha val="40000"/>
+                </a:schemeClr>
+              </a:gs>
+            </a:gsLst>
+            <a:lin ang="2700000" scaled="1"/>
+          </a:gradFill>
+          <a:ln>
+            <a:noFill/>
+          </a:ln>
+          <a:effectLst>
+            <a:softEdge rad="520700"/>
+          </a:effectLst>
+        </p:spPr>
+        <p:style>
+          <a:lnRef idx="2">
+            <a:schemeClr val="accent1">
+              <a:shade val="50000"/>
+            </a:schemeClr>
+          </a:lnRef>
+          <a:fillRef idx="1">
+            <a:schemeClr val="accent1"/>
+          </a:fillRef>
+          <a:effectRef idx="0">
+            <a:schemeClr val="accent1"/>
+          </a:effectRef>
+          <a:fontRef idx="minor">
+            <a:schemeClr val="lt1"/>
+          </a:fontRef>
+        </p:style>
+        <p:txBody>
+          <a:bodyPr rtlCol="0" anchor="ctr"/>
+          <a:lstStyle/>
+          <a:p>
+            <a:pPr algn="ctr"/>
+            <a:endParaRPr lang="en-US" dirty="0"/>
+          </a:p>
+        </p:txBody>
+      </p:sp>
+      <p:sp>
+        <p:nvSpPr>
+          <p:cNvPr id="18" name="Oval 17">
+            <a:extLst>
+              <a:ext uri="{FF2B5EF4-FFF2-40B4-BE49-F238E27FC236}">
+                <a16:creationId xmlns:a16="http://schemas.microsoft.com/office/drawing/2014/main" id="{7EF84E8E-7E93-4DEE-BCFB-2AE29098B5C3}"/>
+              </a:ext>
+              <a:ext uri="{C183D7F6-B498-43B3-948B-1728B52AA6E4}">
+                <adec:decorative xmlns:adec="http://schemas.microsoft.com/office/drawing/2017/decorative" val="1"/>
+              </a:ext>
+            </a:extLst>
+          </p:cNvPr>
+          <p:cNvSpPr>
+            <a:spLocks noGrp="1" noRot="1" noChangeAspect="1" noMove="1" noResize="1" noEditPoints="1" noAdjustHandles="1" noChangeArrowheads="1" noChangeShapeType="1" noTextEdit="1"/>
+          </p:cNvSpPr>
+          <p:nvPr>
+            <p:extLst>
+              <p:ext uri="{386F3935-93C4-4BCD-93E2-E3B085C9AB24}">
+                <p16:designElem xmlns:p16="http://schemas.microsoft.com/office/powerpoint/2015/main" val="1"/>
+              </p:ext>
+            </p:extLst>
+          </p:nvPr>
+        </p:nvSpPr>
+        <p:spPr>
+          <a:xfrm rot="16200000">
+            <a:off x="73990" y="1194074"/>
+            <a:ext cx="5589934" cy="5737916"/>
+          </a:xfrm>
+          <a:prstGeom prst="ellipse">
+            <a:avLst/>
+          </a:prstGeom>
+          <a:gradFill>
+            <a:gsLst>
+              <a:gs pos="0">
+                <a:schemeClr val="accent1">
+                  <a:alpha val="40000"/>
+                </a:schemeClr>
+              </a:gs>
+              <a:gs pos="100000">
+                <a:schemeClr val="accent5">
+                  <a:alpha val="20000"/>
+                </a:schemeClr>
+              </a:gs>
+            </a:gsLst>
+            <a:lin ang="2700000" scaled="1"/>
+          </a:gradFill>
+          <a:ln>
+            <a:noFill/>
+          </a:ln>
+          <a:effectLst>
+            <a:softEdge rad="952500"/>
+          </a:effectLst>
+        </p:spPr>
+        <p:style>
+          <a:lnRef idx="2">
+            <a:schemeClr val="accent1">
+              <a:shade val="50000"/>
+            </a:schemeClr>
+          </a:lnRef>
+          <a:fillRef idx="1">
+            <a:schemeClr val="accent1"/>
+          </a:fillRef>
+          <a:effectRef idx="0">
+            <a:schemeClr val="accent1"/>
+          </a:effectRef>
+          <a:fontRef idx="minor">
+            <a:schemeClr val="lt1"/>
+          </a:fontRef>
+        </p:style>
+        <p:txBody>
+          <a:bodyPr rtlCol="0" anchor="ctr"/>
+          <a:lstStyle/>
+          <a:p>
+            <a:pPr algn="ctr"/>
+            <a:endParaRPr lang="en-US" dirty="0"/>
+          </a:p>
+        </p:txBody>
+      </p:sp>
+      <p:sp>
+        <p:nvSpPr>
+          <p:cNvPr id="20" name="Oval 19">
+            <a:extLst>
+              <a:ext uri="{FF2B5EF4-FFF2-40B4-BE49-F238E27FC236}">
+                <a16:creationId xmlns:a16="http://schemas.microsoft.com/office/drawing/2014/main" id="{9046502B-E9B6-4225-B8EE-BC5D644686B0}"/>
+              </a:ext>
+              <a:ext uri="{C183D7F6-B498-43B3-948B-1728B52AA6E4}">
+                <adec:decorative xmlns:adec="http://schemas.microsoft.com/office/drawing/2017/decorative" val="1"/>
+              </a:ext>
+            </a:extLst>
+          </p:cNvPr>
+          <p:cNvSpPr>
+            <a:spLocks noGrp="1" noRot="1" noChangeAspect="1" noMove="1" noResize="1" noEditPoints="1" noAdjustHandles="1" noChangeArrowheads="1" noChangeShapeType="1" noTextEdit="1"/>
+          </p:cNvSpPr>
+          <p:nvPr>
+            <p:extLst>
+              <p:ext uri="{386F3935-93C4-4BCD-93E2-E3B085C9AB24}">
+                <p16:designElem xmlns:p16="http://schemas.microsoft.com/office/powerpoint/2015/main" val="1"/>
+              </p:ext>
+            </p:extLst>
+          </p:nvPr>
+        </p:nvSpPr>
+        <p:spPr>
+          <a:xfrm rot="16200000">
+            <a:off x="6439622" y="194269"/>
+            <a:ext cx="5760743" cy="5737917"/>
+          </a:xfrm>
+          <a:prstGeom prst="ellipse">
+            <a:avLst/>
+          </a:prstGeom>
+          <a:gradFill>
+            <a:gsLst>
+              <a:gs pos="0">
+                <a:schemeClr val="accent1">
+                  <a:alpha val="20000"/>
+                </a:schemeClr>
+              </a:gs>
+              <a:gs pos="100000">
+                <a:schemeClr val="accent5">
+                  <a:alpha val="40000"/>
+                </a:schemeClr>
+              </a:gs>
+            </a:gsLst>
+            <a:lin ang="2700000" scaled="1"/>
+          </a:gradFill>
+          <a:ln>
+            <a:noFill/>
+          </a:ln>
+          <a:effectLst>
+            <a:softEdge rad="1003300"/>
+          </a:effectLst>
+        </p:spPr>
+        <p:style>
+          <a:lnRef idx="2">
+            <a:schemeClr val="accent1">
+              <a:shade val="50000"/>
+            </a:schemeClr>
+          </a:lnRef>
+          <a:fillRef idx="1">
+            <a:schemeClr val="accent1"/>
+          </a:fillRef>
+          <a:effectRef idx="0">
+            <a:schemeClr val="accent1"/>
+          </a:effectRef>
+          <a:fontRef idx="minor">
+            <a:schemeClr val="lt1"/>
+          </a:fontRef>
+        </p:style>
+        <p:txBody>
+          <a:bodyPr rtlCol="0" anchor="ctr"/>
+          <a:lstStyle/>
+          <a:p>
+            <a:pPr algn="ctr"/>
+            <a:endParaRPr lang="en-US" dirty="0"/>
+          </a:p>
+        </p:txBody>
+      </p:sp>
+      <p:sp>
+        <p:nvSpPr>
+          <p:cNvPr id="2" name="Заголовок 1">
+            <a:extLst>
+              <a:ext uri="{FF2B5EF4-FFF2-40B4-BE49-F238E27FC236}">
+                <a16:creationId xmlns:a16="http://schemas.microsoft.com/office/drawing/2014/main" id="{265738EF-031E-BD79-ECDF-0E62EF2FE500}"/>
+              </a:ext>
+            </a:extLst>
+          </p:cNvPr>
+          <p:cNvSpPr>
+            <a:spLocks noGrp="1"/>
+          </p:cNvSpPr>
+          <p:nvPr>
+            <p:ph type="title"/>
+          </p:nvPr>
+        </p:nvSpPr>
+        <p:spPr>
+          <a:xfrm>
+            <a:off x="838199" y="3899661"/>
+            <a:ext cx="5872993" cy="2398029"/>
+          </a:xfrm>
+        </p:spPr>
+        <p:txBody>
+          <a:bodyPr anchor="ctr">
+            <a:normAutofit/>
+          </a:bodyPr>
+          <a:lstStyle/>
+          <a:p>
+            <a:r>
+              <a:rPr lang="ru-RU" sz="4400">
+                <a:solidFill>
+                  <a:srgbClr val="FFFFFF"/>
+                </a:solidFill>
+                <a:cs typeface="Angsana New"/>
+              </a:rPr>
+              <a:t>Ошибки</a:t>
+            </a:r>
+            <a:endParaRPr lang="ru-RU" sz="4400">
+              <a:solidFill>
+                <a:srgbClr val="FFFFFF"/>
+              </a:solidFill>
+            </a:endParaRPr>
+          </a:p>
+        </p:txBody>
+      </p:sp>
+      <p:pic>
+        <p:nvPicPr>
+          <p:cNvPr id="5" name="Рисунок 5">
+            <a:extLst>
+              <a:ext uri="{FF2B5EF4-FFF2-40B4-BE49-F238E27FC236}">
+                <a16:creationId xmlns:a16="http://schemas.microsoft.com/office/drawing/2014/main" id="{792E3881-7EED-C010-6F61-6B990CE5911A}"/>
+              </a:ext>
+            </a:extLst>
+          </p:cNvPr>
+          <p:cNvPicPr>
+            <a:picLocks noChangeAspect="1"/>
+          </p:cNvPicPr>
+          <p:nvPr/>
+        </p:nvPicPr>
+        <p:blipFill>
+          <a:blip r:embed="rId2">
+            <a:alphaModFix amt="80000"/>
+          </a:blip>
+          <a:stretch>
+            <a:fillRect/>
+          </a:stretch>
+        </p:blipFill>
+        <p:spPr>
+          <a:xfrm>
+            <a:off x="-38450" y="2962991"/>
+            <a:ext cx="12184713" cy="919568"/>
+          </a:xfrm>
+          <a:prstGeom prst="rect">
+            <a:avLst/>
+          </a:prstGeom>
+        </p:spPr>
+      </p:pic>
+      <p:pic>
+        <p:nvPicPr>
+          <p:cNvPr id="4" name="Рисунок 4">
+            <a:extLst>
+              <a:ext uri="{FF2B5EF4-FFF2-40B4-BE49-F238E27FC236}">
+                <a16:creationId xmlns:a16="http://schemas.microsoft.com/office/drawing/2014/main" id="{345BC57F-4AEC-2DC9-AA9D-E594BA98E4BE}"/>
+              </a:ext>
+            </a:extLst>
+          </p:cNvPr>
+          <p:cNvPicPr>
+            <a:picLocks noChangeAspect="1"/>
+          </p:cNvPicPr>
+          <p:nvPr/>
+        </p:nvPicPr>
+        <p:blipFill>
+          <a:blip r:embed="rId3">
+            <a:alphaModFix amt="80000"/>
+          </a:blip>
+          <a:stretch>
+            <a:fillRect/>
+          </a:stretch>
+        </p:blipFill>
+        <p:spPr>
+          <a:xfrm>
+            <a:off x="-1" y="1229441"/>
+            <a:ext cx="12689538" cy="957668"/>
+          </a:xfrm>
+          <a:prstGeom prst="rect">
+            <a:avLst/>
+          </a:prstGeom>
+        </p:spPr>
+      </p:pic>
+      <p:sp>
+        <p:nvSpPr>
+          <p:cNvPr id="3" name="Объект 2">
+            <a:extLst>
+              <a:ext uri="{FF2B5EF4-FFF2-40B4-BE49-F238E27FC236}">
+                <a16:creationId xmlns:a16="http://schemas.microsoft.com/office/drawing/2014/main" id="{BBB1B495-CDD4-6CB3-790B-FEF04381F305}"/>
+              </a:ext>
+            </a:extLst>
+          </p:cNvPr>
+          <p:cNvSpPr>
+            <a:spLocks noGrp="1"/>
+          </p:cNvSpPr>
+          <p:nvPr>
+            <p:ph idx="1"/>
+          </p:nvPr>
+        </p:nvSpPr>
+        <p:spPr>
+          <a:xfrm>
+            <a:off x="6934200" y="3899662"/>
+            <a:ext cx="4419599" cy="2398029"/>
+          </a:xfrm>
+        </p:spPr>
+        <p:txBody>
+          <a:bodyPr vert="horz" lIns="91440" tIns="45720" rIns="91440" bIns="45720" rtlCol="0" anchor="ctr">
+            <a:normAutofit/>
+          </a:bodyPr>
+          <a:lstStyle/>
+          <a:p>
+            <a:pPr marL="228600" indent="0">
+              <a:buNone/>
+            </a:pPr>
+            <a:r>
+              <a:rPr lang="ru-RU" sz="1800">
+                <a:solidFill>
+                  <a:srgbClr val="FFFFFF"/>
+                </a:solidFill>
+              </a:rPr>
+              <a:t>Если пользователь неавторизован или у него недостаточно прав для определённого действия, то он увидит соответствующие сообщения.</a:t>
+            </a:r>
+          </a:p>
+        </p:txBody>
+      </p:sp>
+    </p:spTree>
+    <p:extLst>
+      <p:ext uri="{BB962C8B-B14F-4D97-AF65-F5344CB8AC3E}">
+        <p14:creationId xmlns:p14="http://schemas.microsoft.com/office/powerpoint/2010/main" val="3079312005"/>
+      </p:ext>
+    </p:extLst>
+  </p:cSld>
+  <p:clrMapOvr>
+    <a:masterClrMapping/>
+  </p:clrMapOvr>
+</p:sld>
+</file>
+
+<file path=ppt/slides/slide7.xml><?xml version="1.0" encoding="utf-8"?>
+<p:sld xmlns:a="http://schemas.openxmlformats.org/drawingml/2006/main" xmlns:r="http://schemas.openxmlformats.org/officeDocument/2006/relationships" xmlns:p="http://schemas.openxmlformats.org/presentationml/2006/main">
+  <p:cSld>
+    <p:bg>
+      <p:bgPr>
+        <a:solidFill>
+          <a:schemeClr val="bg1"/>
+        </a:solidFill>
+        <a:effectLst/>
+      </p:bgPr>
+    </p:bg>
+    <p:spTree>
+      <p:nvGrpSpPr>
+        <p:cNvPr id="1" name=""/>
+        <p:cNvGrpSpPr/>
+        <p:nvPr/>
+      </p:nvGrpSpPr>
+      <p:grpSpPr>
+        <a:xfrm>
+          <a:off x="0" y="0"/>
+          <a:ext cx="0" cy="0"/>
+          <a:chOff x="0" y="0"/>
+          <a:chExt cx="0" cy="0"/>
+        </a:xfrm>
+      </p:grpSpPr>
+      <p:sp>
+        <p:nvSpPr>
+          <p:cNvPr id="57" name="Frame 56">
+            <a:extLst>
+              <a:ext uri="{FF2B5EF4-FFF2-40B4-BE49-F238E27FC236}">
+                <a16:creationId xmlns:a16="http://schemas.microsoft.com/office/drawing/2014/main" id="{DD7EAFE6-2BB9-41FB-9CF4-588CFC708774}"/>
+              </a:ext>
+              <a:ext uri="{C183D7F6-B498-43B3-948B-1728B52AA6E4}">
+                <adec:decorative xmlns:adec="http://schemas.microsoft.com/office/drawing/2017/decorative" val="1"/>
+              </a:ext>
+            </a:extLst>
+          </p:cNvPr>
+          <p:cNvSpPr>
+            <a:spLocks noGrp="1" noRot="1" noChangeAspect="1" noMove="1" noResize="1" noEditPoints="1" noAdjustHandles="1" noChangeArrowheads="1" noChangeShapeType="1" noTextEdit="1"/>
+          </p:cNvSpPr>
+          <p:nvPr>
+            <p:extLst>
+              <p:ext uri="{386F3935-93C4-4BCD-93E2-E3B085C9AB24}">
+                <p16:designElem xmlns:p16="http://schemas.microsoft.com/office/powerpoint/2015/main" val="1"/>
+              </p:ext>
+            </p:extLst>
+          </p:nvPr>
+        </p:nvSpPr>
+        <p:spPr>
+          <a:xfrm>
+            <a:off x="0" y="0"/>
+            <a:ext cx="12188952" cy="6858000"/>
+          </a:xfrm>
+          <a:prstGeom prst="frame">
+            <a:avLst>
+              <a:gd name="adj1" fmla="val 7164"/>
+            </a:avLst>
+          </a:prstGeom>
+          <a:gradFill flip="none" rotWithShape="1">
+            <a:gsLst>
+              <a:gs pos="0">
+                <a:schemeClr val="accent2">
+                  <a:alpha val="40000"/>
+                </a:schemeClr>
+              </a:gs>
+              <a:gs pos="100000">
+                <a:schemeClr val="accent1">
+                  <a:alpha val="40000"/>
+                </a:schemeClr>
+              </a:gs>
+            </a:gsLst>
+            <a:lin ang="2700000" scaled="1"/>
+            <a:tileRect/>
+          </a:gradFill>
+          <a:ln>
+            <a:noFill/>
+          </a:ln>
+        </p:spPr>
+        <p:style>
+          <a:lnRef idx="2">
+            <a:schemeClr val="accent1">
+              <a:shade val="50000"/>
+            </a:schemeClr>
+          </a:lnRef>
+          <a:fillRef idx="1">
+            <a:schemeClr val="accent1"/>
+          </a:fillRef>
+          <a:effectRef idx="0">
+            <a:schemeClr val="accent1"/>
+          </a:effectRef>
+          <a:fontRef idx="minor">
+            <a:schemeClr val="lt1"/>
+          </a:fontRef>
+        </p:style>
+        <p:txBody>
+          <a:bodyPr rtlCol="0" anchor="ctr"/>
+          <a:lstStyle/>
+          <a:p>
+            <a:pPr algn="ctr"/>
+            <a:endParaRPr lang="en-US"/>
+          </a:p>
+        </p:txBody>
+      </p:sp>
+      <p:sp useBgFill="1">
+        <p:nvSpPr>
+          <p:cNvPr id="59" name="Rectangle 58">
+            <a:extLst>
+              <a:ext uri="{FF2B5EF4-FFF2-40B4-BE49-F238E27FC236}">
+                <a16:creationId xmlns:a16="http://schemas.microsoft.com/office/drawing/2014/main" id="{610334BF-0422-4A9A-BE46-AEB8C348BAC4}"/>
+              </a:ext>
+              <a:ext uri="{C183D7F6-B498-43B3-948B-1728B52AA6E4}">
+                <adec:decorative xmlns:adec="http://schemas.microsoft.com/office/drawing/2017/decorative" val="1"/>
+              </a:ext>
+            </a:extLst>
+          </p:cNvPr>
+          <p:cNvSpPr>
+            <a:spLocks noGrp="1" noRot="1" noChangeAspect="1" noMove="1" noResize="1" noEditPoints="1" noAdjustHandles="1" noChangeArrowheads="1" noChangeShapeType="1" noTextEdit="1"/>
+          </p:cNvSpPr>
+          <p:nvPr>
+            <p:extLst>
+              <p:ext uri="{386F3935-93C4-4BCD-93E2-E3B085C9AB24}">
+                <p16:designElem xmlns:p16="http://schemas.microsoft.com/office/powerpoint/2015/main" val="1"/>
+              </p:ext>
+            </p:extLst>
+          </p:nvPr>
+        </p:nvSpPr>
+        <p:spPr>
+          <a:xfrm>
+            <a:off x="0" y="0"/>
+            <a:ext cx="12188952" cy="6858000"/>
+          </a:xfrm>
+          <a:prstGeom prst="rect">
+            <a:avLst/>
+          </a:prstGeom>
+          <a:ln>
+            <a:noFill/>
+          </a:ln>
+        </p:spPr>
+        <p:style>
+          <a:lnRef idx="2">
+            <a:schemeClr val="accent1">
+              <a:shade val="50000"/>
+            </a:schemeClr>
+          </a:lnRef>
+          <a:fillRef idx="1">
+            <a:schemeClr val="accent1"/>
+          </a:fillRef>
+          <a:effectRef idx="0">
+            <a:schemeClr val="accent1"/>
+          </a:effectRef>
+          <a:fontRef idx="minor">
+            <a:schemeClr val="lt1"/>
+          </a:fontRef>
+        </p:style>
+        <p:txBody>
+          <a:bodyPr rtlCol="0" anchor="ctr"/>
+          <a:lstStyle/>
+          <a:p>
+            <a:pPr algn="ctr"/>
+            <a:endParaRPr lang="en-US"/>
+          </a:p>
+        </p:txBody>
+      </p:sp>
+      <p:sp>
+        <p:nvSpPr>
+          <p:cNvPr id="61" name="Rectangle 60">
+            <a:extLst>
+              <a:ext uri="{FF2B5EF4-FFF2-40B4-BE49-F238E27FC236}">
+                <a16:creationId xmlns:a16="http://schemas.microsoft.com/office/drawing/2014/main" id="{C98F2823-0279-49D8-928D-754B222533EF}"/>
+              </a:ext>
+              <a:ext uri="{C183D7F6-B498-43B3-948B-1728B52AA6E4}">
+                <adec:decorative xmlns:adec="http://schemas.microsoft.com/office/drawing/2017/decorative" val="1"/>
+              </a:ext>
+            </a:extLst>
+          </p:cNvPr>
+          <p:cNvSpPr>
+            <a:spLocks noGrp="1" noRot="1" noChangeAspect="1" noMove="1" noResize="1" noEditPoints="1" noAdjustHandles="1" noChangeArrowheads="1" noChangeShapeType="1" noTextEdit="1"/>
+          </p:cNvSpPr>
+          <p:nvPr>
+            <p:extLst>
+              <p:ext uri="{386F3935-93C4-4BCD-93E2-E3B085C9AB24}">
+                <p16:designElem xmlns:p16="http://schemas.microsoft.com/office/powerpoint/2015/main" val="1"/>
+              </p:ext>
+            </p:extLst>
+          </p:nvPr>
+        </p:nvSpPr>
+        <p:spPr>
+          <a:xfrm>
+            <a:off x="0" y="-664"/>
+            <a:ext cx="12188952" cy="6858000"/>
+          </a:xfrm>
+          <a:prstGeom prst="rect">
+            <a:avLst/>
+          </a:prstGeom>
+          <a:gradFill flip="none" rotWithShape="1">
+            <a:gsLst>
+              <a:gs pos="0">
+                <a:schemeClr val="accent2">
+                  <a:alpha val="60000"/>
+                </a:schemeClr>
+              </a:gs>
+              <a:gs pos="100000">
+                <a:schemeClr val="accent1">
+                  <a:alpha val="60000"/>
+                </a:schemeClr>
+              </a:gs>
+            </a:gsLst>
+            <a:lin ang="2700000" scaled="1"/>
+            <a:tileRect/>
+          </a:gradFill>
+          <a:ln>
+            <a:noFill/>
+          </a:ln>
+        </p:spPr>
+        <p:style>
+          <a:lnRef idx="2">
+            <a:schemeClr val="accent1">
+              <a:shade val="50000"/>
+            </a:schemeClr>
+          </a:lnRef>
+          <a:fillRef idx="1">
+            <a:schemeClr val="accent1"/>
+          </a:fillRef>
+          <a:effectRef idx="0">
+            <a:schemeClr val="accent1"/>
+          </a:effectRef>
+          <a:fontRef idx="minor">
+            <a:schemeClr val="lt1"/>
+          </a:fontRef>
+        </p:style>
+        <p:txBody>
+          <a:bodyPr rtlCol="0" anchor="ctr"/>
+          <a:lstStyle/>
+          <a:p>
+            <a:pPr algn="ctr"/>
+            <a:endParaRPr lang="en-US"/>
+          </a:p>
+        </p:txBody>
+      </p:sp>
+      <p:sp>
+        <p:nvSpPr>
+          <p:cNvPr id="63" name="Rectangle 62">
+            <a:extLst>
+              <a:ext uri="{FF2B5EF4-FFF2-40B4-BE49-F238E27FC236}">
+                <a16:creationId xmlns:a16="http://schemas.microsoft.com/office/drawing/2014/main" id="{02E45E95-311C-41C7-A882-6E43F0806865}"/>
+              </a:ext>
+              <a:ext uri="{C183D7F6-B498-43B3-948B-1728B52AA6E4}">
+                <adec:decorative xmlns:adec="http://schemas.microsoft.com/office/drawing/2017/decorative" val="1"/>
+              </a:ext>
+            </a:extLst>
+          </p:cNvPr>
+          <p:cNvSpPr>
+            <a:spLocks noGrp="1" noRot="1" noChangeAspect="1" noMove="1" noResize="1" noEditPoints="1" noAdjustHandles="1" noChangeArrowheads="1" noChangeShapeType="1" noTextEdit="1"/>
+          </p:cNvSpPr>
+          <p:nvPr>
+            <p:extLst>
+              <p:ext uri="{386F3935-93C4-4BCD-93E2-E3B085C9AB24}">
+                <p16:designElem xmlns:p16="http://schemas.microsoft.com/office/powerpoint/2015/main" val="1"/>
+              </p:ext>
+            </p:extLst>
+          </p:nvPr>
+        </p:nvSpPr>
+        <p:spPr>
+          <a:xfrm>
+            <a:off x="0" y="663"/>
+            <a:ext cx="12188952" cy="6858000"/>
+          </a:xfrm>
+          <a:prstGeom prst="rect">
+            <a:avLst/>
+          </a:prstGeom>
+          <a:solidFill>
+            <a:schemeClr val="bg2">
+              <a:alpha val="20000"/>
+            </a:schemeClr>
+          </a:solidFill>
+          <a:ln>
+            <a:noFill/>
+          </a:ln>
+        </p:spPr>
+        <p:style>
+          <a:lnRef idx="2">
+            <a:schemeClr val="accent1">
+              <a:shade val="50000"/>
+            </a:schemeClr>
+          </a:lnRef>
+          <a:fillRef idx="1">
+            <a:schemeClr val="accent1"/>
+          </a:fillRef>
+          <a:effectRef idx="0">
+            <a:schemeClr val="accent1"/>
+          </a:effectRef>
+          <a:fontRef idx="minor">
+            <a:schemeClr val="lt1"/>
+          </a:fontRef>
+        </p:style>
+        <p:txBody>
+          <a:bodyPr rtlCol="0" anchor="ctr"/>
+          <a:lstStyle/>
+          <a:p>
+            <a:pPr algn="ctr"/>
+            <a:endParaRPr lang="en-US" dirty="0"/>
+          </a:p>
+        </p:txBody>
+      </p:sp>
+      <p:sp>
+        <p:nvSpPr>
+          <p:cNvPr id="65" name="Oval 64">
+            <a:extLst>
+              <a:ext uri="{FF2B5EF4-FFF2-40B4-BE49-F238E27FC236}">
+                <a16:creationId xmlns:a16="http://schemas.microsoft.com/office/drawing/2014/main" id="{B7299D5D-ECC5-41EB-B830-C3A35FB35516}"/>
+              </a:ext>
+              <a:ext uri="{C183D7F6-B498-43B3-948B-1728B52AA6E4}">
+                <adec:decorative xmlns:adec="http://schemas.microsoft.com/office/drawing/2017/decorative" val="1"/>
+              </a:ext>
+            </a:extLst>
+          </p:cNvPr>
+          <p:cNvSpPr>
+            <a:spLocks noGrp="1" noRot="1" noChangeAspect="1" noMove="1" noResize="1" noEditPoints="1" noAdjustHandles="1" noChangeArrowheads="1" noChangeShapeType="1" noTextEdit="1"/>
+          </p:cNvSpPr>
+          <p:nvPr>
+            <p:extLst>
+              <p:ext uri="{386F3935-93C4-4BCD-93E2-E3B085C9AB24}">
+                <p16:designElem xmlns:p16="http://schemas.microsoft.com/office/powerpoint/2015/main" val="1"/>
+              </p:ext>
+            </p:extLst>
+          </p:nvPr>
+        </p:nvSpPr>
+        <p:spPr>
+          <a:xfrm rot="16200000">
+            <a:off x="2537516" y="0"/>
+            <a:ext cx="6857999" cy="6857998"/>
+          </a:xfrm>
+          <a:prstGeom prst="ellipse">
+            <a:avLst/>
+          </a:prstGeom>
+          <a:gradFill>
+            <a:gsLst>
+              <a:gs pos="0">
+                <a:schemeClr val="accent1">
+                  <a:lumMod val="20000"/>
+                  <a:lumOff val="80000"/>
+                  <a:alpha val="40000"/>
+                </a:schemeClr>
+              </a:gs>
+              <a:gs pos="100000">
+                <a:schemeClr val="accent1">
+                  <a:alpha val="40000"/>
+                </a:schemeClr>
+              </a:gs>
+            </a:gsLst>
+            <a:lin ang="2700000" scaled="1"/>
+          </a:gradFill>
+          <a:ln>
+            <a:noFill/>
+          </a:ln>
+          <a:effectLst>
+            <a:softEdge rad="520700"/>
+          </a:effectLst>
+        </p:spPr>
+        <p:style>
+          <a:lnRef idx="2">
+            <a:schemeClr val="accent1">
+              <a:shade val="50000"/>
+            </a:schemeClr>
+          </a:lnRef>
+          <a:fillRef idx="1">
+            <a:schemeClr val="accent1"/>
+          </a:fillRef>
+          <a:effectRef idx="0">
+            <a:schemeClr val="accent1"/>
+          </a:effectRef>
+          <a:fontRef idx="minor">
+            <a:schemeClr val="lt1"/>
+          </a:fontRef>
+        </p:style>
+        <p:txBody>
+          <a:bodyPr rtlCol="0" anchor="ctr"/>
+          <a:lstStyle/>
+          <a:p>
+            <a:pPr algn="ctr"/>
+            <a:endParaRPr lang="en-US" dirty="0"/>
+          </a:p>
+        </p:txBody>
+      </p:sp>
+      <p:sp>
+        <p:nvSpPr>
+          <p:cNvPr id="67" name="Oval 66">
+            <a:extLst>
+              <a:ext uri="{FF2B5EF4-FFF2-40B4-BE49-F238E27FC236}">
+                <a16:creationId xmlns:a16="http://schemas.microsoft.com/office/drawing/2014/main" id="{88C91735-5EFE-44D1-8CC6-FDF0D11B6F5D}"/>
+              </a:ext>
+              <a:ext uri="{C183D7F6-B498-43B3-948B-1728B52AA6E4}">
+                <adec:decorative xmlns:adec="http://schemas.microsoft.com/office/drawing/2017/decorative" val="1"/>
+              </a:ext>
+            </a:extLst>
+          </p:cNvPr>
+          <p:cNvSpPr>
+            <a:spLocks noGrp="1" noRot="1" noChangeAspect="1" noMove="1" noResize="1" noEditPoints="1" noAdjustHandles="1" noChangeArrowheads="1" noChangeShapeType="1" noTextEdit="1"/>
+          </p:cNvSpPr>
+          <p:nvPr>
+            <p:extLst>
+              <p:ext uri="{386F3935-93C4-4BCD-93E2-E3B085C9AB24}">
+                <p16:designElem xmlns:p16="http://schemas.microsoft.com/office/powerpoint/2015/main" val="1"/>
+              </p:ext>
+            </p:extLst>
+          </p:nvPr>
+        </p:nvSpPr>
+        <p:spPr>
+          <a:xfrm rot="16200000">
+            <a:off x="73990" y="1194074"/>
+            <a:ext cx="5589934" cy="5737916"/>
+          </a:xfrm>
+          <a:prstGeom prst="ellipse">
+            <a:avLst/>
+          </a:prstGeom>
+          <a:gradFill>
+            <a:gsLst>
+              <a:gs pos="0">
+                <a:schemeClr val="accent1">
+                  <a:alpha val="40000"/>
+                </a:schemeClr>
+              </a:gs>
+              <a:gs pos="100000">
+                <a:schemeClr val="accent5">
+                  <a:alpha val="20000"/>
+                </a:schemeClr>
+              </a:gs>
+            </a:gsLst>
+            <a:lin ang="2700000" scaled="1"/>
+          </a:gradFill>
+          <a:ln>
+            <a:noFill/>
+          </a:ln>
+          <a:effectLst>
+            <a:softEdge rad="952500"/>
+          </a:effectLst>
+        </p:spPr>
+        <p:style>
+          <a:lnRef idx="2">
+            <a:schemeClr val="accent1">
+              <a:shade val="50000"/>
+            </a:schemeClr>
+          </a:lnRef>
+          <a:fillRef idx="1">
+            <a:schemeClr val="accent1"/>
+          </a:fillRef>
+          <a:effectRef idx="0">
+            <a:schemeClr val="accent1"/>
+          </a:effectRef>
+          <a:fontRef idx="minor">
+            <a:schemeClr val="lt1"/>
+          </a:fontRef>
+        </p:style>
+        <p:txBody>
+          <a:bodyPr rtlCol="0" anchor="ctr"/>
+          <a:lstStyle/>
+          <a:p>
+            <a:pPr algn="ctr"/>
+            <a:endParaRPr lang="en-US" dirty="0"/>
+          </a:p>
+        </p:txBody>
+      </p:sp>
+      <p:sp>
+        <p:nvSpPr>
+          <p:cNvPr id="2" name="Заголовок 1">
+            <a:extLst>
+              <a:ext uri="{FF2B5EF4-FFF2-40B4-BE49-F238E27FC236}">
+                <a16:creationId xmlns:a16="http://schemas.microsoft.com/office/drawing/2014/main" id="{33CE3DED-AC54-98F1-8CD6-3C2C029CE0D3}"/>
+              </a:ext>
+            </a:extLst>
+          </p:cNvPr>
+          <p:cNvSpPr>
+            <a:spLocks noGrp="1"/>
+          </p:cNvSpPr>
+          <p:nvPr>
+            <p:ph type="title"/>
+          </p:nvPr>
+        </p:nvSpPr>
+        <p:spPr>
+          <a:xfrm>
+            <a:off x="838201" y="74613"/>
+            <a:ext cx="4242472" cy="2387600"/>
+          </a:xfrm>
+        </p:spPr>
+        <p:txBody>
+          <a:bodyPr vert="horz" lIns="91440" tIns="45720" rIns="91440" bIns="45720" rtlCol="0" anchor="b">
+            <a:normAutofit/>
+          </a:bodyPr>
+          <a:lstStyle/>
+          <a:p>
+            <a:r>
+              <a:rPr lang="en-US" sz="5400" dirty="0" err="1">
+                <a:solidFill>
+                  <a:srgbClr val="FFFFFF"/>
+                </a:solidFill>
+              </a:rPr>
+              <a:t>Регистрация</a:t>
+            </a:r>
+          </a:p>
+        </p:txBody>
+      </p:sp>
+      <p:sp>
+        <p:nvSpPr>
+          <p:cNvPr id="3" name="Объект 2">
+            <a:extLst>
+              <a:ext uri="{FF2B5EF4-FFF2-40B4-BE49-F238E27FC236}">
+                <a16:creationId xmlns:a16="http://schemas.microsoft.com/office/drawing/2014/main" id="{77F75ECD-966D-3DA7-F956-1CDD23D78D19}"/>
+              </a:ext>
+            </a:extLst>
+          </p:cNvPr>
+          <p:cNvSpPr>
+            <a:spLocks noGrp="1"/>
+          </p:cNvSpPr>
+          <p:nvPr>
+            <p:ph idx="1"/>
+          </p:nvPr>
+        </p:nvSpPr>
+        <p:spPr>
+          <a:xfrm>
+            <a:off x="838201" y="2687637"/>
+            <a:ext cx="4242472" cy="2763837"/>
+          </a:xfrm>
+        </p:spPr>
+        <p:txBody>
+          <a:bodyPr vert="horz" lIns="91440" tIns="45720" rIns="91440" bIns="45720" rtlCol="0" anchor="t">
+            <a:normAutofit/>
+          </a:bodyPr>
+          <a:lstStyle/>
+          <a:p>
+            <a:pPr marL="0" indent="0">
+              <a:buNone/>
+            </a:pPr>
+            <a:r>
+              <a:rPr lang="en-US" sz="2200" kern="1200" dirty="0" err="1">
+                <a:solidFill>
+                  <a:srgbClr val="FFFFFF"/>
+                </a:solidFill>
+                <a:latin typeface="+mn-lt"/>
+                <a:ea typeface="+mn-ea"/>
+                <a:cs typeface="+mn-cs"/>
+              </a:rPr>
+              <a:t>Вкладка</a:t>
+            </a:r>
+            <a:r>
+              <a:rPr lang="en-US" sz="2200" kern="1200" dirty="0">
+                <a:solidFill>
+                  <a:srgbClr val="FFFFFF"/>
+                </a:solidFill>
+                <a:latin typeface="+mn-lt"/>
+                <a:ea typeface="+mn-ea"/>
+                <a:cs typeface="+mn-cs"/>
+              </a:rPr>
+              <a:t> </a:t>
+            </a:r>
+            <a:r>
+              <a:rPr lang="en-US" sz="2200" kern="1200" dirty="0" err="1">
+                <a:solidFill>
+                  <a:srgbClr val="FFFFFF"/>
+                </a:solidFill>
+                <a:latin typeface="+mn-lt"/>
+                <a:ea typeface="+mn-ea"/>
+                <a:cs typeface="+mn-cs"/>
+              </a:rPr>
+              <a:t>регистрации</a:t>
+            </a:r>
+            <a:r>
+              <a:rPr lang="en-US" sz="2200" kern="1200" dirty="0">
+                <a:solidFill>
+                  <a:srgbClr val="FFFFFF"/>
+                </a:solidFill>
+                <a:latin typeface="+mn-lt"/>
+                <a:ea typeface="+mn-ea"/>
+                <a:cs typeface="+mn-cs"/>
+              </a:rPr>
+              <a:t>, </a:t>
+            </a:r>
+            <a:r>
+              <a:rPr lang="en-US" sz="2200" kern="1200" dirty="0" err="1">
+                <a:solidFill>
+                  <a:srgbClr val="FFFFFF"/>
+                </a:solidFill>
+                <a:latin typeface="+mn-lt"/>
+                <a:ea typeface="+mn-ea"/>
+                <a:cs typeface="+mn-cs"/>
+              </a:rPr>
+              <a:t>которую</a:t>
+            </a:r>
+            <a:r>
+              <a:rPr lang="en-US" sz="2200" kern="1200" dirty="0">
+                <a:solidFill>
+                  <a:srgbClr val="FFFFFF"/>
+                </a:solidFill>
+                <a:latin typeface="+mn-lt"/>
+                <a:ea typeface="+mn-ea"/>
+                <a:cs typeface="+mn-cs"/>
+              </a:rPr>
+              <a:t> </a:t>
+            </a:r>
+            <a:r>
+              <a:rPr lang="en-US" sz="2200" kern="1200" dirty="0" err="1">
+                <a:solidFill>
+                  <a:srgbClr val="FFFFFF"/>
+                </a:solidFill>
+                <a:latin typeface="+mn-lt"/>
+                <a:ea typeface="+mn-ea"/>
+                <a:cs typeface="+mn-cs"/>
+              </a:rPr>
+              <a:t>необходимо</a:t>
+            </a:r>
+            <a:r>
+              <a:rPr lang="en-US" sz="2200" kern="1200" dirty="0">
+                <a:solidFill>
+                  <a:srgbClr val="FFFFFF"/>
+                </a:solidFill>
+                <a:latin typeface="+mn-lt"/>
+                <a:ea typeface="+mn-ea"/>
+                <a:cs typeface="+mn-cs"/>
+              </a:rPr>
+              <a:t> </a:t>
+            </a:r>
+            <a:r>
+              <a:rPr lang="en-US" sz="2200" kern="1200" dirty="0" err="1">
+                <a:solidFill>
+                  <a:srgbClr val="FFFFFF"/>
+                </a:solidFill>
+                <a:latin typeface="+mn-lt"/>
+                <a:ea typeface="+mn-ea"/>
+                <a:cs typeface="+mn-cs"/>
+              </a:rPr>
+              <a:t>пройти</a:t>
+            </a:r>
+            <a:r>
+              <a:rPr lang="en-US" sz="2200" kern="1200" dirty="0">
+                <a:solidFill>
+                  <a:srgbClr val="FFFFFF"/>
+                </a:solidFill>
+                <a:latin typeface="+mn-lt"/>
+                <a:ea typeface="+mn-ea"/>
+                <a:cs typeface="+mn-cs"/>
+              </a:rPr>
+              <a:t> </a:t>
+            </a:r>
+            <a:r>
+              <a:rPr lang="en-US" sz="2200" kern="1200" dirty="0" err="1">
+                <a:solidFill>
+                  <a:srgbClr val="FFFFFF"/>
+                </a:solidFill>
+                <a:latin typeface="+mn-lt"/>
+                <a:ea typeface="+mn-ea"/>
+                <a:cs typeface="+mn-cs"/>
+              </a:rPr>
+              <a:t>для</a:t>
+            </a:r>
+            <a:r>
+              <a:rPr lang="en-US" sz="2200" kern="1200" dirty="0">
+                <a:solidFill>
+                  <a:srgbClr val="FFFFFF"/>
+                </a:solidFill>
+                <a:latin typeface="+mn-lt"/>
+                <a:ea typeface="+mn-ea"/>
+                <a:cs typeface="+mn-cs"/>
+              </a:rPr>
+              <a:t> </a:t>
+            </a:r>
+            <a:r>
+              <a:rPr lang="en-US" sz="2200" kern="1200" dirty="0" err="1">
+                <a:solidFill>
+                  <a:srgbClr val="FFFFFF"/>
+                </a:solidFill>
+                <a:latin typeface="+mn-lt"/>
+                <a:ea typeface="+mn-ea"/>
+                <a:cs typeface="+mn-cs"/>
+              </a:rPr>
+              <a:t>дальнейшей</a:t>
+            </a:r>
+            <a:r>
+              <a:rPr lang="en-US" sz="2200" kern="1200" dirty="0">
+                <a:solidFill>
+                  <a:srgbClr val="FFFFFF"/>
+                </a:solidFill>
+                <a:latin typeface="+mn-lt"/>
+                <a:ea typeface="+mn-ea"/>
+                <a:cs typeface="+mn-cs"/>
+              </a:rPr>
+              <a:t> </a:t>
+            </a:r>
+            <a:r>
+              <a:rPr lang="en-US" sz="2200" kern="1200" dirty="0" err="1">
+                <a:solidFill>
+                  <a:srgbClr val="FFFFFF"/>
+                </a:solidFill>
+                <a:latin typeface="+mn-lt"/>
+                <a:ea typeface="+mn-ea"/>
+                <a:cs typeface="+mn-cs"/>
+              </a:rPr>
+              <a:t>авторизации</a:t>
+            </a:r>
+            <a:r>
+              <a:rPr lang="en-US" sz="2200" kern="1200" dirty="0">
+                <a:solidFill>
+                  <a:srgbClr val="FFFFFF"/>
+                </a:solidFill>
+                <a:latin typeface="+mn-lt"/>
+                <a:ea typeface="+mn-ea"/>
+                <a:cs typeface="+mn-cs"/>
+              </a:rPr>
+              <a:t>.</a:t>
+            </a:r>
+            <a:r>
+              <a:rPr lang="en-US" sz="2200" dirty="0">
+                <a:solidFill>
+                  <a:srgbClr val="FFFFFF"/>
+                </a:solidFill>
+              </a:rPr>
+              <a:t> </a:t>
+            </a:r>
+            <a:r>
+              <a:rPr lang="en-US" sz="2200" dirty="0" err="1">
+                <a:solidFill>
+                  <a:srgbClr val="FFFFFF"/>
+                </a:solidFill>
+              </a:rPr>
+              <a:t>Также</a:t>
+            </a:r>
+            <a:r>
+              <a:rPr lang="en-US" sz="2200" dirty="0">
+                <a:solidFill>
+                  <a:srgbClr val="FFFFFF"/>
+                </a:solidFill>
+              </a:rPr>
+              <a:t> </a:t>
+            </a:r>
+            <a:r>
+              <a:rPr lang="en-US" sz="2200" dirty="0" err="1">
+                <a:solidFill>
+                  <a:srgbClr val="FFFFFF"/>
+                </a:solidFill>
+              </a:rPr>
+              <a:t>при</a:t>
+            </a:r>
+            <a:r>
+              <a:rPr lang="en-US" sz="2200" dirty="0">
+                <a:solidFill>
+                  <a:srgbClr val="FFFFFF"/>
+                </a:solidFill>
+              </a:rPr>
+              <a:t> </a:t>
+            </a:r>
+            <a:r>
+              <a:rPr lang="en-US" sz="2200" dirty="0" err="1">
+                <a:solidFill>
+                  <a:srgbClr val="FFFFFF"/>
+                </a:solidFill>
+              </a:rPr>
+              <a:t>регистрации</a:t>
+            </a:r>
+            <a:r>
+              <a:rPr lang="en-US" sz="2200" dirty="0">
+                <a:solidFill>
+                  <a:srgbClr val="FFFFFF"/>
+                </a:solidFill>
+              </a:rPr>
+              <a:t> </a:t>
+            </a:r>
+            <a:r>
+              <a:rPr lang="en-US" sz="2200" dirty="0" err="1">
+                <a:solidFill>
+                  <a:srgbClr val="FFFFFF"/>
+                </a:solidFill>
+              </a:rPr>
+              <a:t>на</a:t>
+            </a:r>
+            <a:r>
+              <a:rPr lang="en-US" sz="2200" dirty="0">
+                <a:solidFill>
+                  <a:srgbClr val="FFFFFF"/>
+                </a:solidFill>
+              </a:rPr>
+              <a:t> </a:t>
+            </a:r>
+            <a:r>
+              <a:rPr lang="en-US" sz="2200" dirty="0" err="1">
+                <a:solidFill>
+                  <a:srgbClr val="FFFFFF"/>
+                </a:solidFill>
+              </a:rPr>
+              <a:t>указанный</a:t>
+            </a:r>
+            <a:r>
+              <a:rPr lang="en-US" sz="2200" dirty="0">
+                <a:solidFill>
+                  <a:srgbClr val="FFFFFF"/>
+                </a:solidFill>
+              </a:rPr>
+              <a:t> email </a:t>
+            </a:r>
+            <a:r>
+              <a:rPr lang="en-US" sz="2200" dirty="0" err="1">
+                <a:solidFill>
+                  <a:srgbClr val="FFFFFF"/>
+                </a:solidFill>
+              </a:rPr>
+              <a:t>отправляется</a:t>
+            </a:r>
+            <a:r>
+              <a:rPr lang="en-US" sz="2200" dirty="0">
+                <a:solidFill>
+                  <a:srgbClr val="FFFFFF"/>
+                </a:solidFill>
+              </a:rPr>
+              <a:t> </a:t>
+            </a:r>
+            <a:r>
+              <a:rPr lang="en-US" sz="2200" dirty="0" err="1">
+                <a:solidFill>
+                  <a:srgbClr val="FFFFFF"/>
+                </a:solidFill>
+              </a:rPr>
+              <a:t>приветственное</a:t>
+            </a:r>
+            <a:r>
+              <a:rPr lang="en-US" sz="2200" dirty="0">
+                <a:solidFill>
+                  <a:srgbClr val="FFFFFF"/>
+                </a:solidFill>
+              </a:rPr>
+              <a:t> </a:t>
+            </a:r>
+            <a:r>
+              <a:rPr lang="en-US" sz="2200" dirty="0" err="1">
+                <a:solidFill>
+                  <a:srgbClr val="FFFFFF"/>
+                </a:solidFill>
+              </a:rPr>
+              <a:t>письмо</a:t>
+            </a:r>
+            <a:r>
+              <a:rPr lang="en-US" sz="2200" dirty="0">
+                <a:solidFill>
+                  <a:srgbClr val="FFFFFF"/>
+                </a:solidFill>
+              </a:rPr>
+              <a:t>.</a:t>
+            </a:r>
+            <a:endParaRPr lang="en-US" sz="2200" kern="1200" dirty="0">
+              <a:solidFill>
+                <a:srgbClr val="FFFFFF"/>
+              </a:solidFill>
+              <a:latin typeface="+mn-lt"/>
+              <a:ea typeface="+mn-ea"/>
+              <a:cs typeface="+mn-cs"/>
+            </a:endParaRPr>
+          </a:p>
+        </p:txBody>
+      </p:sp>
+      <p:sp>
+        <p:nvSpPr>
+          <p:cNvPr id="69" name="Oval 68">
+            <a:extLst>
+              <a:ext uri="{FF2B5EF4-FFF2-40B4-BE49-F238E27FC236}">
+                <a16:creationId xmlns:a16="http://schemas.microsoft.com/office/drawing/2014/main" id="{D33F926C-2613-475D-AEE4-CD7D87D3BA2D}"/>
+              </a:ext>
+              <a:ext uri="{C183D7F6-B498-43B3-948B-1728B52AA6E4}">
+                <adec:decorative xmlns:adec="http://schemas.microsoft.com/office/drawing/2017/decorative" val="1"/>
+              </a:ext>
+            </a:extLst>
+          </p:cNvPr>
+          <p:cNvSpPr>
+            <a:spLocks noGrp="1" noRot="1" noChangeAspect="1" noMove="1" noResize="1" noEditPoints="1" noAdjustHandles="1" noChangeArrowheads="1" noChangeShapeType="1" noTextEdit="1"/>
+          </p:cNvSpPr>
+          <p:nvPr>
+            <p:extLst>
+              <p:ext uri="{386F3935-93C4-4BCD-93E2-E3B085C9AB24}">
+                <p16:designElem xmlns:p16="http://schemas.microsoft.com/office/powerpoint/2015/main" val="1"/>
+              </p:ext>
+            </p:extLst>
+          </p:nvPr>
+        </p:nvSpPr>
+        <p:spPr>
+          <a:xfrm rot="16200000">
+            <a:off x="6439622" y="194269"/>
+            <a:ext cx="5760743" cy="5737917"/>
+          </a:xfrm>
+          <a:prstGeom prst="ellipse">
+            <a:avLst/>
+          </a:prstGeom>
+          <a:gradFill>
+            <a:gsLst>
+              <a:gs pos="0">
+                <a:schemeClr val="accent1">
+                  <a:alpha val="20000"/>
+                </a:schemeClr>
+              </a:gs>
+              <a:gs pos="100000">
+                <a:schemeClr val="accent5">
+                  <a:alpha val="40000"/>
+                </a:schemeClr>
+              </a:gs>
+            </a:gsLst>
+            <a:lin ang="2700000" scaled="1"/>
+          </a:gradFill>
+          <a:ln>
+            <a:noFill/>
+          </a:ln>
+          <a:effectLst>
+            <a:softEdge rad="1003300"/>
+          </a:effectLst>
+        </p:spPr>
+        <p:style>
+          <a:lnRef idx="2">
+            <a:schemeClr val="accent1">
+              <a:shade val="50000"/>
+            </a:schemeClr>
+          </a:lnRef>
+          <a:fillRef idx="1">
+            <a:schemeClr val="accent1"/>
+          </a:fillRef>
+          <a:effectRef idx="0">
+            <a:schemeClr val="accent1"/>
+          </a:effectRef>
+          <a:fontRef idx="minor">
+            <a:schemeClr val="lt1"/>
+          </a:fontRef>
+        </p:style>
+        <p:txBody>
+          <a:bodyPr rtlCol="0" anchor="ctr"/>
+          <a:lstStyle/>
+          <a:p>
+            <a:pPr algn="ctr"/>
+            <a:endParaRPr lang="en-US" dirty="0"/>
+          </a:p>
+        </p:txBody>
+      </p:sp>
+      <p:pic>
+        <p:nvPicPr>
+          <p:cNvPr id="5" name="Рисунок 5">
+            <a:extLst>
+              <a:ext uri="{FF2B5EF4-FFF2-40B4-BE49-F238E27FC236}">
+                <a16:creationId xmlns:a16="http://schemas.microsoft.com/office/drawing/2014/main" id="{8E585BA4-F500-8B6B-6D3E-2AD707BF124D}"/>
+              </a:ext>
+            </a:extLst>
+          </p:cNvPr>
+          <p:cNvPicPr>
+            <a:picLocks noChangeAspect="1"/>
+          </p:cNvPicPr>
+          <p:nvPr/>
+        </p:nvPicPr>
+        <p:blipFill>
+          <a:blip r:embed="rId2">
+            <a:alphaModFix amt="80000"/>
+          </a:blip>
+          <a:stretch>
+            <a:fillRect/>
+          </a:stretch>
+        </p:blipFill>
+        <p:spPr>
+          <a:xfrm>
+            <a:off x="5450066" y="1829731"/>
+            <a:ext cx="6261521" cy="3209030"/>
+          </a:xfrm>
+          <a:prstGeom prst="rect">
+            <a:avLst/>
+          </a:prstGeom>
+        </p:spPr>
+      </p:pic>
+    </p:spTree>
+    <p:extLst>
+      <p:ext uri="{BB962C8B-B14F-4D97-AF65-F5344CB8AC3E}">
+        <p14:creationId xmlns:p14="http://schemas.microsoft.com/office/powerpoint/2010/main" val="852647707"/>
+      </p:ext>
+    </p:extLst>
+  </p:cSld>
+  <p:clrMapOvr>
+    <a:masterClrMapping/>
+  </p:clrMapOvr>
+</p:sld>
+</file>
+
+<file path=ppt/slides/slide8.xml><?xml version="1.0" encoding="utf-8"?>
+<p:sld xmlns:a="http://schemas.openxmlformats.org/drawingml/2006/main" xmlns:r="http://schemas.openxmlformats.org/officeDocument/2006/relationships" xmlns:p="http://schemas.openxmlformats.org/presentationml/2006/main">
+  <p:cSld>
+    <p:bg>
+      <p:bgPr>
+        <a:solidFill>
+          <a:schemeClr val="bg1"/>
+        </a:solidFill>
+        <a:effectLst/>
+      </p:bgPr>
+    </p:bg>
+    <p:spTree>
+      <p:nvGrpSpPr>
+        <p:cNvPr id="1" name=""/>
+        <p:cNvGrpSpPr/>
+        <p:nvPr/>
+      </p:nvGrpSpPr>
+      <p:grpSpPr>
+        <a:xfrm>
+          <a:off x="0" y="0"/>
+          <a:ext cx="0" cy="0"/>
+          <a:chOff x="0" y="0"/>
+          <a:chExt cx="0" cy="0"/>
+        </a:xfrm>
+      </p:grpSpPr>
+      <p:sp useBgFill="1">
+        <p:nvSpPr>
+          <p:cNvPr id="23" name="Rectangle 8">
+            <a:extLst>
+              <a:ext uri="{FF2B5EF4-FFF2-40B4-BE49-F238E27FC236}">
+                <a16:creationId xmlns:a16="http://schemas.microsoft.com/office/drawing/2014/main" id="{19B36E71-93BD-4984-AC9C-CC9FB9CC06D6}"/>
+              </a:ext>
+              <a:ext uri="{C183D7F6-B498-43B3-948B-1728B52AA6E4}">
+                <adec:decorative xmlns:adec="http://schemas.microsoft.com/office/drawing/2017/decorative" val="1"/>
+              </a:ext>
+            </a:extLst>
+          </p:cNvPr>
+          <p:cNvSpPr>
+            <a:spLocks noGrp="1" noRot="1" noChangeAspect="1" noMove="1" noResize="1" noEditPoints="1" noAdjustHandles="1" noChangeArrowheads="1" noChangeShapeType="1" noTextEdit="1"/>
+          </p:cNvSpPr>
+          <p:nvPr>
+            <p:extLst>
+              <p:ext uri="{386F3935-93C4-4BCD-93E2-E3B085C9AB24}">
+                <p16:designElem xmlns:p16="http://schemas.microsoft.com/office/powerpoint/2015/main" val="1"/>
+              </p:ext>
+            </p:extLst>
+          </p:nvPr>
+        </p:nvSpPr>
+        <p:spPr>
+          <a:xfrm>
+            <a:off x="0" y="0"/>
+            <a:ext cx="12188952" cy="6858000"/>
+          </a:xfrm>
+          <a:prstGeom prst="rect">
+            <a:avLst/>
+          </a:prstGeom>
+          <a:ln>
+            <a:noFill/>
+          </a:ln>
+        </p:spPr>
+        <p:style>
+          <a:lnRef idx="2">
+            <a:schemeClr val="accent1">
+              <a:shade val="50000"/>
+            </a:schemeClr>
+          </a:lnRef>
+          <a:fillRef idx="1">
+            <a:schemeClr val="accent1"/>
+          </a:fillRef>
+          <a:effectRef idx="0">
+            <a:schemeClr val="accent1"/>
+          </a:effectRef>
+          <a:fontRef idx="minor">
+            <a:schemeClr val="lt1"/>
+          </a:fontRef>
+        </p:style>
+        <p:txBody>
+          <a:bodyPr rtlCol="0" anchor="ctr"/>
+          <a:lstStyle/>
+          <a:p>
+            <a:pPr algn="ctr"/>
+            <a:endParaRPr lang="en-US"/>
+          </a:p>
+        </p:txBody>
+      </p:sp>
+      <p:sp>
+        <p:nvSpPr>
+          <p:cNvPr id="24" name="Rectangle 10">
+            <a:extLst>
+              <a:ext uri="{FF2B5EF4-FFF2-40B4-BE49-F238E27FC236}">
+                <a16:creationId xmlns:a16="http://schemas.microsoft.com/office/drawing/2014/main" id="{3A767031-C99F-4567-B7D9-353331C77909}"/>
+              </a:ext>
+              <a:ext uri="{C183D7F6-B498-43B3-948B-1728B52AA6E4}">
+                <adec:decorative xmlns:adec="http://schemas.microsoft.com/office/drawing/2017/decorative" val="1"/>
+              </a:ext>
+            </a:extLst>
+          </p:cNvPr>
+          <p:cNvSpPr>
+            <a:spLocks noGrp="1" noRot="1" noChangeAspect="1" noMove="1" noResize="1" noEditPoints="1" noAdjustHandles="1" noChangeArrowheads="1" noChangeShapeType="1" noTextEdit="1"/>
+          </p:cNvSpPr>
+          <p:nvPr>
+            <p:extLst>
+              <p:ext uri="{386F3935-93C4-4BCD-93E2-E3B085C9AB24}">
+                <p16:designElem xmlns:p16="http://schemas.microsoft.com/office/powerpoint/2015/main" val="1"/>
+              </p:ext>
+            </p:extLst>
+          </p:nvPr>
+        </p:nvSpPr>
+        <p:spPr>
+          <a:xfrm>
+            <a:off x="0" y="-664"/>
+            <a:ext cx="12188952" cy="6858000"/>
+          </a:xfrm>
+          <a:prstGeom prst="rect">
+            <a:avLst/>
+          </a:prstGeom>
+          <a:gradFill flip="none" rotWithShape="1">
+            <a:gsLst>
+              <a:gs pos="0">
+                <a:schemeClr val="accent2">
+                  <a:alpha val="60000"/>
+                </a:schemeClr>
+              </a:gs>
+              <a:gs pos="100000">
+                <a:schemeClr val="accent1">
+                  <a:alpha val="60000"/>
+                </a:schemeClr>
+              </a:gs>
+            </a:gsLst>
+            <a:lin ang="2700000" scaled="1"/>
+            <a:tileRect/>
+          </a:gradFill>
+          <a:ln>
+            <a:noFill/>
+          </a:ln>
+        </p:spPr>
+        <p:style>
+          <a:lnRef idx="2">
+            <a:schemeClr val="accent1">
+              <a:shade val="50000"/>
+            </a:schemeClr>
+          </a:lnRef>
+          <a:fillRef idx="1">
+            <a:schemeClr val="accent1"/>
+          </a:fillRef>
+          <a:effectRef idx="0">
+            <a:schemeClr val="accent1"/>
+          </a:effectRef>
+          <a:fontRef idx="minor">
+            <a:schemeClr val="lt1"/>
+          </a:fontRef>
+        </p:style>
+        <p:txBody>
+          <a:bodyPr rtlCol="0" anchor="ctr"/>
+          <a:lstStyle/>
+          <a:p>
+            <a:pPr algn="ctr"/>
+            <a:endParaRPr lang="en-US"/>
+          </a:p>
+        </p:txBody>
+      </p:sp>
+      <p:sp>
+        <p:nvSpPr>
+          <p:cNvPr id="25" name="Rectangle 12">
+            <a:extLst>
+              <a:ext uri="{FF2B5EF4-FFF2-40B4-BE49-F238E27FC236}">
+                <a16:creationId xmlns:a16="http://schemas.microsoft.com/office/drawing/2014/main" id="{63FEDEE9-12A6-4011-A532-8071D6086BF8}"/>
+              </a:ext>
+              <a:ext uri="{C183D7F6-B498-43B3-948B-1728B52AA6E4}">
+                <adec:decorative xmlns:adec="http://schemas.microsoft.com/office/drawing/2017/decorative" val="1"/>
+              </a:ext>
+            </a:extLst>
+          </p:cNvPr>
+          <p:cNvSpPr>
+            <a:spLocks noGrp="1" noRot="1" noChangeAspect="1" noMove="1" noResize="1" noEditPoints="1" noAdjustHandles="1" noChangeArrowheads="1" noChangeShapeType="1" noTextEdit="1"/>
+          </p:cNvSpPr>
+          <p:nvPr>
+            <p:extLst>
+              <p:ext uri="{386F3935-93C4-4BCD-93E2-E3B085C9AB24}">
+                <p16:designElem xmlns:p16="http://schemas.microsoft.com/office/powerpoint/2015/main" val="1"/>
+              </p:ext>
+            </p:extLst>
+          </p:nvPr>
+        </p:nvSpPr>
+        <p:spPr>
+          <a:xfrm>
+            <a:off x="0" y="663"/>
+            <a:ext cx="12188952" cy="6858000"/>
+          </a:xfrm>
+          <a:prstGeom prst="rect">
+            <a:avLst/>
+          </a:prstGeom>
+          <a:solidFill>
+            <a:schemeClr val="bg2">
+              <a:alpha val="20000"/>
+            </a:schemeClr>
+          </a:solidFill>
+          <a:ln>
+            <a:noFill/>
+          </a:ln>
+        </p:spPr>
+        <p:style>
+          <a:lnRef idx="2">
+            <a:schemeClr val="accent1">
+              <a:shade val="50000"/>
+            </a:schemeClr>
+          </a:lnRef>
+          <a:fillRef idx="1">
+            <a:schemeClr val="accent1"/>
+          </a:fillRef>
+          <a:effectRef idx="0">
+            <a:schemeClr val="accent1"/>
+          </a:effectRef>
+          <a:fontRef idx="minor">
+            <a:schemeClr val="lt1"/>
+          </a:fontRef>
+        </p:style>
+        <p:txBody>
+          <a:bodyPr rtlCol="0" anchor="ctr"/>
+          <a:lstStyle/>
+          <a:p>
+            <a:pPr algn="ctr"/>
+            <a:endParaRPr lang="en-US" dirty="0"/>
+          </a:p>
+        </p:txBody>
+      </p:sp>
+      <p:sp>
+        <p:nvSpPr>
+          <p:cNvPr id="26" name="Oval 14">
+            <a:extLst>
+              <a:ext uri="{FF2B5EF4-FFF2-40B4-BE49-F238E27FC236}">
+                <a16:creationId xmlns:a16="http://schemas.microsoft.com/office/drawing/2014/main" id="{57C37CE9-19CE-49DF-A887-2214EBB1F097}"/>
+              </a:ext>
+              <a:ext uri="{C183D7F6-B498-43B3-948B-1728B52AA6E4}">
+                <adec:decorative xmlns:adec="http://schemas.microsoft.com/office/drawing/2017/decorative" val="1"/>
+              </a:ext>
+            </a:extLst>
+          </p:cNvPr>
+          <p:cNvSpPr>
+            <a:spLocks noGrp="1" noRot="1" noChangeAspect="1" noMove="1" noResize="1" noEditPoints="1" noAdjustHandles="1" noChangeArrowheads="1" noChangeShapeType="1" noTextEdit="1"/>
+          </p:cNvSpPr>
+          <p:nvPr>
+            <p:extLst>
+              <p:ext uri="{386F3935-93C4-4BCD-93E2-E3B085C9AB24}">
+                <p16:designElem xmlns:p16="http://schemas.microsoft.com/office/powerpoint/2015/main" val="1"/>
+              </p:ext>
+            </p:extLst>
+          </p:nvPr>
+        </p:nvSpPr>
+        <p:spPr>
+          <a:xfrm rot="16200000">
+            <a:off x="2743200" y="0"/>
+            <a:ext cx="6857999" cy="6857998"/>
+          </a:xfrm>
+          <a:prstGeom prst="ellipse">
+            <a:avLst/>
+          </a:prstGeom>
+          <a:gradFill>
+            <a:gsLst>
+              <a:gs pos="0">
+                <a:schemeClr val="accent1">
+                  <a:lumMod val="20000"/>
+                  <a:lumOff val="80000"/>
+                  <a:alpha val="40000"/>
+                </a:schemeClr>
+              </a:gs>
+              <a:gs pos="100000">
+                <a:schemeClr val="accent1">
+                  <a:alpha val="40000"/>
+                </a:schemeClr>
+              </a:gs>
+            </a:gsLst>
+            <a:lin ang="2700000" scaled="1"/>
+          </a:gradFill>
+          <a:ln>
+            <a:noFill/>
+          </a:ln>
+          <a:effectLst>
+            <a:softEdge rad="520700"/>
+          </a:effectLst>
+        </p:spPr>
+        <p:style>
+          <a:lnRef idx="2">
+            <a:schemeClr val="accent1">
+              <a:shade val="50000"/>
+            </a:schemeClr>
+          </a:lnRef>
+          <a:fillRef idx="1">
+            <a:schemeClr val="accent1"/>
+          </a:fillRef>
+          <a:effectRef idx="0">
+            <a:schemeClr val="accent1"/>
+          </a:effectRef>
+          <a:fontRef idx="minor">
+            <a:schemeClr val="lt1"/>
+          </a:fontRef>
+        </p:style>
+        <p:txBody>
+          <a:bodyPr rtlCol="0" anchor="ctr"/>
+          <a:lstStyle/>
+          <a:p>
+            <a:pPr algn="ctr"/>
+            <a:endParaRPr lang="en-US" dirty="0"/>
+          </a:p>
+        </p:txBody>
+      </p:sp>
+      <p:sp>
+        <p:nvSpPr>
+          <p:cNvPr id="27" name="Oval 16">
+            <a:extLst>
+              <a:ext uri="{FF2B5EF4-FFF2-40B4-BE49-F238E27FC236}">
+                <a16:creationId xmlns:a16="http://schemas.microsoft.com/office/drawing/2014/main" id="{7EF84E8E-7E93-4DEE-BCFB-2AE29098B5C3}"/>
+              </a:ext>
+              <a:ext uri="{C183D7F6-B498-43B3-948B-1728B52AA6E4}">
+                <adec:decorative xmlns:adec="http://schemas.microsoft.com/office/drawing/2017/decorative" val="1"/>
+              </a:ext>
+            </a:extLst>
+          </p:cNvPr>
+          <p:cNvSpPr>
+            <a:spLocks noGrp="1" noRot="1" noChangeAspect="1" noMove="1" noResize="1" noEditPoints="1" noAdjustHandles="1" noChangeArrowheads="1" noChangeShapeType="1" noTextEdit="1"/>
+          </p:cNvSpPr>
+          <p:nvPr>
+            <p:extLst>
+              <p:ext uri="{386F3935-93C4-4BCD-93E2-E3B085C9AB24}">
+                <p16:designElem xmlns:p16="http://schemas.microsoft.com/office/powerpoint/2015/main" val="1"/>
+              </p:ext>
+            </p:extLst>
+          </p:nvPr>
+        </p:nvSpPr>
+        <p:spPr>
+          <a:xfrm rot="16200000">
+            <a:off x="73990" y="1194074"/>
+            <a:ext cx="5589934" cy="5737916"/>
+          </a:xfrm>
+          <a:prstGeom prst="ellipse">
+            <a:avLst/>
+          </a:prstGeom>
+          <a:gradFill>
+            <a:gsLst>
+              <a:gs pos="0">
+                <a:schemeClr val="accent1">
+                  <a:alpha val="40000"/>
+                </a:schemeClr>
+              </a:gs>
+              <a:gs pos="100000">
+                <a:schemeClr val="accent5">
+                  <a:alpha val="20000"/>
+                </a:schemeClr>
+              </a:gs>
+            </a:gsLst>
+            <a:lin ang="2700000" scaled="1"/>
+          </a:gradFill>
+          <a:ln>
+            <a:noFill/>
+          </a:ln>
+          <a:effectLst>
+            <a:softEdge rad="952500"/>
+          </a:effectLst>
+        </p:spPr>
+        <p:style>
+          <a:lnRef idx="2">
+            <a:schemeClr val="accent1">
+              <a:shade val="50000"/>
+            </a:schemeClr>
+          </a:lnRef>
+          <a:fillRef idx="1">
+            <a:schemeClr val="accent1"/>
+          </a:fillRef>
+          <a:effectRef idx="0">
+            <a:schemeClr val="accent1"/>
+          </a:effectRef>
+          <a:fontRef idx="minor">
+            <a:schemeClr val="lt1"/>
+          </a:fontRef>
+        </p:style>
+        <p:txBody>
+          <a:bodyPr rtlCol="0" anchor="ctr"/>
+          <a:lstStyle/>
+          <a:p>
+            <a:pPr algn="ctr"/>
+            <a:endParaRPr lang="en-US" dirty="0"/>
+          </a:p>
+        </p:txBody>
+      </p:sp>
+      <p:sp>
+        <p:nvSpPr>
+          <p:cNvPr id="2" name="Заголовок 1">
+            <a:extLst>
+              <a:ext uri="{FF2B5EF4-FFF2-40B4-BE49-F238E27FC236}">
+                <a16:creationId xmlns:a16="http://schemas.microsoft.com/office/drawing/2014/main" id="{E0EDAF0C-F00B-9480-BB42-DE03134650B9}"/>
+              </a:ext>
+            </a:extLst>
+          </p:cNvPr>
+          <p:cNvSpPr>
+            <a:spLocks noGrp="1"/>
+          </p:cNvSpPr>
+          <p:nvPr>
+            <p:ph type="title"/>
+          </p:nvPr>
+        </p:nvSpPr>
+        <p:spPr>
+          <a:xfrm>
+            <a:off x="838199" y="3899661"/>
+            <a:ext cx="5257801" cy="2398029"/>
+          </a:xfrm>
+        </p:spPr>
+        <p:txBody>
+          <a:bodyPr anchor="t">
+            <a:normAutofit/>
+          </a:bodyPr>
+          <a:lstStyle/>
+          <a:p>
+            <a:r>
+              <a:rPr lang="ru-RU" sz="4400">
+                <a:solidFill>
+                  <a:srgbClr val="FFFFFF"/>
+                </a:solidFill>
+                <a:cs typeface="Angsana New"/>
+              </a:rPr>
+              <a:t>Авторизация</a:t>
+            </a:r>
+            <a:endParaRPr lang="ru-RU" sz="4400">
+              <a:solidFill>
+                <a:srgbClr val="FFFFFF"/>
+              </a:solidFill>
+            </a:endParaRPr>
+          </a:p>
+        </p:txBody>
+      </p:sp>
+      <p:sp>
+        <p:nvSpPr>
+          <p:cNvPr id="28" name="Oval 18">
+            <a:extLst>
+              <a:ext uri="{FF2B5EF4-FFF2-40B4-BE49-F238E27FC236}">
+                <a16:creationId xmlns:a16="http://schemas.microsoft.com/office/drawing/2014/main" id="{9046502B-E9B6-4225-B8EE-BC5D644686B0}"/>
+              </a:ext>
+              <a:ext uri="{C183D7F6-B498-43B3-948B-1728B52AA6E4}">
+                <adec:decorative xmlns:adec="http://schemas.microsoft.com/office/drawing/2017/decorative" val="1"/>
+              </a:ext>
+            </a:extLst>
+          </p:cNvPr>
+          <p:cNvSpPr>
+            <a:spLocks noGrp="1" noRot="1" noChangeAspect="1" noMove="1" noResize="1" noEditPoints="1" noAdjustHandles="1" noChangeArrowheads="1" noChangeShapeType="1" noTextEdit="1"/>
+          </p:cNvSpPr>
+          <p:nvPr>
+            <p:extLst>
+              <p:ext uri="{386F3935-93C4-4BCD-93E2-E3B085C9AB24}">
+                <p16:designElem xmlns:p16="http://schemas.microsoft.com/office/powerpoint/2015/main" val="1"/>
+              </p:ext>
+            </p:extLst>
+          </p:nvPr>
+        </p:nvSpPr>
+        <p:spPr>
+          <a:xfrm rot="16200000">
+            <a:off x="6439622" y="194269"/>
+            <a:ext cx="5760743" cy="5737917"/>
+          </a:xfrm>
+          <a:prstGeom prst="ellipse">
+            <a:avLst/>
+          </a:prstGeom>
+          <a:gradFill>
+            <a:gsLst>
+              <a:gs pos="0">
+                <a:schemeClr val="accent1">
+                  <a:alpha val="20000"/>
+                </a:schemeClr>
+              </a:gs>
+              <a:gs pos="100000">
+                <a:schemeClr val="accent5">
+                  <a:alpha val="40000"/>
+                </a:schemeClr>
+              </a:gs>
+            </a:gsLst>
+            <a:lin ang="2700000" scaled="1"/>
+          </a:gradFill>
+          <a:ln>
+            <a:noFill/>
+          </a:ln>
+          <a:effectLst>
+            <a:softEdge rad="1003300"/>
+          </a:effectLst>
+        </p:spPr>
+        <p:style>
+          <a:lnRef idx="2">
+            <a:schemeClr val="accent1">
+              <a:shade val="50000"/>
+            </a:schemeClr>
+          </a:lnRef>
+          <a:fillRef idx="1">
+            <a:schemeClr val="accent1"/>
+          </a:fillRef>
+          <a:effectRef idx="0">
+            <a:schemeClr val="accent1"/>
+          </a:effectRef>
+          <a:fontRef idx="minor">
+            <a:schemeClr val="lt1"/>
+          </a:fontRef>
+        </p:style>
+        <p:txBody>
+          <a:bodyPr rtlCol="0" anchor="ctr"/>
+          <a:lstStyle/>
+          <a:p>
+            <a:pPr algn="ctr"/>
+            <a:endParaRPr lang="en-US" dirty="0"/>
+          </a:p>
+        </p:txBody>
+      </p:sp>
+      <p:pic>
+        <p:nvPicPr>
+          <p:cNvPr id="4" name="Рисунок 4">
+            <a:extLst>
+              <a:ext uri="{FF2B5EF4-FFF2-40B4-BE49-F238E27FC236}">
+                <a16:creationId xmlns:a16="http://schemas.microsoft.com/office/drawing/2014/main" id="{8E3EBA55-B611-1809-B947-CE7D092893E5}"/>
+              </a:ext>
+            </a:extLst>
+          </p:cNvPr>
+          <p:cNvPicPr>
+            <a:picLocks noChangeAspect="1"/>
+          </p:cNvPicPr>
+          <p:nvPr/>
+        </p:nvPicPr>
+        <p:blipFill>
+          <a:blip r:embed="rId2">
+            <a:alphaModFix amt="80000"/>
+          </a:blip>
+          <a:stretch>
+            <a:fillRect/>
+          </a:stretch>
+        </p:blipFill>
+        <p:spPr>
+          <a:xfrm>
+            <a:off x="609250" y="429341"/>
+            <a:ext cx="10973500" cy="2551339"/>
+          </a:xfrm>
+          <a:prstGeom prst="rect">
+            <a:avLst/>
+          </a:prstGeom>
+        </p:spPr>
+      </p:pic>
+      <p:sp>
+        <p:nvSpPr>
+          <p:cNvPr id="3" name="Объект 2">
+            <a:extLst>
+              <a:ext uri="{FF2B5EF4-FFF2-40B4-BE49-F238E27FC236}">
+                <a16:creationId xmlns:a16="http://schemas.microsoft.com/office/drawing/2014/main" id="{EBE1ADB7-FE3E-0E25-A0AD-159D8DADF68C}"/>
+              </a:ext>
+            </a:extLst>
+          </p:cNvPr>
+          <p:cNvSpPr>
+            <a:spLocks noGrp="1"/>
+          </p:cNvSpPr>
+          <p:nvPr>
+            <p:ph idx="1"/>
+          </p:nvPr>
+        </p:nvSpPr>
+        <p:spPr>
+          <a:xfrm>
+            <a:off x="6158576" y="3899662"/>
+            <a:ext cx="5195224" cy="2398029"/>
+          </a:xfrm>
+        </p:spPr>
+        <p:txBody>
+          <a:bodyPr vert="horz" lIns="91440" tIns="45720" rIns="91440" bIns="45720" rtlCol="0" anchor="t">
+            <a:normAutofit/>
+          </a:bodyPr>
+          <a:lstStyle/>
+          <a:p>
+            <a:pPr marL="228600" indent="0">
+              <a:buNone/>
+            </a:pPr>
+            <a:r>
+              <a:rPr lang="ru-RU" sz="1800" dirty="0">
+                <a:solidFill>
+                  <a:srgbClr val="FFFFFF"/>
+                </a:solidFill>
+              </a:rPr>
+              <a:t>На этой вкладке необходимо авторизоваться, чтобы пользоваться возможностями сайта в полной мере. После авторизации в правом верхнем углу будет отображаться имя авторизовавшегося пользователя, при нажатии на которое будет произведён выход из аккаунта.</a:t>
+            </a:r>
+          </a:p>
+        </p:txBody>
+      </p:sp>
+    </p:spTree>
+    <p:extLst>
+      <p:ext uri="{BB962C8B-B14F-4D97-AF65-F5344CB8AC3E}">
+        <p14:creationId xmlns:p14="http://schemas.microsoft.com/office/powerpoint/2010/main" val="822071528"/>
+      </p:ext>
+    </p:extLst>
+  </p:cSld>
+  <p:clrMapOvr>
+    <a:masterClrMapping/>
+  </p:clrMapOvr>
+</p:sld>
+</file>
+
+<file path=ppt/slides/slide9.xml><?xml version="1.0" encoding="utf-8"?>
+<p:sld xmlns:a="http://schemas.openxmlformats.org/drawingml/2006/main" xmlns:r="http://schemas.openxmlformats.org/officeDocument/2006/relationships" xmlns:p="http://schemas.openxmlformats.org/presentationml/2006/main">
+  <p:cSld>
+    <p:bg>
+      <p:bgPr>
+        <a:solidFill>
+          <a:schemeClr val="bg1"/>
+        </a:solidFill>
+        <a:effectLst/>
+      </p:bgPr>
+    </p:bg>
+    <p:spTree>
+      <p:nvGrpSpPr>
+        <p:cNvPr id="1" name=""/>
+        <p:cNvGrpSpPr/>
+        <p:nvPr/>
+      </p:nvGrpSpPr>
+      <p:grpSpPr>
+        <a:xfrm>
+          <a:off x="0" y="0"/>
+          <a:ext cx="0" cy="0"/>
+          <a:chOff x="0" y="0"/>
+          <a:chExt cx="0" cy="0"/>
+        </a:xfrm>
+      </p:grpSpPr>
+      <p:sp useBgFill="1">
+        <p:nvSpPr>
+          <p:cNvPr id="9" name="Rectangle 8">
+            <a:extLst>
+              <a:ext uri="{FF2B5EF4-FFF2-40B4-BE49-F238E27FC236}">
+                <a16:creationId xmlns:a16="http://schemas.microsoft.com/office/drawing/2014/main" id="{19B36E71-93BD-4984-AC9C-CC9FB9CC06D6}"/>
+              </a:ext>
+              <a:ext uri="{C183D7F6-B498-43B3-948B-1728B52AA6E4}">
+                <adec:decorative xmlns:adec="http://schemas.microsoft.com/office/drawing/2017/decorative" val="1"/>
+              </a:ext>
+            </a:extLst>
+          </p:cNvPr>
+          <p:cNvSpPr>
+            <a:spLocks noGrp="1" noRot="1" noChangeAspect="1" noMove="1" noResize="1" noEditPoints="1" noAdjustHandles="1" noChangeArrowheads="1" noChangeShapeType="1" noTextEdit="1"/>
+          </p:cNvSpPr>
+          <p:nvPr>
+            <p:extLst>
+              <p:ext uri="{386F3935-93C4-4BCD-93E2-E3B085C9AB24}">
+                <p16:designElem xmlns:p16="http://schemas.microsoft.com/office/powerpoint/2015/main" val="1"/>
+              </p:ext>
+            </p:extLst>
+          </p:nvPr>
+        </p:nvSpPr>
+        <p:spPr>
+          <a:xfrm>
+            <a:off x="0" y="0"/>
+            <a:ext cx="12188952" cy="6858000"/>
+          </a:xfrm>
+          <a:prstGeom prst="rect">
+            <a:avLst/>
+          </a:prstGeom>
+          <a:ln>
+            <a:noFill/>
+          </a:ln>
+        </p:spPr>
+        <p:style>
+          <a:lnRef idx="2">
+            <a:schemeClr val="accent1">
+              <a:shade val="50000"/>
+            </a:schemeClr>
+          </a:lnRef>
+          <a:fillRef idx="1">
+            <a:schemeClr val="accent1"/>
+          </a:fillRef>
+          <a:effectRef idx="0">
+            <a:schemeClr val="accent1"/>
+          </a:effectRef>
+          <a:fontRef idx="minor">
+            <a:schemeClr val="lt1"/>
+          </a:fontRef>
+        </p:style>
+        <p:txBody>
+          <a:bodyPr rtlCol="0" anchor="ctr"/>
+          <a:lstStyle/>
+          <a:p>
+            <a:pPr algn="ctr"/>
+            <a:endParaRPr lang="en-US"/>
+          </a:p>
+        </p:txBody>
+      </p:sp>
+      <p:sp>
+        <p:nvSpPr>
+          <p:cNvPr id="11" name="Rectangle 10">
+            <a:extLst>
+              <a:ext uri="{FF2B5EF4-FFF2-40B4-BE49-F238E27FC236}">
+                <a16:creationId xmlns:a16="http://schemas.microsoft.com/office/drawing/2014/main" id="{3A767031-C99F-4567-B7D9-353331C77909}"/>
+              </a:ext>
+              <a:ext uri="{C183D7F6-B498-43B3-948B-1728B52AA6E4}">
+                <adec:decorative xmlns:adec="http://schemas.microsoft.com/office/drawing/2017/decorative" val="1"/>
+              </a:ext>
+            </a:extLst>
+          </p:cNvPr>
+          <p:cNvSpPr>
+            <a:spLocks noGrp="1" noRot="1" noChangeAspect="1" noMove="1" noResize="1" noEditPoints="1" noAdjustHandles="1" noChangeArrowheads="1" noChangeShapeType="1" noTextEdit="1"/>
+          </p:cNvSpPr>
+          <p:nvPr>
+            <p:extLst>
+              <p:ext uri="{386F3935-93C4-4BCD-93E2-E3B085C9AB24}">
+                <p16:designElem xmlns:p16="http://schemas.microsoft.com/office/powerpoint/2015/main" val="1"/>
+              </p:ext>
+            </p:extLst>
+          </p:nvPr>
+        </p:nvSpPr>
+        <p:spPr>
+          <a:xfrm>
+            <a:off x="0" y="-664"/>
+            <a:ext cx="12188952" cy="6858000"/>
+          </a:xfrm>
+          <a:prstGeom prst="rect">
+            <a:avLst/>
+          </a:prstGeom>
+          <a:gradFill flip="none" rotWithShape="1">
+            <a:gsLst>
+              <a:gs pos="0">
+                <a:schemeClr val="accent2">
+                  <a:alpha val="60000"/>
+                </a:schemeClr>
+              </a:gs>
+              <a:gs pos="100000">
+                <a:schemeClr val="accent1">
+                  <a:alpha val="60000"/>
+                </a:schemeClr>
+              </a:gs>
+            </a:gsLst>
+            <a:lin ang="2700000" scaled="1"/>
+            <a:tileRect/>
+          </a:gradFill>
+          <a:ln>
+            <a:noFill/>
+          </a:ln>
+        </p:spPr>
+        <p:style>
+          <a:lnRef idx="2">
+            <a:schemeClr val="accent1">
+              <a:shade val="50000"/>
+            </a:schemeClr>
+          </a:lnRef>
+          <a:fillRef idx="1">
+            <a:schemeClr val="accent1"/>
+          </a:fillRef>
+          <a:effectRef idx="0">
+            <a:schemeClr val="accent1"/>
+          </a:effectRef>
+          <a:fontRef idx="minor">
+            <a:schemeClr val="lt1"/>
+          </a:fontRef>
+        </p:style>
+        <p:txBody>
+          <a:bodyPr rtlCol="0" anchor="ctr"/>
+          <a:lstStyle/>
+          <a:p>
+            <a:pPr algn="ctr"/>
+            <a:endParaRPr lang="en-US"/>
+          </a:p>
+        </p:txBody>
+      </p:sp>
+      <p:sp>
+        <p:nvSpPr>
+          <p:cNvPr id="13" name="Rectangle 12">
+            <a:extLst>
+              <a:ext uri="{FF2B5EF4-FFF2-40B4-BE49-F238E27FC236}">
+                <a16:creationId xmlns:a16="http://schemas.microsoft.com/office/drawing/2014/main" id="{63FEDEE9-12A6-4011-A532-8071D6086BF8}"/>
+              </a:ext>
+              <a:ext uri="{C183D7F6-B498-43B3-948B-1728B52AA6E4}">
+                <adec:decorative xmlns:adec="http://schemas.microsoft.com/office/drawing/2017/decorative" val="1"/>
+              </a:ext>
+            </a:extLst>
+          </p:cNvPr>
+          <p:cNvSpPr>
+            <a:spLocks noGrp="1" noRot="1" noChangeAspect="1" noMove="1" noResize="1" noEditPoints="1" noAdjustHandles="1" noChangeArrowheads="1" noChangeShapeType="1" noTextEdit="1"/>
+          </p:cNvSpPr>
+          <p:nvPr>
+            <p:extLst>
+              <p:ext uri="{386F3935-93C4-4BCD-93E2-E3B085C9AB24}">
+                <p16:designElem xmlns:p16="http://schemas.microsoft.com/office/powerpoint/2015/main" val="1"/>
+              </p:ext>
+            </p:extLst>
+          </p:nvPr>
+        </p:nvSpPr>
+        <p:spPr>
+          <a:xfrm>
+            <a:off x="0" y="663"/>
+            <a:ext cx="12188952" cy="6858000"/>
+          </a:xfrm>
+          <a:prstGeom prst="rect">
+            <a:avLst/>
+          </a:prstGeom>
+          <a:solidFill>
+            <a:schemeClr val="bg2">
+              <a:alpha val="20000"/>
+            </a:schemeClr>
+          </a:solidFill>
+          <a:ln>
+            <a:noFill/>
+          </a:ln>
+        </p:spPr>
+        <p:style>
+          <a:lnRef idx="2">
+            <a:schemeClr val="accent1">
+              <a:shade val="50000"/>
+            </a:schemeClr>
+          </a:lnRef>
+          <a:fillRef idx="1">
+            <a:schemeClr val="accent1"/>
+          </a:fillRef>
+          <a:effectRef idx="0">
+            <a:schemeClr val="accent1"/>
+          </a:effectRef>
+          <a:fontRef idx="minor">
+            <a:schemeClr val="lt1"/>
+          </a:fontRef>
+        </p:style>
+        <p:txBody>
+          <a:bodyPr rtlCol="0" anchor="ctr"/>
+          <a:lstStyle/>
+          <a:p>
+            <a:pPr algn="ctr"/>
+            <a:endParaRPr lang="en-US" dirty="0"/>
+          </a:p>
+        </p:txBody>
+      </p:sp>
+      <p:sp>
+        <p:nvSpPr>
+          <p:cNvPr id="15" name="Oval 14">
+            <a:extLst>
+              <a:ext uri="{FF2B5EF4-FFF2-40B4-BE49-F238E27FC236}">
+                <a16:creationId xmlns:a16="http://schemas.microsoft.com/office/drawing/2014/main" id="{57C37CE9-19CE-49DF-A887-2214EBB1F097}"/>
+              </a:ext>
+              <a:ext uri="{C183D7F6-B498-43B3-948B-1728B52AA6E4}">
+                <adec:decorative xmlns:adec="http://schemas.microsoft.com/office/drawing/2017/decorative" val="1"/>
+              </a:ext>
+            </a:extLst>
+          </p:cNvPr>
+          <p:cNvSpPr>
+            <a:spLocks noGrp="1" noRot="1" noChangeAspect="1" noMove="1" noResize="1" noEditPoints="1" noAdjustHandles="1" noChangeArrowheads="1" noChangeShapeType="1" noTextEdit="1"/>
+          </p:cNvSpPr>
+          <p:nvPr>
+            <p:extLst>
+              <p:ext uri="{386F3935-93C4-4BCD-93E2-E3B085C9AB24}">
+                <p16:designElem xmlns:p16="http://schemas.microsoft.com/office/powerpoint/2015/main" val="1"/>
+              </p:ext>
+            </p:extLst>
+          </p:nvPr>
+        </p:nvSpPr>
+        <p:spPr>
+          <a:xfrm rot="16200000">
+            <a:off x="2743200" y="0"/>
+            <a:ext cx="6857999" cy="6857998"/>
+          </a:xfrm>
+          <a:prstGeom prst="ellipse">
+            <a:avLst/>
+          </a:prstGeom>
+          <a:gradFill>
+            <a:gsLst>
+              <a:gs pos="0">
+                <a:schemeClr val="accent1">
+                  <a:lumMod val="20000"/>
+                  <a:lumOff val="80000"/>
+                  <a:alpha val="40000"/>
+                </a:schemeClr>
+              </a:gs>
+              <a:gs pos="100000">
+                <a:schemeClr val="accent1">
+                  <a:alpha val="40000"/>
+                </a:schemeClr>
+              </a:gs>
+            </a:gsLst>
+            <a:lin ang="2700000" scaled="1"/>
+          </a:gradFill>
+          <a:ln>
+            <a:noFill/>
+          </a:ln>
+          <a:effectLst>
+            <a:softEdge rad="520700"/>
+          </a:effectLst>
+        </p:spPr>
+        <p:style>
+          <a:lnRef idx="2">
+            <a:schemeClr val="accent1">
+              <a:shade val="50000"/>
+            </a:schemeClr>
+          </a:lnRef>
+          <a:fillRef idx="1">
+            <a:schemeClr val="accent1"/>
+          </a:fillRef>
+          <a:effectRef idx="0">
+            <a:schemeClr val="accent1"/>
+          </a:effectRef>
+          <a:fontRef idx="minor">
+            <a:schemeClr val="lt1"/>
+          </a:fontRef>
+        </p:style>
+        <p:txBody>
+          <a:bodyPr rtlCol="0" anchor="ctr"/>
+          <a:lstStyle/>
+          <a:p>
+            <a:pPr algn="ctr"/>
+            <a:endParaRPr lang="en-US" dirty="0"/>
+          </a:p>
+        </p:txBody>
+      </p:sp>
+      <p:sp>
+        <p:nvSpPr>
+          <p:cNvPr id="17" name="Oval 16">
+            <a:extLst>
+              <a:ext uri="{FF2B5EF4-FFF2-40B4-BE49-F238E27FC236}">
+                <a16:creationId xmlns:a16="http://schemas.microsoft.com/office/drawing/2014/main" id="{7EF84E8E-7E93-4DEE-BCFB-2AE29098B5C3}"/>
+              </a:ext>
+              <a:ext uri="{C183D7F6-B498-43B3-948B-1728B52AA6E4}">
+                <adec:decorative xmlns:adec="http://schemas.microsoft.com/office/drawing/2017/decorative" val="1"/>
+              </a:ext>
+            </a:extLst>
+          </p:cNvPr>
+          <p:cNvSpPr>
+            <a:spLocks noGrp="1" noRot="1" noChangeAspect="1" noMove="1" noResize="1" noEditPoints="1" noAdjustHandles="1" noChangeArrowheads="1" noChangeShapeType="1" noTextEdit="1"/>
+          </p:cNvSpPr>
+          <p:nvPr>
+            <p:extLst>
+              <p:ext uri="{386F3935-93C4-4BCD-93E2-E3B085C9AB24}">
+                <p16:designElem xmlns:p16="http://schemas.microsoft.com/office/powerpoint/2015/main" val="1"/>
+              </p:ext>
+            </p:extLst>
+          </p:nvPr>
+        </p:nvSpPr>
+        <p:spPr>
+          <a:xfrm rot="16200000">
+            <a:off x="73990" y="1194074"/>
+            <a:ext cx="5589934" cy="5737916"/>
+          </a:xfrm>
+          <a:prstGeom prst="ellipse">
+            <a:avLst/>
+          </a:prstGeom>
+          <a:gradFill>
+            <a:gsLst>
+              <a:gs pos="0">
+                <a:schemeClr val="accent1">
+                  <a:alpha val="40000"/>
+                </a:schemeClr>
+              </a:gs>
+              <a:gs pos="100000">
+                <a:schemeClr val="accent5">
+                  <a:alpha val="20000"/>
+                </a:schemeClr>
+              </a:gs>
+            </a:gsLst>
+            <a:lin ang="2700000" scaled="1"/>
+          </a:gradFill>
+          <a:ln>
+            <a:noFill/>
+          </a:ln>
+          <a:effectLst>
+            <a:softEdge rad="952500"/>
+          </a:effectLst>
+        </p:spPr>
+        <p:style>
+          <a:lnRef idx="2">
+            <a:schemeClr val="accent1">
+              <a:shade val="50000"/>
+            </a:schemeClr>
+          </a:lnRef>
+          <a:fillRef idx="1">
+            <a:schemeClr val="accent1"/>
+          </a:fillRef>
+          <a:effectRef idx="0">
+            <a:schemeClr val="accent1"/>
+          </a:effectRef>
+          <a:fontRef idx="minor">
+            <a:schemeClr val="lt1"/>
+          </a:fontRef>
+        </p:style>
+        <p:txBody>
+          <a:bodyPr rtlCol="0" anchor="ctr"/>
+          <a:lstStyle/>
+          <a:p>
+            <a:pPr algn="ctr"/>
+            <a:endParaRPr lang="en-US" dirty="0"/>
+          </a:p>
+        </p:txBody>
+      </p:sp>
+      <p:sp>
+        <p:nvSpPr>
+          <p:cNvPr id="2" name="Заголовок 1">
+            <a:extLst>
+              <a:ext uri="{FF2B5EF4-FFF2-40B4-BE49-F238E27FC236}">
+                <a16:creationId xmlns:a16="http://schemas.microsoft.com/office/drawing/2014/main" id="{D4BDEA98-6938-2119-DEDC-31D4B5275A7E}"/>
+              </a:ext>
+            </a:extLst>
+          </p:cNvPr>
+          <p:cNvSpPr>
+            <a:spLocks noGrp="1"/>
+          </p:cNvSpPr>
+          <p:nvPr>
+            <p:ph type="title"/>
+          </p:nvPr>
+        </p:nvSpPr>
+        <p:spPr>
+          <a:xfrm>
+            <a:off x="838199" y="3899661"/>
+            <a:ext cx="5257801" cy="2398029"/>
+          </a:xfrm>
+        </p:spPr>
+        <p:txBody>
+          <a:bodyPr anchor="t">
+            <a:normAutofit/>
+          </a:bodyPr>
+          <a:lstStyle/>
+          <a:p>
+            <a:r>
+              <a:rPr lang="ru-RU" sz="4400">
+                <a:solidFill>
+                  <a:srgbClr val="FFFFFF"/>
+                </a:solidFill>
+                <a:cs typeface="Angsana New"/>
+              </a:rPr>
+              <a:t>Персонал</a:t>
+            </a:r>
+            <a:endParaRPr lang="ru-RU" sz="4400">
+              <a:solidFill>
+                <a:srgbClr val="FFFFFF"/>
+              </a:solidFill>
+            </a:endParaRPr>
+          </a:p>
+        </p:txBody>
+      </p:sp>
+      <p:sp>
+        <p:nvSpPr>
+          <p:cNvPr id="19" name="Oval 18">
+            <a:extLst>
+              <a:ext uri="{FF2B5EF4-FFF2-40B4-BE49-F238E27FC236}">
+                <a16:creationId xmlns:a16="http://schemas.microsoft.com/office/drawing/2014/main" id="{9046502B-E9B6-4225-B8EE-BC5D644686B0}"/>
+              </a:ext>
+              <a:ext uri="{C183D7F6-B498-43B3-948B-1728B52AA6E4}">
+                <adec:decorative xmlns:adec="http://schemas.microsoft.com/office/drawing/2017/decorative" val="1"/>
+              </a:ext>
+            </a:extLst>
+          </p:cNvPr>
+          <p:cNvSpPr>
+            <a:spLocks noGrp="1" noRot="1" noChangeAspect="1" noMove="1" noResize="1" noEditPoints="1" noAdjustHandles="1" noChangeArrowheads="1" noChangeShapeType="1" noTextEdit="1"/>
+          </p:cNvSpPr>
+          <p:nvPr>
+            <p:extLst>
+              <p:ext uri="{386F3935-93C4-4BCD-93E2-E3B085C9AB24}">
+                <p16:designElem xmlns:p16="http://schemas.microsoft.com/office/powerpoint/2015/main" val="1"/>
+              </p:ext>
+            </p:extLst>
+          </p:nvPr>
+        </p:nvSpPr>
+        <p:spPr>
+          <a:xfrm rot="16200000">
+            <a:off x="6439622" y="194269"/>
+            <a:ext cx="5760743" cy="5737917"/>
+          </a:xfrm>
+          <a:prstGeom prst="ellipse">
+            <a:avLst/>
+          </a:prstGeom>
+          <a:gradFill>
+            <a:gsLst>
+              <a:gs pos="0">
+                <a:schemeClr val="accent1">
+                  <a:alpha val="20000"/>
+                </a:schemeClr>
+              </a:gs>
+              <a:gs pos="100000">
+                <a:schemeClr val="accent5">
+                  <a:alpha val="40000"/>
+                </a:schemeClr>
+              </a:gs>
+            </a:gsLst>
+            <a:lin ang="2700000" scaled="1"/>
+          </a:gradFill>
+          <a:ln>
+            <a:noFill/>
+          </a:ln>
+          <a:effectLst>
+            <a:softEdge rad="1003300"/>
+          </a:effectLst>
+        </p:spPr>
+        <p:style>
+          <a:lnRef idx="2">
+            <a:schemeClr val="accent1">
+              <a:shade val="50000"/>
+            </a:schemeClr>
+          </a:lnRef>
+          <a:fillRef idx="1">
+            <a:schemeClr val="accent1"/>
+          </a:fillRef>
+          <a:effectRef idx="0">
+            <a:schemeClr val="accent1"/>
+          </a:effectRef>
+          <a:fontRef idx="minor">
+            <a:schemeClr val="lt1"/>
+          </a:fontRef>
+        </p:style>
+        <p:txBody>
+          <a:bodyPr rtlCol="0" anchor="ctr"/>
+          <a:lstStyle/>
+          <a:p>
+            <a:pPr algn="ctr"/>
+            <a:endParaRPr lang="en-US" dirty="0"/>
+          </a:p>
+        </p:txBody>
+      </p:sp>
+      <p:pic>
+        <p:nvPicPr>
+          <p:cNvPr id="4" name="Рисунок 4">
+            <a:extLst>
+              <a:ext uri="{FF2B5EF4-FFF2-40B4-BE49-F238E27FC236}">
+                <a16:creationId xmlns:a16="http://schemas.microsoft.com/office/drawing/2014/main" id="{D466A794-A2BA-DD18-94B3-122B7FB461FD}"/>
+              </a:ext>
+            </a:extLst>
+          </p:cNvPr>
+          <p:cNvPicPr>
+            <a:picLocks noChangeAspect="1"/>
+          </p:cNvPicPr>
+          <p:nvPr/>
+        </p:nvPicPr>
+        <p:blipFill>
+          <a:blip r:embed="rId2">
+            <a:alphaModFix amt="80000"/>
+          </a:blip>
+          <a:stretch>
+            <a:fillRect/>
+          </a:stretch>
+        </p:blipFill>
+        <p:spPr>
+          <a:xfrm>
+            <a:off x="609250" y="429341"/>
+            <a:ext cx="10973500" cy="1892926"/>
+          </a:xfrm>
+          <a:prstGeom prst="rect">
+            <a:avLst/>
+          </a:prstGeom>
+        </p:spPr>
+      </p:pic>
+      <p:sp>
+        <p:nvSpPr>
+          <p:cNvPr id="3" name="Объект 2">
+            <a:extLst>
+              <a:ext uri="{FF2B5EF4-FFF2-40B4-BE49-F238E27FC236}">
+                <a16:creationId xmlns:a16="http://schemas.microsoft.com/office/drawing/2014/main" id="{098F61FB-62DE-4CF0-5015-013C807E75F4}"/>
+              </a:ext>
+            </a:extLst>
+          </p:cNvPr>
+          <p:cNvSpPr>
+            <a:spLocks noGrp="1"/>
+          </p:cNvSpPr>
+          <p:nvPr>
+            <p:ph idx="1"/>
+          </p:nvPr>
+        </p:nvSpPr>
+        <p:spPr>
+          <a:xfrm>
+            <a:off x="6158576" y="3899662"/>
+            <a:ext cx="5195224" cy="2398029"/>
+          </a:xfrm>
+        </p:spPr>
+        <p:txBody>
+          <a:bodyPr vert="horz" lIns="91440" tIns="45720" rIns="91440" bIns="45720" rtlCol="0" anchor="t">
+            <a:normAutofit/>
+          </a:bodyPr>
+          <a:lstStyle/>
+          <a:p>
+            <a:pPr marL="228600" indent="0">
+              <a:buNone/>
+            </a:pPr>
+            <a:r>
+              <a:rPr lang="ru-RU" sz="1800">
+                <a:solidFill>
+                  <a:srgbClr val="FFFFFF"/>
+                </a:solidFill>
+              </a:rPr>
+              <a:t>На этой вкладке можно просматривать персонал школы, а также, при наличии необходимых прав, редактировать и удалять его членов.</a:t>
+            </a:r>
+          </a:p>
+        </p:txBody>
+      </p:sp>
+    </p:spTree>
+    <p:extLst>
+      <p:ext uri="{BB962C8B-B14F-4D97-AF65-F5344CB8AC3E}">
+        <p14:creationId xmlns:p14="http://schemas.microsoft.com/office/powerpoint/2010/main" val="1037659025"/>
       </p:ext>
     </p:extLst>
   </p:cSld>
